--- a/Guided Capstone Slide Deck.pptx
+++ b/Guided Capstone Slide Deck.pptx
@@ -9,6 +9,11 @@
     <p:sldId id="257" r:id="rId3"/>
     <p:sldId id="258" r:id="rId4"/>
     <p:sldId id="259" r:id="rId5"/>
+    <p:sldId id="260" r:id="rId6"/>
+    <p:sldId id="262" r:id="rId7"/>
+    <p:sldId id="263" r:id="rId8"/>
+    <p:sldId id="261" r:id="rId9"/>
+    <p:sldId id="264" r:id="rId10"/>
   </p:sldIdLst>
   <p:sldSz cx="12192000" cy="6858000"/>
   <p:notesSz cx="6858000" cy="9144000"/>
@@ -107,6 +112,11 @@
       </a:defRPr>
     </a:lvl9pPr>
   </p:defaultTextStyle>
+  <p:extLst>
+    <p:ext uri="{EFAFB233-063F-42B5-8137-9DF3F51BA10A}">
+      <p15:sldGuideLst xmlns:p15="http://schemas.microsoft.com/office/powerpoint/2012/main"/>
+    </p:ext>
+  </p:extLst>
 </p:presentation>
 </file>
 
@@ -843,6 +853,881 @@
   <dgm:styleLbl name="revTx">
     <dgm:fillClrLst meth="repeat">
       <a:schemeClr val="lt2">
+        <a:alpha val="0"/>
+      </a:schemeClr>
+    </dgm:fillClrLst>
+    <dgm:linClrLst meth="repeat">
+      <a:schemeClr val="dk1">
+        <a:alpha val="0"/>
+      </a:schemeClr>
+    </dgm:linClrLst>
+    <dgm:effectClrLst/>
+    <dgm:txLinClrLst/>
+    <dgm:txFillClrLst meth="repeat">
+      <a:schemeClr val="tx1"/>
+    </dgm:txFillClrLst>
+    <dgm:txEffectClrLst/>
+  </dgm:styleLbl>
+</dgm:colorsDef>
+</file>
+
+<file path=ppt/diagrams/colors2.xml><?xml version="1.0" encoding="utf-8"?>
+<dgm:colorsDef xmlns:dgm="http://schemas.openxmlformats.org/drawingml/2006/diagram" xmlns:a="http://schemas.openxmlformats.org/drawingml/2006/main" uniqueId="urn:microsoft.com/office/officeart/2005/8/colors/accent2_3">
+  <dgm:title val=""/>
+  <dgm:desc val=""/>
+  <dgm:catLst>
+    <dgm:cat type="accent2" pri="11300"/>
+  </dgm:catLst>
+  <dgm:styleLbl name="node0">
+    <dgm:fillClrLst meth="repeat">
+      <a:schemeClr val="accent2">
+        <a:shade val="80000"/>
+      </a:schemeClr>
+    </dgm:fillClrLst>
+    <dgm:linClrLst meth="repeat">
+      <a:schemeClr val="lt1"/>
+    </dgm:linClrLst>
+    <dgm:effectClrLst/>
+    <dgm:txLinClrLst/>
+    <dgm:txFillClrLst/>
+    <dgm:txEffectClrLst/>
+  </dgm:styleLbl>
+  <dgm:styleLbl name="node1">
+    <dgm:fillClrLst>
+      <a:schemeClr val="accent2">
+        <a:shade val="80000"/>
+      </a:schemeClr>
+      <a:schemeClr val="accent2">
+        <a:tint val="70000"/>
+      </a:schemeClr>
+    </dgm:fillClrLst>
+    <dgm:linClrLst meth="repeat">
+      <a:schemeClr val="lt1"/>
+    </dgm:linClrLst>
+    <dgm:effectClrLst/>
+    <dgm:txLinClrLst/>
+    <dgm:txFillClrLst/>
+    <dgm:txEffectClrLst/>
+  </dgm:styleLbl>
+  <dgm:styleLbl name="alignNode1">
+    <dgm:fillClrLst>
+      <a:schemeClr val="accent2">
+        <a:shade val="80000"/>
+      </a:schemeClr>
+      <a:schemeClr val="accent2">
+        <a:tint val="70000"/>
+      </a:schemeClr>
+    </dgm:fillClrLst>
+    <dgm:linClrLst>
+      <a:schemeClr val="accent2">
+        <a:shade val="80000"/>
+      </a:schemeClr>
+      <a:schemeClr val="accent2">
+        <a:tint val="70000"/>
+      </a:schemeClr>
+    </dgm:linClrLst>
+    <dgm:effectClrLst/>
+    <dgm:txLinClrLst/>
+    <dgm:txFillClrLst/>
+    <dgm:txEffectClrLst/>
+  </dgm:styleLbl>
+  <dgm:styleLbl name="lnNode1">
+    <dgm:fillClrLst>
+      <a:schemeClr val="accent2">
+        <a:shade val="80000"/>
+      </a:schemeClr>
+      <a:schemeClr val="accent2">
+        <a:tint val="70000"/>
+      </a:schemeClr>
+    </dgm:fillClrLst>
+    <dgm:linClrLst meth="repeat">
+      <a:schemeClr val="lt1"/>
+    </dgm:linClrLst>
+    <dgm:effectClrLst/>
+    <dgm:txLinClrLst/>
+    <dgm:txFillClrLst/>
+    <dgm:txEffectClrLst/>
+  </dgm:styleLbl>
+  <dgm:styleLbl name="vennNode1">
+    <dgm:fillClrLst>
+      <a:schemeClr val="accent2">
+        <a:shade val="80000"/>
+        <a:alpha val="50000"/>
+      </a:schemeClr>
+      <a:schemeClr val="accent2">
+        <a:tint val="70000"/>
+        <a:alpha val="50000"/>
+      </a:schemeClr>
+    </dgm:fillClrLst>
+    <dgm:linClrLst meth="repeat">
+      <a:schemeClr val="lt1"/>
+    </dgm:linClrLst>
+    <dgm:effectClrLst/>
+    <dgm:txLinClrLst/>
+    <dgm:txFillClrLst/>
+    <dgm:txEffectClrLst/>
+  </dgm:styleLbl>
+  <dgm:styleLbl name="node2">
+    <dgm:fillClrLst>
+      <a:schemeClr val="accent2">
+        <a:tint val="99000"/>
+      </a:schemeClr>
+    </dgm:fillClrLst>
+    <dgm:linClrLst meth="repeat">
+      <a:schemeClr val="lt1"/>
+    </dgm:linClrLst>
+    <dgm:effectClrLst/>
+    <dgm:txLinClrLst/>
+    <dgm:txFillClrLst/>
+    <dgm:txEffectClrLst/>
+  </dgm:styleLbl>
+  <dgm:styleLbl name="node3">
+    <dgm:fillClrLst>
+      <a:schemeClr val="accent2">
+        <a:tint val="80000"/>
+      </a:schemeClr>
+    </dgm:fillClrLst>
+    <dgm:linClrLst meth="repeat">
+      <a:schemeClr val="lt1"/>
+    </dgm:linClrLst>
+    <dgm:effectClrLst/>
+    <dgm:txLinClrLst/>
+    <dgm:txFillClrLst/>
+    <dgm:txEffectClrLst/>
+  </dgm:styleLbl>
+  <dgm:styleLbl name="node4">
+    <dgm:fillClrLst>
+      <a:schemeClr val="accent2">
+        <a:tint val="70000"/>
+      </a:schemeClr>
+    </dgm:fillClrLst>
+    <dgm:linClrLst meth="repeat">
+      <a:schemeClr val="lt1"/>
+    </dgm:linClrLst>
+    <dgm:effectClrLst/>
+    <dgm:txLinClrLst/>
+    <dgm:txFillClrLst/>
+    <dgm:txEffectClrLst/>
+  </dgm:styleLbl>
+  <dgm:styleLbl name="fgImgPlace1">
+    <dgm:fillClrLst>
+      <a:schemeClr val="accent2">
+        <a:tint val="50000"/>
+      </a:schemeClr>
+      <a:schemeClr val="accent2">
+        <a:tint val="20000"/>
+      </a:schemeClr>
+    </dgm:fillClrLst>
+    <dgm:linClrLst meth="repeat">
+      <a:schemeClr val="lt1"/>
+    </dgm:linClrLst>
+    <dgm:effectClrLst/>
+    <dgm:txLinClrLst/>
+    <dgm:txFillClrLst meth="repeat">
+      <a:schemeClr val="lt1"/>
+    </dgm:txFillClrLst>
+    <dgm:txEffectClrLst/>
+  </dgm:styleLbl>
+  <dgm:styleLbl name="alignImgPlace1">
+    <dgm:fillClrLst>
+      <a:schemeClr val="accent2">
+        <a:tint val="50000"/>
+      </a:schemeClr>
+      <a:schemeClr val="accent2">
+        <a:tint val="20000"/>
+      </a:schemeClr>
+    </dgm:fillClrLst>
+    <dgm:linClrLst meth="repeat">
+      <a:schemeClr val="lt1"/>
+    </dgm:linClrLst>
+    <dgm:effectClrLst/>
+    <dgm:txLinClrLst/>
+    <dgm:txFillClrLst meth="repeat">
+      <a:schemeClr val="lt1"/>
+    </dgm:txFillClrLst>
+    <dgm:txEffectClrLst/>
+  </dgm:styleLbl>
+  <dgm:styleLbl name="bgImgPlace1">
+    <dgm:fillClrLst>
+      <a:schemeClr val="accent2">
+        <a:tint val="50000"/>
+      </a:schemeClr>
+      <a:schemeClr val="accent2">
+        <a:tint val="20000"/>
+      </a:schemeClr>
+    </dgm:fillClrLst>
+    <dgm:linClrLst meth="repeat">
+      <a:schemeClr val="lt1"/>
+    </dgm:linClrLst>
+    <dgm:effectClrLst/>
+    <dgm:txLinClrLst/>
+    <dgm:txFillClrLst meth="repeat">
+      <a:schemeClr val="lt1"/>
+    </dgm:txFillClrLst>
+    <dgm:txEffectClrLst/>
+  </dgm:styleLbl>
+  <dgm:styleLbl name="sibTrans2D1">
+    <dgm:fillClrLst>
+      <a:schemeClr val="accent2">
+        <a:shade val="90000"/>
+      </a:schemeClr>
+      <a:schemeClr val="accent2">
+        <a:tint val="70000"/>
+      </a:schemeClr>
+    </dgm:fillClrLst>
+    <dgm:linClrLst>
+      <a:schemeClr val="accent2">
+        <a:shade val="90000"/>
+      </a:schemeClr>
+      <a:schemeClr val="accent2">
+        <a:tint val="70000"/>
+      </a:schemeClr>
+    </dgm:linClrLst>
+    <dgm:effectClrLst/>
+    <dgm:txLinClrLst/>
+    <dgm:txFillClrLst/>
+    <dgm:txEffectClrLst/>
+  </dgm:styleLbl>
+  <dgm:styleLbl name="fgSibTrans2D1">
+    <dgm:fillClrLst>
+      <a:schemeClr val="accent2">
+        <a:shade val="90000"/>
+      </a:schemeClr>
+      <a:schemeClr val="accent2">
+        <a:tint val="70000"/>
+      </a:schemeClr>
+    </dgm:fillClrLst>
+    <dgm:linClrLst>
+      <a:schemeClr val="accent2">
+        <a:shade val="90000"/>
+      </a:schemeClr>
+      <a:schemeClr val="accent2">
+        <a:tint val="70000"/>
+      </a:schemeClr>
+    </dgm:linClrLst>
+    <dgm:effectClrLst/>
+    <dgm:txLinClrLst/>
+    <dgm:txFillClrLst meth="repeat">
+      <a:schemeClr val="lt1"/>
+    </dgm:txFillClrLst>
+    <dgm:txEffectClrLst/>
+  </dgm:styleLbl>
+  <dgm:styleLbl name="bgSibTrans2D1">
+    <dgm:fillClrLst>
+      <a:schemeClr val="accent2">
+        <a:shade val="90000"/>
+      </a:schemeClr>
+      <a:schemeClr val="accent2">
+        <a:tint val="70000"/>
+      </a:schemeClr>
+    </dgm:fillClrLst>
+    <dgm:linClrLst>
+      <a:schemeClr val="accent2">
+        <a:shade val="90000"/>
+      </a:schemeClr>
+      <a:schemeClr val="accent2">
+        <a:tint val="70000"/>
+      </a:schemeClr>
+    </dgm:linClrLst>
+    <dgm:effectClrLst/>
+    <dgm:txLinClrLst/>
+    <dgm:txFillClrLst meth="repeat">
+      <a:schemeClr val="lt1"/>
+    </dgm:txFillClrLst>
+    <dgm:txEffectClrLst/>
+  </dgm:styleLbl>
+  <dgm:styleLbl name="sibTrans1D1">
+    <dgm:fillClrLst>
+      <a:schemeClr val="accent2">
+        <a:shade val="90000"/>
+      </a:schemeClr>
+      <a:schemeClr val="accent2">
+        <a:tint val="70000"/>
+      </a:schemeClr>
+    </dgm:fillClrLst>
+    <dgm:linClrLst>
+      <a:schemeClr val="accent2">
+        <a:shade val="90000"/>
+      </a:schemeClr>
+      <a:schemeClr val="accent2">
+        <a:tint val="70000"/>
+      </a:schemeClr>
+    </dgm:linClrLst>
+    <dgm:effectClrLst/>
+    <dgm:txLinClrLst/>
+    <dgm:txFillClrLst meth="repeat">
+      <a:schemeClr val="tx1"/>
+    </dgm:txFillClrLst>
+    <dgm:txEffectClrLst/>
+  </dgm:styleLbl>
+  <dgm:styleLbl name="callout">
+    <dgm:fillClrLst meth="repeat">
+      <a:schemeClr val="accent2"/>
+    </dgm:fillClrLst>
+    <dgm:linClrLst meth="repeat">
+      <a:schemeClr val="accent2"/>
+    </dgm:linClrLst>
+    <dgm:effectClrLst/>
+    <dgm:txLinClrLst/>
+    <dgm:txFillClrLst meth="repeat">
+      <a:schemeClr val="tx1"/>
+    </dgm:txFillClrLst>
+    <dgm:txEffectClrLst/>
+  </dgm:styleLbl>
+  <dgm:styleLbl name="asst0">
+    <dgm:fillClrLst meth="repeat">
+      <a:schemeClr val="accent2">
+        <a:shade val="80000"/>
+      </a:schemeClr>
+    </dgm:fillClrLst>
+    <dgm:linClrLst meth="repeat">
+      <a:schemeClr val="lt1"/>
+    </dgm:linClrLst>
+    <dgm:effectClrLst/>
+    <dgm:txLinClrLst/>
+    <dgm:txFillClrLst/>
+    <dgm:txEffectClrLst/>
+  </dgm:styleLbl>
+  <dgm:styleLbl name="asst1">
+    <dgm:fillClrLst meth="repeat">
+      <a:schemeClr val="accent2">
+        <a:shade val="80000"/>
+      </a:schemeClr>
+    </dgm:fillClrLst>
+    <dgm:linClrLst meth="repeat">
+      <a:schemeClr val="lt1"/>
+    </dgm:linClrLst>
+    <dgm:effectClrLst/>
+    <dgm:txLinClrLst/>
+    <dgm:txFillClrLst/>
+    <dgm:txEffectClrLst/>
+  </dgm:styleLbl>
+  <dgm:styleLbl name="asst2">
+    <dgm:fillClrLst>
+      <a:schemeClr val="accent2">
+        <a:tint val="99000"/>
+      </a:schemeClr>
+    </dgm:fillClrLst>
+    <dgm:linClrLst meth="repeat">
+      <a:schemeClr val="lt1"/>
+    </dgm:linClrLst>
+    <dgm:effectClrLst/>
+    <dgm:txLinClrLst/>
+    <dgm:txFillClrLst/>
+    <dgm:txEffectClrLst/>
+  </dgm:styleLbl>
+  <dgm:styleLbl name="asst3">
+    <dgm:fillClrLst>
+      <a:schemeClr val="accent2">
+        <a:tint val="80000"/>
+      </a:schemeClr>
+    </dgm:fillClrLst>
+    <dgm:linClrLst meth="repeat">
+      <a:schemeClr val="lt1"/>
+    </dgm:linClrLst>
+    <dgm:effectClrLst/>
+    <dgm:txLinClrLst/>
+    <dgm:txFillClrLst/>
+    <dgm:txEffectClrLst/>
+  </dgm:styleLbl>
+  <dgm:styleLbl name="asst4">
+    <dgm:fillClrLst>
+      <a:schemeClr val="accent2">
+        <a:tint val="70000"/>
+      </a:schemeClr>
+    </dgm:fillClrLst>
+    <dgm:linClrLst meth="repeat">
+      <a:schemeClr val="lt1"/>
+    </dgm:linClrLst>
+    <dgm:effectClrLst/>
+    <dgm:txLinClrLst/>
+    <dgm:txFillClrLst/>
+    <dgm:txEffectClrLst/>
+  </dgm:styleLbl>
+  <dgm:styleLbl name="parChTrans2D1">
+    <dgm:fillClrLst meth="repeat">
+      <a:schemeClr val="accent2">
+        <a:tint val="60000"/>
+      </a:schemeClr>
+    </dgm:fillClrLst>
+    <dgm:linClrLst meth="repeat">
+      <a:schemeClr val="accent2">
+        <a:tint val="60000"/>
+      </a:schemeClr>
+    </dgm:linClrLst>
+    <dgm:effectClrLst/>
+    <dgm:txLinClrLst/>
+    <dgm:txFillClrLst meth="repeat">
+      <a:schemeClr val="lt1"/>
+    </dgm:txFillClrLst>
+    <dgm:txEffectClrLst/>
+  </dgm:styleLbl>
+  <dgm:styleLbl name="parChTrans2D2">
+    <dgm:fillClrLst meth="repeat">
+      <a:schemeClr val="accent2">
+        <a:tint val="90000"/>
+      </a:schemeClr>
+    </dgm:fillClrLst>
+    <dgm:linClrLst meth="repeat">
+      <a:schemeClr val="accent2">
+        <a:tint val="90000"/>
+      </a:schemeClr>
+    </dgm:linClrLst>
+    <dgm:effectClrLst/>
+    <dgm:txLinClrLst/>
+    <dgm:txFillClrLst/>
+    <dgm:txEffectClrLst/>
+  </dgm:styleLbl>
+  <dgm:styleLbl name="parChTrans2D3">
+    <dgm:fillClrLst meth="repeat">
+      <a:schemeClr val="accent2">
+        <a:tint val="70000"/>
+      </a:schemeClr>
+    </dgm:fillClrLst>
+    <dgm:linClrLst meth="repeat">
+      <a:schemeClr val="accent2">
+        <a:tint val="70000"/>
+      </a:schemeClr>
+    </dgm:linClrLst>
+    <dgm:effectClrLst/>
+    <dgm:txLinClrLst/>
+    <dgm:txFillClrLst/>
+    <dgm:txEffectClrLst/>
+  </dgm:styleLbl>
+  <dgm:styleLbl name="parChTrans2D4">
+    <dgm:fillClrLst meth="repeat">
+      <a:schemeClr val="accent2">
+        <a:tint val="50000"/>
+      </a:schemeClr>
+    </dgm:fillClrLst>
+    <dgm:linClrLst meth="repeat">
+      <a:schemeClr val="accent2">
+        <a:tint val="50000"/>
+      </a:schemeClr>
+    </dgm:linClrLst>
+    <dgm:effectClrLst/>
+    <dgm:txLinClrLst/>
+    <dgm:txFillClrLst meth="repeat">
+      <a:schemeClr val="lt1"/>
+    </dgm:txFillClrLst>
+    <dgm:txEffectClrLst/>
+  </dgm:styleLbl>
+  <dgm:styleLbl name="parChTrans1D1">
+    <dgm:fillClrLst meth="repeat">
+      <a:schemeClr val="accent2">
+        <a:shade val="80000"/>
+      </a:schemeClr>
+    </dgm:fillClrLst>
+    <dgm:linClrLst meth="repeat">
+      <a:schemeClr val="accent2">
+        <a:shade val="80000"/>
+      </a:schemeClr>
+    </dgm:linClrLst>
+    <dgm:effectClrLst/>
+    <dgm:txLinClrLst/>
+    <dgm:txFillClrLst meth="repeat">
+      <a:schemeClr val="tx1"/>
+    </dgm:txFillClrLst>
+    <dgm:txEffectClrLst/>
+  </dgm:styleLbl>
+  <dgm:styleLbl name="parChTrans1D2">
+    <dgm:fillClrLst meth="repeat">
+      <a:schemeClr val="accent2">
+        <a:tint val="99000"/>
+      </a:schemeClr>
+    </dgm:fillClrLst>
+    <dgm:linClrLst meth="repeat">
+      <a:schemeClr val="accent2">
+        <a:tint val="99000"/>
+      </a:schemeClr>
+    </dgm:linClrLst>
+    <dgm:effectClrLst/>
+    <dgm:txLinClrLst/>
+    <dgm:txFillClrLst meth="repeat">
+      <a:schemeClr val="tx1"/>
+    </dgm:txFillClrLst>
+    <dgm:txEffectClrLst/>
+  </dgm:styleLbl>
+  <dgm:styleLbl name="parChTrans1D3">
+    <dgm:fillClrLst meth="repeat">
+      <a:schemeClr val="accent2">
+        <a:tint val="80000"/>
+      </a:schemeClr>
+    </dgm:fillClrLst>
+    <dgm:linClrLst meth="repeat">
+      <a:schemeClr val="accent2">
+        <a:tint val="80000"/>
+      </a:schemeClr>
+    </dgm:linClrLst>
+    <dgm:effectClrLst/>
+    <dgm:txLinClrLst/>
+    <dgm:txFillClrLst meth="repeat">
+      <a:schemeClr val="tx1"/>
+    </dgm:txFillClrLst>
+    <dgm:txEffectClrLst/>
+  </dgm:styleLbl>
+  <dgm:styleLbl name="parChTrans1D4">
+    <dgm:fillClrLst meth="repeat">
+      <a:schemeClr val="accent2">
+        <a:tint val="70000"/>
+      </a:schemeClr>
+    </dgm:fillClrLst>
+    <dgm:linClrLst meth="repeat">
+      <a:schemeClr val="accent2">
+        <a:tint val="70000"/>
+      </a:schemeClr>
+    </dgm:linClrLst>
+    <dgm:effectClrLst/>
+    <dgm:txLinClrLst/>
+    <dgm:txFillClrLst meth="repeat">
+      <a:schemeClr val="tx1"/>
+    </dgm:txFillClrLst>
+    <dgm:txEffectClrLst/>
+  </dgm:styleLbl>
+  <dgm:styleLbl name="fgAcc1">
+    <dgm:fillClrLst meth="repeat">
+      <a:schemeClr val="lt1">
+        <a:alpha val="90000"/>
+      </a:schemeClr>
+    </dgm:fillClrLst>
+    <dgm:linClrLst>
+      <a:schemeClr val="accent2">
+        <a:shade val="80000"/>
+      </a:schemeClr>
+      <a:schemeClr val="accent2">
+        <a:tint val="70000"/>
+      </a:schemeClr>
+    </dgm:linClrLst>
+    <dgm:effectClrLst/>
+    <dgm:txLinClrLst/>
+    <dgm:txFillClrLst meth="repeat">
+      <a:schemeClr val="dk1"/>
+    </dgm:txFillClrLst>
+    <dgm:txEffectClrLst/>
+  </dgm:styleLbl>
+  <dgm:styleLbl name="conFgAcc1">
+    <dgm:fillClrLst meth="repeat">
+      <a:schemeClr val="lt1">
+        <a:alpha val="90000"/>
+      </a:schemeClr>
+    </dgm:fillClrLst>
+    <dgm:linClrLst>
+      <a:schemeClr val="accent2">
+        <a:shade val="80000"/>
+      </a:schemeClr>
+      <a:schemeClr val="accent2">
+        <a:tint val="70000"/>
+      </a:schemeClr>
+    </dgm:linClrLst>
+    <dgm:effectClrLst/>
+    <dgm:txLinClrLst/>
+    <dgm:txFillClrLst meth="repeat">
+      <a:schemeClr val="dk1"/>
+    </dgm:txFillClrLst>
+    <dgm:txEffectClrLst/>
+  </dgm:styleLbl>
+  <dgm:styleLbl name="alignAcc1">
+    <dgm:fillClrLst meth="repeat">
+      <a:schemeClr val="lt1">
+        <a:alpha val="90000"/>
+      </a:schemeClr>
+    </dgm:fillClrLst>
+    <dgm:linClrLst>
+      <a:schemeClr val="accent2">
+        <a:shade val="80000"/>
+      </a:schemeClr>
+      <a:schemeClr val="accent2">
+        <a:tint val="70000"/>
+      </a:schemeClr>
+    </dgm:linClrLst>
+    <dgm:effectClrLst/>
+    <dgm:txLinClrLst/>
+    <dgm:txFillClrLst meth="repeat">
+      <a:schemeClr val="dk1"/>
+    </dgm:txFillClrLst>
+    <dgm:txEffectClrLst/>
+  </dgm:styleLbl>
+  <dgm:styleLbl name="trAlignAcc1">
+    <dgm:fillClrLst meth="repeat">
+      <a:schemeClr val="lt1">
+        <a:alpha val="40000"/>
+      </a:schemeClr>
+    </dgm:fillClrLst>
+    <dgm:linClrLst meth="repeat">
+      <a:schemeClr val="accent2"/>
+    </dgm:linClrLst>
+    <dgm:effectClrLst/>
+    <dgm:txLinClrLst/>
+    <dgm:txFillClrLst meth="repeat">
+      <a:schemeClr val="dk1"/>
+    </dgm:txFillClrLst>
+    <dgm:txEffectClrLst/>
+  </dgm:styleLbl>
+  <dgm:styleLbl name="bgAcc1">
+    <dgm:fillClrLst meth="repeat">
+      <a:schemeClr val="lt1">
+        <a:alpha val="90000"/>
+      </a:schemeClr>
+    </dgm:fillClrLst>
+    <dgm:linClrLst>
+      <a:schemeClr val="accent2">
+        <a:shade val="80000"/>
+      </a:schemeClr>
+      <a:schemeClr val="accent2">
+        <a:tint val="70000"/>
+      </a:schemeClr>
+    </dgm:linClrLst>
+    <dgm:effectClrLst/>
+    <dgm:txLinClrLst/>
+    <dgm:txFillClrLst meth="repeat">
+      <a:schemeClr val="dk1"/>
+    </dgm:txFillClrLst>
+    <dgm:txEffectClrLst/>
+  </dgm:styleLbl>
+  <dgm:styleLbl name="solidFgAcc1">
+    <dgm:fillClrLst meth="repeat">
+      <a:schemeClr val="lt1"/>
+    </dgm:fillClrLst>
+    <dgm:linClrLst>
+      <a:schemeClr val="accent2">
+        <a:shade val="80000"/>
+      </a:schemeClr>
+      <a:schemeClr val="accent2">
+        <a:tint val="70000"/>
+      </a:schemeClr>
+    </dgm:linClrLst>
+    <dgm:effectClrLst/>
+    <dgm:txLinClrLst/>
+    <dgm:txFillClrLst meth="repeat">
+      <a:schemeClr val="dk1"/>
+    </dgm:txFillClrLst>
+    <dgm:txEffectClrLst/>
+  </dgm:styleLbl>
+  <dgm:styleLbl name="solidAlignAcc1">
+    <dgm:fillClrLst meth="repeat">
+      <a:schemeClr val="lt1"/>
+    </dgm:fillClrLst>
+    <dgm:linClrLst meth="repeat">
+      <a:schemeClr val="accent2"/>
+    </dgm:linClrLst>
+    <dgm:effectClrLst/>
+    <dgm:txLinClrLst/>
+    <dgm:txFillClrLst meth="repeat">
+      <a:schemeClr val="dk1"/>
+    </dgm:txFillClrLst>
+    <dgm:txEffectClrLst/>
+  </dgm:styleLbl>
+  <dgm:styleLbl name="solidBgAcc1">
+    <dgm:fillClrLst meth="repeat">
+      <a:schemeClr val="lt1"/>
+    </dgm:fillClrLst>
+    <dgm:linClrLst meth="repeat">
+      <a:schemeClr val="accent2"/>
+    </dgm:linClrLst>
+    <dgm:effectClrLst/>
+    <dgm:txLinClrLst/>
+    <dgm:txFillClrLst meth="repeat">
+      <a:schemeClr val="dk1"/>
+    </dgm:txFillClrLst>
+    <dgm:txEffectClrLst/>
+  </dgm:styleLbl>
+  <dgm:styleLbl name="fgAccFollowNode1">
+    <dgm:fillClrLst meth="repeat">
+      <a:schemeClr val="accent2">
+        <a:alpha val="90000"/>
+        <a:tint val="40000"/>
+      </a:schemeClr>
+    </dgm:fillClrLst>
+    <dgm:linClrLst meth="repeat">
+      <a:schemeClr val="accent2">
+        <a:alpha val="90000"/>
+        <a:tint val="40000"/>
+      </a:schemeClr>
+    </dgm:linClrLst>
+    <dgm:effectClrLst/>
+    <dgm:txLinClrLst/>
+    <dgm:txFillClrLst meth="repeat">
+      <a:schemeClr val="dk1"/>
+    </dgm:txFillClrLst>
+    <dgm:txEffectClrLst/>
+  </dgm:styleLbl>
+  <dgm:styleLbl name="alignAccFollowNode1">
+    <dgm:fillClrLst meth="repeat">
+      <a:schemeClr val="accent2">
+        <a:alpha val="90000"/>
+        <a:tint val="40000"/>
+      </a:schemeClr>
+    </dgm:fillClrLst>
+    <dgm:linClrLst meth="repeat">
+      <a:schemeClr val="accent2">
+        <a:alpha val="90000"/>
+        <a:tint val="40000"/>
+      </a:schemeClr>
+    </dgm:linClrLst>
+    <dgm:effectClrLst/>
+    <dgm:txLinClrLst/>
+    <dgm:txFillClrLst meth="repeat">
+      <a:schemeClr val="dk1"/>
+    </dgm:txFillClrLst>
+    <dgm:txEffectClrLst/>
+  </dgm:styleLbl>
+  <dgm:styleLbl name="bgAccFollowNode1">
+    <dgm:fillClrLst meth="repeat">
+      <a:schemeClr val="accent2">
+        <a:alpha val="90000"/>
+        <a:tint val="40000"/>
+      </a:schemeClr>
+    </dgm:fillClrLst>
+    <dgm:linClrLst meth="repeat">
+      <a:schemeClr val="lt1"/>
+    </dgm:linClrLst>
+    <dgm:effectClrLst/>
+    <dgm:txLinClrLst/>
+    <dgm:txFillClrLst meth="repeat">
+      <a:schemeClr val="dk1"/>
+    </dgm:txFillClrLst>
+    <dgm:txEffectClrLst/>
+  </dgm:styleLbl>
+  <dgm:styleLbl name="fgAcc0">
+    <dgm:fillClrLst meth="repeat">
+      <a:schemeClr val="lt1">
+        <a:alpha val="90000"/>
+      </a:schemeClr>
+    </dgm:fillClrLst>
+    <dgm:linClrLst meth="repeat">
+      <a:schemeClr val="accent2">
+        <a:shade val="80000"/>
+      </a:schemeClr>
+    </dgm:linClrLst>
+    <dgm:effectClrLst/>
+    <dgm:txLinClrLst/>
+    <dgm:txFillClrLst meth="repeat">
+      <a:schemeClr val="dk1"/>
+    </dgm:txFillClrLst>
+    <dgm:txEffectClrLst/>
+  </dgm:styleLbl>
+  <dgm:styleLbl name="fgAcc2">
+    <dgm:fillClrLst meth="repeat">
+      <a:schemeClr val="lt1">
+        <a:alpha val="90000"/>
+      </a:schemeClr>
+    </dgm:fillClrLst>
+    <dgm:linClrLst meth="repeat">
+      <a:schemeClr val="accent2">
+        <a:tint val="99000"/>
+      </a:schemeClr>
+    </dgm:linClrLst>
+    <dgm:effectClrLst/>
+    <dgm:txLinClrLst/>
+    <dgm:txFillClrLst meth="repeat">
+      <a:schemeClr val="dk1"/>
+    </dgm:txFillClrLst>
+    <dgm:txEffectClrLst/>
+  </dgm:styleLbl>
+  <dgm:styleLbl name="fgAcc3">
+    <dgm:fillClrLst meth="repeat">
+      <a:schemeClr val="lt1">
+        <a:alpha val="90000"/>
+      </a:schemeClr>
+    </dgm:fillClrLst>
+    <dgm:linClrLst meth="repeat">
+      <a:schemeClr val="accent2">
+        <a:tint val="80000"/>
+      </a:schemeClr>
+    </dgm:linClrLst>
+    <dgm:effectClrLst/>
+    <dgm:txLinClrLst/>
+    <dgm:txFillClrLst meth="repeat">
+      <a:schemeClr val="dk1"/>
+    </dgm:txFillClrLst>
+    <dgm:txEffectClrLst/>
+  </dgm:styleLbl>
+  <dgm:styleLbl name="fgAcc4">
+    <dgm:fillClrLst meth="repeat">
+      <a:schemeClr val="lt1">
+        <a:alpha val="90000"/>
+      </a:schemeClr>
+    </dgm:fillClrLst>
+    <dgm:linClrLst meth="repeat">
+      <a:schemeClr val="accent2">
+        <a:tint val="70000"/>
+      </a:schemeClr>
+    </dgm:linClrLst>
+    <dgm:effectClrLst/>
+    <dgm:txLinClrLst/>
+    <dgm:txFillClrLst meth="repeat">
+      <a:schemeClr val="dk1"/>
+    </dgm:txFillClrLst>
+    <dgm:txEffectClrLst/>
+  </dgm:styleLbl>
+  <dgm:styleLbl name="bgShp">
+    <dgm:fillClrLst meth="repeat">
+      <a:schemeClr val="accent2">
+        <a:tint val="40000"/>
+      </a:schemeClr>
+    </dgm:fillClrLst>
+    <dgm:linClrLst meth="repeat">
+      <a:schemeClr val="dk1"/>
+    </dgm:linClrLst>
+    <dgm:effectClrLst/>
+    <dgm:txLinClrLst/>
+    <dgm:txFillClrLst meth="repeat">
+      <a:schemeClr val="dk1"/>
+    </dgm:txFillClrLst>
+    <dgm:txEffectClrLst/>
+  </dgm:styleLbl>
+  <dgm:styleLbl name="dkBgShp">
+    <dgm:fillClrLst meth="repeat">
+      <a:schemeClr val="accent2">
+        <a:shade val="90000"/>
+      </a:schemeClr>
+    </dgm:fillClrLst>
+    <dgm:linClrLst meth="repeat">
+      <a:schemeClr val="dk1"/>
+    </dgm:linClrLst>
+    <dgm:effectClrLst/>
+    <dgm:txLinClrLst/>
+    <dgm:txFillClrLst meth="repeat">
+      <a:schemeClr val="lt1"/>
+    </dgm:txFillClrLst>
+    <dgm:txEffectClrLst/>
+  </dgm:styleLbl>
+  <dgm:styleLbl name="trBgShp">
+    <dgm:fillClrLst meth="repeat">
+      <a:schemeClr val="accent2">
+        <a:tint val="50000"/>
+        <a:alpha val="40000"/>
+      </a:schemeClr>
+    </dgm:fillClrLst>
+    <dgm:linClrLst meth="repeat">
+      <a:schemeClr val="accent2"/>
+    </dgm:linClrLst>
+    <dgm:effectClrLst/>
+    <dgm:txLinClrLst/>
+    <dgm:txFillClrLst meth="repeat">
+      <a:schemeClr val="lt1"/>
+    </dgm:txFillClrLst>
+    <dgm:txEffectClrLst/>
+  </dgm:styleLbl>
+  <dgm:styleLbl name="fgShp">
+    <dgm:fillClrLst meth="repeat">
+      <a:schemeClr val="accent2">
+        <a:tint val="40000"/>
+      </a:schemeClr>
+    </dgm:fillClrLst>
+    <dgm:linClrLst meth="repeat">
+      <a:schemeClr val="lt1"/>
+    </dgm:linClrLst>
+    <dgm:effectClrLst/>
+    <dgm:txLinClrLst/>
+    <dgm:txFillClrLst meth="repeat">
+      <a:schemeClr val="dk1"/>
+    </dgm:txFillClrLst>
+    <dgm:txEffectClrLst/>
+  </dgm:styleLbl>
+  <dgm:styleLbl name="revTx">
+    <dgm:fillClrLst meth="repeat">
+      <a:schemeClr val="lt1">
         <a:alpha val="0"/>
       </a:schemeClr>
     </dgm:fillClrLst>
@@ -1591,6 +2476,471 @@
     <dgm:cxn modelId="{760AC249-F84D-40DD-82A9-4CC6B7EC3590}" type="presParOf" srcId="{C1021E63-AEA4-4829-9B3B-A9ED285F707C}" destId="{93A535A6-274F-4A7F-B16C-758EC6EBF59A}" srcOrd="1" destOrd="0" presId="urn:microsoft.com/office/officeart/2018/2/layout/IconVerticalSolidList"/>
     <dgm:cxn modelId="{FFB99875-BD01-416D-AA92-626061E7D30D}" type="presParOf" srcId="{C1021E63-AEA4-4829-9B3B-A9ED285F707C}" destId="{0244263F-71E2-4AD8-B3FE-4FA76F84F1E3}" srcOrd="2" destOrd="0" presId="urn:microsoft.com/office/officeart/2018/2/layout/IconVerticalSolidList"/>
     <dgm:cxn modelId="{4A7A0521-E816-4220-848C-F728E0027216}" type="presParOf" srcId="{C1021E63-AEA4-4829-9B3B-A9ED285F707C}" destId="{48E0C4B6-8CEA-4A1E-B7C6-745560497C21}" srcOrd="3" destOrd="0" presId="urn:microsoft.com/office/officeart/2018/2/layout/IconVerticalSolidList"/>
+  </dgm:cxnLst>
+  <dgm:bg/>
+  <dgm:whole/>
+  <dgm:extLst>
+    <a:ext uri="http://schemas.microsoft.com/office/drawing/2008/diagram">
+      <dsp:dataModelExt xmlns:dsp="http://schemas.microsoft.com/office/drawing/2008/diagram" relId="rId6" minVer="http://schemas.openxmlformats.org/drawingml/2006/diagram"/>
+    </a:ext>
+  </dgm:extLst>
+</dgm:dataModel>
+</file>
+
+<file path=ppt/diagrams/data2.xml><?xml version="1.0" encoding="utf-8"?>
+<dgm:dataModel xmlns:dgm="http://schemas.openxmlformats.org/drawingml/2006/diagram" xmlns:a="http://schemas.openxmlformats.org/drawingml/2006/main">
+  <dgm:ptLst>
+    <dgm:pt modelId="{D8542486-5FE8-4837-929C-8CCBEC0AE1B9}" type="doc">
+      <dgm:prSet loTypeId="urn:microsoft.com/office/officeart/2005/8/layout/hList1" loCatId="list" qsTypeId="urn:microsoft.com/office/officeart/2005/8/quickstyle/simple2" qsCatId="simple" csTypeId="urn:microsoft.com/office/officeart/2005/8/colors/accent2_3" csCatId="accent2" phldr="1"/>
+      <dgm:spPr/>
+      <dgm:t>
+        <a:bodyPr/>
+        <a:lstStyle/>
+        <a:p>
+          <a:endParaRPr lang="en-US"/>
+        </a:p>
+      </dgm:t>
+    </dgm:pt>
+    <dgm:pt modelId="{5407DA2B-1F11-4DE9-AD93-E95A4734E04D}">
+      <dgm:prSet phldrT="[Text]" custT="1"/>
+      <dgm:spPr/>
+      <dgm:t>
+        <a:bodyPr/>
+        <a:lstStyle/>
+        <a:p>
+          <a:r>
+            <a:rPr lang="en-US" sz="3500" dirty="0"/>
+            <a:t>Reduce</a:t>
+          </a:r>
+        </a:p>
+      </dgm:t>
+    </dgm:pt>
+    <dgm:pt modelId="{97A94397-DD65-46A9-A392-B161A681369A}" type="parTrans" cxnId="{D6C9228A-D7C3-4602-8866-CF99EC21AB27}">
+      <dgm:prSet/>
+      <dgm:spPr/>
+      <dgm:t>
+        <a:bodyPr/>
+        <a:lstStyle/>
+        <a:p>
+          <a:endParaRPr lang="en-US"/>
+        </a:p>
+      </dgm:t>
+    </dgm:pt>
+    <dgm:pt modelId="{2D4E7D4B-ED0B-433A-A7B7-AAE7ED269CC3}" type="sibTrans" cxnId="{D6C9228A-D7C3-4602-8866-CF99EC21AB27}">
+      <dgm:prSet/>
+      <dgm:spPr/>
+      <dgm:t>
+        <a:bodyPr/>
+        <a:lstStyle/>
+        <a:p>
+          <a:endParaRPr lang="en-US"/>
+        </a:p>
+      </dgm:t>
+    </dgm:pt>
+    <dgm:pt modelId="{323889D9-EAF8-4EA3-A499-F16B62CB1AF2}">
+      <dgm:prSet phldrT="[Text]" custT="1"/>
+      <dgm:spPr/>
+      <dgm:t>
+        <a:bodyPr/>
+        <a:lstStyle/>
+        <a:p>
+          <a:r>
+            <a:rPr lang="en-US" sz="1600" dirty="0"/>
+            <a:t>Close one run without a reduction in ticket price.</a:t>
+          </a:r>
+        </a:p>
+      </dgm:t>
+    </dgm:pt>
+    <dgm:pt modelId="{AEFC1A00-D6A4-4A77-AE5F-5D645625A4BF}" type="parTrans" cxnId="{A75F868A-F796-4D27-A35F-65ECE919C6BD}">
+      <dgm:prSet/>
+      <dgm:spPr/>
+      <dgm:t>
+        <a:bodyPr/>
+        <a:lstStyle/>
+        <a:p>
+          <a:endParaRPr lang="en-US"/>
+        </a:p>
+      </dgm:t>
+    </dgm:pt>
+    <dgm:pt modelId="{1C3F3A3B-D2A1-4B88-886C-23086D2D7D7C}" type="sibTrans" cxnId="{A75F868A-F796-4D27-A35F-65ECE919C6BD}">
+      <dgm:prSet/>
+      <dgm:spPr/>
+      <dgm:t>
+        <a:bodyPr/>
+        <a:lstStyle/>
+        <a:p>
+          <a:endParaRPr lang="en-US"/>
+        </a:p>
+      </dgm:t>
+    </dgm:pt>
+    <dgm:pt modelId="{9FE97F5C-B7AE-4046-9EA8-73D4BC1115C0}">
+      <dgm:prSet phldrT="[Text]" custT="1"/>
+      <dgm:spPr/>
+      <dgm:t>
+        <a:bodyPr/>
+        <a:lstStyle/>
+        <a:p>
+          <a:r>
+            <a:rPr lang="en-US" sz="1600" dirty="0"/>
+            <a:t>Close up to 5 runs with approx. reduction in ticket price of $0.70.</a:t>
+          </a:r>
+        </a:p>
+      </dgm:t>
+    </dgm:pt>
+    <dgm:pt modelId="{2A01780B-F3A8-4154-88BE-CCB5070E07FF}" type="parTrans" cxnId="{89A9C99E-A5CC-4085-84E6-A22F05E662B4}">
+      <dgm:prSet/>
+      <dgm:spPr/>
+      <dgm:t>
+        <a:bodyPr/>
+        <a:lstStyle/>
+        <a:p>
+          <a:endParaRPr lang="en-US"/>
+        </a:p>
+      </dgm:t>
+    </dgm:pt>
+    <dgm:pt modelId="{9E3667CB-9AC7-4094-ACF4-ED657A11B10A}" type="sibTrans" cxnId="{89A9C99E-A5CC-4085-84E6-A22F05E662B4}">
+      <dgm:prSet/>
+      <dgm:spPr/>
+      <dgm:t>
+        <a:bodyPr/>
+        <a:lstStyle/>
+        <a:p>
+          <a:endParaRPr lang="en-US"/>
+        </a:p>
+      </dgm:t>
+    </dgm:pt>
+    <dgm:pt modelId="{CF12B7AA-C052-4922-B011-2E75C37B3251}">
+      <dgm:prSet phldrT="[Text]" custT="1"/>
+      <dgm:spPr/>
+      <dgm:t>
+        <a:bodyPr/>
+        <a:lstStyle/>
+        <a:p>
+          <a:r>
+            <a:rPr lang="en-US" sz="3500" dirty="0"/>
+            <a:t>Increase</a:t>
+          </a:r>
+        </a:p>
+      </dgm:t>
+    </dgm:pt>
+    <dgm:pt modelId="{CC508D77-91AB-40E5-A811-75FE56475569}" type="parTrans" cxnId="{5A6CDFB0-CD7B-475E-92C5-36CD812A0B2A}">
+      <dgm:prSet/>
+      <dgm:spPr/>
+      <dgm:t>
+        <a:bodyPr/>
+        <a:lstStyle/>
+        <a:p>
+          <a:endParaRPr lang="en-US"/>
+        </a:p>
+      </dgm:t>
+    </dgm:pt>
+    <dgm:pt modelId="{5AF34DB9-7620-429D-A3FD-AB3C55FDDF3F}" type="sibTrans" cxnId="{5A6CDFB0-CD7B-475E-92C5-36CD812A0B2A}">
+      <dgm:prSet/>
+      <dgm:spPr/>
+      <dgm:t>
+        <a:bodyPr/>
+        <a:lstStyle/>
+        <a:p>
+          <a:endParaRPr lang="en-US"/>
+        </a:p>
+      </dgm:t>
+    </dgm:pt>
+    <dgm:pt modelId="{FD10B985-755F-4E6F-BE9D-314601B27991}">
+      <dgm:prSet phldrT="[Text]" custT="1"/>
+      <dgm:spPr/>
+      <dgm:t>
+        <a:bodyPr/>
+        <a:lstStyle/>
+        <a:p>
+          <a:r>
+            <a:rPr lang="en-US" sz="1600" dirty="0"/>
+            <a:t>Add one run and lift, increasing our vertical drop, for ticket price increase of $1.99.</a:t>
+          </a:r>
+        </a:p>
+      </dgm:t>
+    </dgm:pt>
+    <dgm:pt modelId="{5689127B-B1B7-4343-8DD8-35891A2F28F2}" type="parTrans" cxnId="{133730BD-17D5-438E-8BDE-6975CA680BEC}">
+      <dgm:prSet/>
+      <dgm:spPr/>
+      <dgm:t>
+        <a:bodyPr/>
+        <a:lstStyle/>
+        <a:p>
+          <a:endParaRPr lang="en-US"/>
+        </a:p>
+      </dgm:t>
+    </dgm:pt>
+    <dgm:pt modelId="{63AF6A4E-43CD-407C-9D34-1FA5025F6C5B}" type="sibTrans" cxnId="{133730BD-17D5-438E-8BDE-6975CA680BEC}">
+      <dgm:prSet/>
+      <dgm:spPr/>
+      <dgm:t>
+        <a:bodyPr/>
+        <a:lstStyle/>
+        <a:p>
+          <a:endParaRPr lang="en-US"/>
+        </a:p>
+      </dgm:t>
+    </dgm:pt>
+    <dgm:pt modelId="{93BB7354-425C-407E-A180-0C9BB7ABB694}">
+      <dgm:prSet phldrT="[Text]" custT="1"/>
+      <dgm:spPr/>
+      <dgm:t>
+        <a:bodyPr/>
+        <a:lstStyle/>
+        <a:p>
+          <a:r>
+            <a:rPr lang="en-US" sz="1600" dirty="0"/>
+            <a:t>Consider instead making new lift a fast quad for potential ticket price increase of $23.87.</a:t>
+          </a:r>
+        </a:p>
+      </dgm:t>
+    </dgm:pt>
+    <dgm:pt modelId="{82089D34-FBCD-4855-A4CE-DC962D2FC3EE}" type="parTrans" cxnId="{5D7992E9-5C6A-4077-BEA3-158203E44F0B}">
+      <dgm:prSet/>
+      <dgm:spPr/>
+      <dgm:t>
+        <a:bodyPr/>
+        <a:lstStyle/>
+        <a:p>
+          <a:endParaRPr lang="en-US"/>
+        </a:p>
+      </dgm:t>
+    </dgm:pt>
+    <dgm:pt modelId="{0591AF79-11AB-4275-BA35-87C2C8CBB769}" type="sibTrans" cxnId="{5D7992E9-5C6A-4077-BEA3-158203E44F0B}">
+      <dgm:prSet/>
+      <dgm:spPr/>
+      <dgm:t>
+        <a:bodyPr/>
+        <a:lstStyle/>
+        <a:p>
+          <a:endParaRPr lang="en-US"/>
+        </a:p>
+      </dgm:t>
+    </dgm:pt>
+    <dgm:pt modelId="{EFBFDE8E-9DA6-4153-98BF-72A35EA5B15E}">
+      <dgm:prSet phldrT="[Text]" custT="1"/>
+      <dgm:spPr/>
+      <dgm:t>
+        <a:bodyPr/>
+        <a:lstStyle/>
+        <a:p>
+          <a:r>
+            <a:rPr lang="en-US" sz="3500" dirty="0"/>
+            <a:t>No change</a:t>
+          </a:r>
+        </a:p>
+      </dgm:t>
+    </dgm:pt>
+    <dgm:pt modelId="{0BAA1230-4FF9-45E0-96EE-407D092D04AD}" type="parTrans" cxnId="{F9A1B9C5-5BCC-42E3-AB42-278271380791}">
+      <dgm:prSet/>
+      <dgm:spPr/>
+      <dgm:t>
+        <a:bodyPr/>
+        <a:lstStyle/>
+        <a:p>
+          <a:endParaRPr lang="en-US"/>
+        </a:p>
+      </dgm:t>
+    </dgm:pt>
+    <dgm:pt modelId="{99EC130A-80F9-43CD-B117-36C17041E1BF}" type="sibTrans" cxnId="{F9A1B9C5-5BCC-42E3-AB42-278271380791}">
+      <dgm:prSet/>
+      <dgm:spPr/>
+      <dgm:t>
+        <a:bodyPr/>
+        <a:lstStyle/>
+        <a:p>
+          <a:endParaRPr lang="en-US"/>
+        </a:p>
+      </dgm:t>
+    </dgm:pt>
+    <dgm:pt modelId="{0AF5D69D-8278-47E9-A35D-DD3E190A7358}">
+      <dgm:prSet phldrT="[Text]" custT="1"/>
+      <dgm:spPr/>
+      <dgm:t>
+        <a:bodyPr/>
+        <a:lstStyle/>
+        <a:p>
+          <a:r>
+            <a:rPr lang="en-US" sz="1600" dirty="0"/>
+            <a:t>We are under-charging for our current facilities.</a:t>
+          </a:r>
+        </a:p>
+      </dgm:t>
+    </dgm:pt>
+    <dgm:pt modelId="{88365D57-8249-4F54-90E3-8B3A81BAD5DB}" type="parTrans" cxnId="{87213C87-1ABD-49E0-822B-87281CBEE413}">
+      <dgm:prSet/>
+      <dgm:spPr/>
+      <dgm:t>
+        <a:bodyPr/>
+        <a:lstStyle/>
+        <a:p>
+          <a:endParaRPr lang="en-US"/>
+        </a:p>
+      </dgm:t>
+    </dgm:pt>
+    <dgm:pt modelId="{C7C9047E-4E32-4641-A4DD-1EDB4BDB389F}" type="sibTrans" cxnId="{87213C87-1ABD-49E0-822B-87281CBEE413}">
+      <dgm:prSet/>
+      <dgm:spPr/>
+      <dgm:t>
+        <a:bodyPr/>
+        <a:lstStyle/>
+        <a:p>
+          <a:endParaRPr lang="en-US"/>
+        </a:p>
+      </dgm:t>
+    </dgm:pt>
+    <dgm:pt modelId="{701AE0D4-A71A-4904-8EF7-444D499D093D}">
+      <dgm:prSet phldrT="[Text]" custT="1"/>
+      <dgm:spPr/>
+      <dgm:t>
+        <a:bodyPr/>
+        <a:lstStyle/>
+        <a:p>
+          <a:r>
+            <a:rPr lang="en-US" sz="1600" dirty="0"/>
+            <a:t>Even changing nothing, we can increase ticket price by almost $15.00.</a:t>
+          </a:r>
+        </a:p>
+      </dgm:t>
+    </dgm:pt>
+    <dgm:pt modelId="{8876ADD4-CA2D-4CD3-B92D-8156A2110524}" type="parTrans" cxnId="{73790088-E6E5-482F-BC05-DF34E2E882FA}">
+      <dgm:prSet/>
+      <dgm:spPr/>
+      <dgm:t>
+        <a:bodyPr/>
+        <a:lstStyle/>
+        <a:p>
+          <a:endParaRPr lang="en-US"/>
+        </a:p>
+      </dgm:t>
+    </dgm:pt>
+    <dgm:pt modelId="{E6E4B81F-58CB-4FDC-B97F-3754358934ED}" type="sibTrans" cxnId="{73790088-E6E5-482F-BC05-DF34E2E882FA}">
+      <dgm:prSet/>
+      <dgm:spPr/>
+      <dgm:t>
+        <a:bodyPr/>
+        <a:lstStyle/>
+        <a:p>
+          <a:endParaRPr lang="en-US"/>
+        </a:p>
+      </dgm:t>
+    </dgm:pt>
+    <dgm:pt modelId="{15030B6A-068F-4205-A575-A764BA095E17}" type="pres">
+      <dgm:prSet presAssocID="{D8542486-5FE8-4837-929C-8CCBEC0AE1B9}" presName="Name0" presStyleCnt="0">
+        <dgm:presLayoutVars>
+          <dgm:dir/>
+          <dgm:animLvl val="lvl"/>
+          <dgm:resizeHandles val="exact"/>
+        </dgm:presLayoutVars>
+      </dgm:prSet>
+      <dgm:spPr/>
+    </dgm:pt>
+    <dgm:pt modelId="{53EBA97D-3387-4AC1-9B0C-FCA6F056ACB6}" type="pres">
+      <dgm:prSet presAssocID="{5407DA2B-1F11-4DE9-AD93-E95A4734E04D}" presName="composite" presStyleCnt="0"/>
+      <dgm:spPr/>
+    </dgm:pt>
+    <dgm:pt modelId="{E7F4C3F5-93E9-4FBC-B7B5-B2E1EAB227E6}" type="pres">
+      <dgm:prSet presAssocID="{5407DA2B-1F11-4DE9-AD93-E95A4734E04D}" presName="parTx" presStyleLbl="alignNode1" presStyleIdx="0" presStyleCnt="3">
+        <dgm:presLayoutVars>
+          <dgm:chMax val="0"/>
+          <dgm:chPref val="0"/>
+          <dgm:bulletEnabled val="1"/>
+        </dgm:presLayoutVars>
+      </dgm:prSet>
+      <dgm:spPr/>
+    </dgm:pt>
+    <dgm:pt modelId="{63F39EB4-4780-47F5-AF1A-E9113B9EB734}" type="pres">
+      <dgm:prSet presAssocID="{5407DA2B-1F11-4DE9-AD93-E95A4734E04D}" presName="desTx" presStyleLbl="alignAccFollowNode1" presStyleIdx="0" presStyleCnt="3">
+        <dgm:presLayoutVars>
+          <dgm:bulletEnabled val="1"/>
+        </dgm:presLayoutVars>
+      </dgm:prSet>
+      <dgm:spPr/>
+    </dgm:pt>
+    <dgm:pt modelId="{445AFBA3-06C7-46AA-8C7A-D80B3BC97053}" type="pres">
+      <dgm:prSet presAssocID="{2D4E7D4B-ED0B-433A-A7B7-AAE7ED269CC3}" presName="space" presStyleCnt="0"/>
+      <dgm:spPr/>
+    </dgm:pt>
+    <dgm:pt modelId="{7A1B20A4-60EA-4B67-AC60-B2AFCC3407BF}" type="pres">
+      <dgm:prSet presAssocID="{EFBFDE8E-9DA6-4153-98BF-72A35EA5B15E}" presName="composite" presStyleCnt="0"/>
+      <dgm:spPr/>
+    </dgm:pt>
+    <dgm:pt modelId="{BF7206CF-797D-4D57-B3AA-625B9C87EAF0}" type="pres">
+      <dgm:prSet presAssocID="{EFBFDE8E-9DA6-4153-98BF-72A35EA5B15E}" presName="parTx" presStyleLbl="alignNode1" presStyleIdx="1" presStyleCnt="3">
+        <dgm:presLayoutVars>
+          <dgm:chMax val="0"/>
+          <dgm:chPref val="0"/>
+          <dgm:bulletEnabled val="1"/>
+        </dgm:presLayoutVars>
+      </dgm:prSet>
+      <dgm:spPr/>
+    </dgm:pt>
+    <dgm:pt modelId="{C50805E1-9190-40F9-8777-28D961DA496D}" type="pres">
+      <dgm:prSet presAssocID="{EFBFDE8E-9DA6-4153-98BF-72A35EA5B15E}" presName="desTx" presStyleLbl="alignAccFollowNode1" presStyleIdx="1" presStyleCnt="3">
+        <dgm:presLayoutVars>
+          <dgm:bulletEnabled val="1"/>
+        </dgm:presLayoutVars>
+      </dgm:prSet>
+      <dgm:spPr/>
+    </dgm:pt>
+    <dgm:pt modelId="{930F4440-4270-4907-B3B7-6AD07C78A457}" type="pres">
+      <dgm:prSet presAssocID="{99EC130A-80F9-43CD-B117-36C17041E1BF}" presName="space" presStyleCnt="0"/>
+      <dgm:spPr/>
+    </dgm:pt>
+    <dgm:pt modelId="{523EA581-E2D6-4951-B956-0F121A25193D}" type="pres">
+      <dgm:prSet presAssocID="{CF12B7AA-C052-4922-B011-2E75C37B3251}" presName="composite" presStyleCnt="0"/>
+      <dgm:spPr/>
+    </dgm:pt>
+    <dgm:pt modelId="{2A9A7539-587A-4665-870A-E25C38ED4F13}" type="pres">
+      <dgm:prSet presAssocID="{CF12B7AA-C052-4922-B011-2E75C37B3251}" presName="parTx" presStyleLbl="alignNode1" presStyleIdx="2" presStyleCnt="3">
+        <dgm:presLayoutVars>
+          <dgm:chMax val="0"/>
+          <dgm:chPref val="0"/>
+          <dgm:bulletEnabled val="1"/>
+        </dgm:presLayoutVars>
+      </dgm:prSet>
+      <dgm:spPr/>
+    </dgm:pt>
+    <dgm:pt modelId="{7B0B00AF-E4F4-438C-8883-CB28AE02BC9E}" type="pres">
+      <dgm:prSet presAssocID="{CF12B7AA-C052-4922-B011-2E75C37B3251}" presName="desTx" presStyleLbl="alignAccFollowNode1" presStyleIdx="2" presStyleCnt="3">
+        <dgm:presLayoutVars>
+          <dgm:bulletEnabled val="1"/>
+        </dgm:presLayoutVars>
+      </dgm:prSet>
+      <dgm:spPr/>
+    </dgm:pt>
+  </dgm:ptLst>
+  <dgm:cxnLst>
+    <dgm:cxn modelId="{2A1FFA04-14AC-4781-BCC3-508F9EF0B2B6}" type="presOf" srcId="{D8542486-5FE8-4837-929C-8CCBEC0AE1B9}" destId="{15030B6A-068F-4205-A575-A764BA095E17}" srcOrd="0" destOrd="0" presId="urn:microsoft.com/office/officeart/2005/8/layout/hList1"/>
+    <dgm:cxn modelId="{8EFEF905-A358-4233-955B-873F92BE3918}" type="presOf" srcId="{0AF5D69D-8278-47E9-A35D-DD3E190A7358}" destId="{C50805E1-9190-40F9-8777-28D961DA496D}" srcOrd="0" destOrd="0" presId="urn:microsoft.com/office/officeart/2005/8/layout/hList1"/>
+    <dgm:cxn modelId="{12A1E51B-46FF-42DB-8410-E69A3D762FA6}" type="presOf" srcId="{EFBFDE8E-9DA6-4153-98BF-72A35EA5B15E}" destId="{BF7206CF-797D-4D57-B3AA-625B9C87EAF0}" srcOrd="0" destOrd="0" presId="urn:microsoft.com/office/officeart/2005/8/layout/hList1"/>
+    <dgm:cxn modelId="{E03FF86A-F886-4074-8012-C293BFB4D6AA}" type="presOf" srcId="{CF12B7AA-C052-4922-B011-2E75C37B3251}" destId="{2A9A7539-587A-4665-870A-E25C38ED4F13}" srcOrd="0" destOrd="0" presId="urn:microsoft.com/office/officeart/2005/8/layout/hList1"/>
+    <dgm:cxn modelId="{467B0E59-75B1-4EC9-A897-1CF1E926721C}" type="presOf" srcId="{323889D9-EAF8-4EA3-A499-F16B62CB1AF2}" destId="{63F39EB4-4780-47F5-AF1A-E9113B9EB734}" srcOrd="0" destOrd="0" presId="urn:microsoft.com/office/officeart/2005/8/layout/hList1"/>
+    <dgm:cxn modelId="{87213C87-1ABD-49E0-822B-87281CBEE413}" srcId="{EFBFDE8E-9DA6-4153-98BF-72A35EA5B15E}" destId="{0AF5D69D-8278-47E9-A35D-DD3E190A7358}" srcOrd="0" destOrd="0" parTransId="{88365D57-8249-4F54-90E3-8B3A81BAD5DB}" sibTransId="{C7C9047E-4E32-4641-A4DD-1EDB4BDB389F}"/>
+    <dgm:cxn modelId="{DB458887-6106-45E5-8B63-AFDFE71618E9}" type="presOf" srcId="{9FE97F5C-B7AE-4046-9EA8-73D4BC1115C0}" destId="{63F39EB4-4780-47F5-AF1A-E9113B9EB734}" srcOrd="0" destOrd="1" presId="urn:microsoft.com/office/officeart/2005/8/layout/hList1"/>
+    <dgm:cxn modelId="{73790088-E6E5-482F-BC05-DF34E2E882FA}" srcId="{EFBFDE8E-9DA6-4153-98BF-72A35EA5B15E}" destId="{701AE0D4-A71A-4904-8EF7-444D499D093D}" srcOrd="1" destOrd="0" parTransId="{8876ADD4-CA2D-4CD3-B92D-8156A2110524}" sibTransId="{E6E4B81F-58CB-4FDC-B97F-3754358934ED}"/>
+    <dgm:cxn modelId="{D6C9228A-D7C3-4602-8866-CF99EC21AB27}" srcId="{D8542486-5FE8-4837-929C-8CCBEC0AE1B9}" destId="{5407DA2B-1F11-4DE9-AD93-E95A4734E04D}" srcOrd="0" destOrd="0" parTransId="{97A94397-DD65-46A9-A392-B161A681369A}" sibTransId="{2D4E7D4B-ED0B-433A-A7B7-AAE7ED269CC3}"/>
+    <dgm:cxn modelId="{A75F868A-F796-4D27-A35F-65ECE919C6BD}" srcId="{5407DA2B-1F11-4DE9-AD93-E95A4734E04D}" destId="{323889D9-EAF8-4EA3-A499-F16B62CB1AF2}" srcOrd="0" destOrd="0" parTransId="{AEFC1A00-D6A4-4A77-AE5F-5D645625A4BF}" sibTransId="{1C3F3A3B-D2A1-4B88-886C-23086D2D7D7C}"/>
+    <dgm:cxn modelId="{89A9C99E-A5CC-4085-84E6-A22F05E662B4}" srcId="{5407DA2B-1F11-4DE9-AD93-E95A4734E04D}" destId="{9FE97F5C-B7AE-4046-9EA8-73D4BC1115C0}" srcOrd="1" destOrd="0" parTransId="{2A01780B-F3A8-4154-88BE-CCB5070E07FF}" sibTransId="{9E3667CB-9AC7-4094-ACF4-ED657A11B10A}"/>
+    <dgm:cxn modelId="{5A6CDFB0-CD7B-475E-92C5-36CD812A0B2A}" srcId="{D8542486-5FE8-4837-929C-8CCBEC0AE1B9}" destId="{CF12B7AA-C052-4922-B011-2E75C37B3251}" srcOrd="2" destOrd="0" parTransId="{CC508D77-91AB-40E5-A811-75FE56475569}" sibTransId="{5AF34DB9-7620-429D-A3FD-AB3C55FDDF3F}"/>
+    <dgm:cxn modelId="{133730BD-17D5-438E-8BDE-6975CA680BEC}" srcId="{CF12B7AA-C052-4922-B011-2E75C37B3251}" destId="{FD10B985-755F-4E6F-BE9D-314601B27991}" srcOrd="0" destOrd="0" parTransId="{5689127B-B1B7-4343-8DD8-35891A2F28F2}" sibTransId="{63AF6A4E-43CD-407C-9D34-1FA5025F6C5B}"/>
+    <dgm:cxn modelId="{06B730C0-5697-423E-A5A7-CCC53F92BA14}" type="presOf" srcId="{5407DA2B-1F11-4DE9-AD93-E95A4734E04D}" destId="{E7F4C3F5-93E9-4FBC-B7B5-B2E1EAB227E6}" srcOrd="0" destOrd="0" presId="urn:microsoft.com/office/officeart/2005/8/layout/hList1"/>
+    <dgm:cxn modelId="{F9A1B9C5-5BCC-42E3-AB42-278271380791}" srcId="{D8542486-5FE8-4837-929C-8CCBEC0AE1B9}" destId="{EFBFDE8E-9DA6-4153-98BF-72A35EA5B15E}" srcOrd="1" destOrd="0" parTransId="{0BAA1230-4FF9-45E0-96EE-407D092D04AD}" sibTransId="{99EC130A-80F9-43CD-B117-36C17041E1BF}"/>
+    <dgm:cxn modelId="{0FA3EBD8-D4F5-46C7-BF88-3BEBD931A05F}" type="presOf" srcId="{701AE0D4-A71A-4904-8EF7-444D499D093D}" destId="{C50805E1-9190-40F9-8777-28D961DA496D}" srcOrd="0" destOrd="1" presId="urn:microsoft.com/office/officeart/2005/8/layout/hList1"/>
+    <dgm:cxn modelId="{5D7992E9-5C6A-4077-BEA3-158203E44F0B}" srcId="{CF12B7AA-C052-4922-B011-2E75C37B3251}" destId="{93BB7354-425C-407E-A180-0C9BB7ABB694}" srcOrd="1" destOrd="0" parTransId="{82089D34-FBCD-4855-A4CE-DC962D2FC3EE}" sibTransId="{0591AF79-11AB-4275-BA35-87C2C8CBB769}"/>
+    <dgm:cxn modelId="{218704F2-7AE8-4E1E-BD32-52DD3C615044}" type="presOf" srcId="{FD10B985-755F-4E6F-BE9D-314601B27991}" destId="{7B0B00AF-E4F4-438C-8883-CB28AE02BC9E}" srcOrd="0" destOrd="0" presId="urn:microsoft.com/office/officeart/2005/8/layout/hList1"/>
+    <dgm:cxn modelId="{B4FFEFF4-1B84-4FE5-A216-FA9D5A7ED14F}" type="presOf" srcId="{93BB7354-425C-407E-A180-0C9BB7ABB694}" destId="{7B0B00AF-E4F4-438C-8883-CB28AE02BC9E}" srcOrd="0" destOrd="1" presId="urn:microsoft.com/office/officeart/2005/8/layout/hList1"/>
+    <dgm:cxn modelId="{07C9D921-70B1-4DB5-BFFA-FD925FCEDDBA}" type="presParOf" srcId="{15030B6A-068F-4205-A575-A764BA095E17}" destId="{53EBA97D-3387-4AC1-9B0C-FCA6F056ACB6}" srcOrd="0" destOrd="0" presId="urn:microsoft.com/office/officeart/2005/8/layout/hList1"/>
+    <dgm:cxn modelId="{EBD7BF5C-2F44-46AE-826E-D8D0CD85763D}" type="presParOf" srcId="{53EBA97D-3387-4AC1-9B0C-FCA6F056ACB6}" destId="{E7F4C3F5-93E9-4FBC-B7B5-B2E1EAB227E6}" srcOrd="0" destOrd="0" presId="urn:microsoft.com/office/officeart/2005/8/layout/hList1"/>
+    <dgm:cxn modelId="{9D9E7F32-60E0-44B5-BD0B-A9EDE1BDBF21}" type="presParOf" srcId="{53EBA97D-3387-4AC1-9B0C-FCA6F056ACB6}" destId="{63F39EB4-4780-47F5-AF1A-E9113B9EB734}" srcOrd="1" destOrd="0" presId="urn:microsoft.com/office/officeart/2005/8/layout/hList1"/>
+    <dgm:cxn modelId="{2C61D61A-EB77-4AEF-A3BA-0757DC427177}" type="presParOf" srcId="{15030B6A-068F-4205-A575-A764BA095E17}" destId="{445AFBA3-06C7-46AA-8C7A-D80B3BC97053}" srcOrd="1" destOrd="0" presId="urn:microsoft.com/office/officeart/2005/8/layout/hList1"/>
+    <dgm:cxn modelId="{EF5C0BC4-281A-47C4-BD32-F2ADAF7FAD01}" type="presParOf" srcId="{15030B6A-068F-4205-A575-A764BA095E17}" destId="{7A1B20A4-60EA-4B67-AC60-B2AFCC3407BF}" srcOrd="2" destOrd="0" presId="urn:microsoft.com/office/officeart/2005/8/layout/hList1"/>
+    <dgm:cxn modelId="{B4F166F3-B1BB-42F8-8F8E-467850B85D59}" type="presParOf" srcId="{7A1B20A4-60EA-4B67-AC60-B2AFCC3407BF}" destId="{BF7206CF-797D-4D57-B3AA-625B9C87EAF0}" srcOrd="0" destOrd="0" presId="urn:microsoft.com/office/officeart/2005/8/layout/hList1"/>
+    <dgm:cxn modelId="{BBC6C4AC-798F-4E01-82C4-3F87265125D5}" type="presParOf" srcId="{7A1B20A4-60EA-4B67-AC60-B2AFCC3407BF}" destId="{C50805E1-9190-40F9-8777-28D961DA496D}" srcOrd="1" destOrd="0" presId="urn:microsoft.com/office/officeart/2005/8/layout/hList1"/>
+    <dgm:cxn modelId="{A9F6029E-16A1-4543-A22D-9C5FA644CDA4}" type="presParOf" srcId="{15030B6A-068F-4205-A575-A764BA095E17}" destId="{930F4440-4270-4907-B3B7-6AD07C78A457}" srcOrd="3" destOrd="0" presId="urn:microsoft.com/office/officeart/2005/8/layout/hList1"/>
+    <dgm:cxn modelId="{53FC2E1E-CA5D-41DF-AD87-3C3ECDB07340}" type="presParOf" srcId="{15030B6A-068F-4205-A575-A764BA095E17}" destId="{523EA581-E2D6-4951-B956-0F121A25193D}" srcOrd="4" destOrd="0" presId="urn:microsoft.com/office/officeart/2005/8/layout/hList1"/>
+    <dgm:cxn modelId="{842C7FD2-755A-4A85-AE4F-64A6DB61346B}" type="presParOf" srcId="{523EA581-E2D6-4951-B956-0F121A25193D}" destId="{2A9A7539-587A-4665-870A-E25C38ED4F13}" srcOrd="0" destOrd="0" presId="urn:microsoft.com/office/officeart/2005/8/layout/hList1"/>
+    <dgm:cxn modelId="{CBAD0422-B77F-46E0-AD1F-64A8CE856745}" type="presParOf" srcId="{523EA581-E2D6-4951-B956-0F121A25193D}" destId="{7B0B00AF-E4F4-438C-8883-CB28AE02BC9E}" srcOrd="1" destOrd="0" presId="urn:microsoft.com/office/officeart/2005/8/layout/hList1"/>
   </dgm:cxnLst>
   <dgm:bg/>
   <dgm:whole/>
@@ -2629,6 +3979,546 @@
 </dsp:drawing>
 </file>
 
+<file path=ppt/diagrams/drawing2.xml><?xml version="1.0" encoding="utf-8"?>
+<dsp:drawing xmlns:dgm="http://schemas.openxmlformats.org/drawingml/2006/diagram" xmlns:dsp="http://schemas.microsoft.com/office/drawing/2008/diagram" xmlns:a="http://schemas.openxmlformats.org/drawingml/2006/main">
+  <dsp:spTree>
+    <dsp:nvGrpSpPr>
+      <dsp:cNvPr id="0" name=""/>
+      <dsp:cNvGrpSpPr/>
+    </dsp:nvGrpSpPr>
+    <dsp:grpSpPr/>
+    <dsp:sp modelId="{E7F4C3F5-93E9-4FBC-B7B5-B2E1EAB227E6}">
+      <dsp:nvSpPr>
+        <dsp:cNvPr id="0" name=""/>
+        <dsp:cNvSpPr/>
+      </dsp:nvSpPr>
+      <dsp:spPr>
+        <a:xfrm>
+          <a:off x="3132" y="2421"/>
+          <a:ext cx="3054537" cy="1209600"/>
+        </a:xfrm>
+        <a:prstGeom prst="rect">
+          <a:avLst/>
+        </a:prstGeom>
+        <a:solidFill>
+          <a:schemeClr val="accent2">
+            <a:shade val="80000"/>
+            <a:hueOff val="0"/>
+            <a:satOff val="0"/>
+            <a:lumOff val="0"/>
+            <a:alphaOff val="0"/>
+          </a:schemeClr>
+        </a:solidFill>
+        <a:ln w="12700" cap="flat" cmpd="sng" algn="ctr">
+          <a:solidFill>
+            <a:schemeClr val="accent2">
+              <a:shade val="80000"/>
+              <a:hueOff val="0"/>
+              <a:satOff val="0"/>
+              <a:lumOff val="0"/>
+              <a:alphaOff val="0"/>
+            </a:schemeClr>
+          </a:solidFill>
+          <a:prstDash val="solid"/>
+        </a:ln>
+        <a:effectLst/>
+      </dsp:spPr>
+      <dsp:style>
+        <a:lnRef idx="2">
+          <a:scrgbClr r="0" g="0" b="0"/>
+        </a:lnRef>
+        <a:fillRef idx="1">
+          <a:scrgbClr r="0" g="0" b="0"/>
+        </a:fillRef>
+        <a:effectRef idx="1">
+          <a:scrgbClr r="0" g="0" b="0"/>
+        </a:effectRef>
+        <a:fontRef idx="minor">
+          <a:schemeClr val="lt1"/>
+        </a:fontRef>
+      </dsp:style>
+      <dsp:txBody>
+        <a:bodyPr spcFirstLastPara="0" vert="horz" wrap="square" lIns="248920" tIns="142240" rIns="248920" bIns="142240" numCol="1" spcCol="1270" anchor="ctr" anchorCtr="0">
+          <a:noAutofit/>
+        </a:bodyPr>
+        <a:lstStyle/>
+        <a:p>
+          <a:pPr marL="0" lvl="0" indent="0" algn="ctr" defTabSz="1555750">
+            <a:lnSpc>
+              <a:spcPct val="90000"/>
+            </a:lnSpc>
+            <a:spcBef>
+              <a:spcPct val="0"/>
+            </a:spcBef>
+            <a:spcAft>
+              <a:spcPct val="35000"/>
+            </a:spcAft>
+            <a:buNone/>
+          </a:pPr>
+          <a:r>
+            <a:rPr lang="en-US" sz="3500" kern="1200" dirty="0"/>
+            <a:t>Reduce</a:t>
+          </a:r>
+        </a:p>
+      </dsp:txBody>
+      <dsp:txXfrm>
+        <a:off x="3132" y="2421"/>
+        <a:ext cx="3054537" cy="1209600"/>
+      </dsp:txXfrm>
+    </dsp:sp>
+    <dsp:sp modelId="{63F39EB4-4780-47F5-AF1A-E9113B9EB734}">
+      <dsp:nvSpPr>
+        <dsp:cNvPr id="0" name=""/>
+        <dsp:cNvSpPr/>
+      </dsp:nvSpPr>
+      <dsp:spPr>
+        <a:xfrm>
+          <a:off x="3132" y="1212021"/>
+          <a:ext cx="3054537" cy="1844640"/>
+        </a:xfrm>
+        <a:prstGeom prst="rect">
+          <a:avLst/>
+        </a:prstGeom>
+        <a:solidFill>
+          <a:schemeClr val="accent2">
+            <a:alpha val="90000"/>
+            <a:tint val="40000"/>
+            <a:hueOff val="0"/>
+            <a:satOff val="0"/>
+            <a:lumOff val="0"/>
+            <a:alphaOff val="0"/>
+          </a:schemeClr>
+        </a:solidFill>
+        <a:ln w="12700" cap="flat" cmpd="sng" algn="ctr">
+          <a:solidFill>
+            <a:schemeClr val="accent2">
+              <a:alpha val="90000"/>
+              <a:tint val="40000"/>
+              <a:hueOff val="0"/>
+              <a:satOff val="0"/>
+              <a:lumOff val="0"/>
+              <a:alphaOff val="0"/>
+            </a:schemeClr>
+          </a:solidFill>
+          <a:prstDash val="solid"/>
+        </a:ln>
+        <a:effectLst/>
+      </dsp:spPr>
+      <dsp:style>
+        <a:lnRef idx="2">
+          <a:scrgbClr r="0" g="0" b="0"/>
+        </a:lnRef>
+        <a:fillRef idx="1">
+          <a:scrgbClr r="0" g="0" b="0"/>
+        </a:fillRef>
+        <a:effectRef idx="0">
+          <a:scrgbClr r="0" g="0" b="0"/>
+        </a:effectRef>
+        <a:fontRef idx="minor"/>
+      </dsp:style>
+      <dsp:txBody>
+        <a:bodyPr spcFirstLastPara="0" vert="horz" wrap="square" lIns="85344" tIns="85344" rIns="113792" bIns="128016" numCol="1" spcCol="1270" anchor="t" anchorCtr="0">
+          <a:noAutofit/>
+        </a:bodyPr>
+        <a:lstStyle/>
+        <a:p>
+          <a:pPr marL="171450" lvl="1" indent="-171450" algn="l" defTabSz="711200">
+            <a:lnSpc>
+              <a:spcPct val="90000"/>
+            </a:lnSpc>
+            <a:spcBef>
+              <a:spcPct val="0"/>
+            </a:spcBef>
+            <a:spcAft>
+              <a:spcPct val="15000"/>
+            </a:spcAft>
+            <a:buChar char="•"/>
+          </a:pPr>
+          <a:r>
+            <a:rPr lang="en-US" sz="1600" kern="1200" dirty="0"/>
+            <a:t>Close one run without a reduction in ticket price.</a:t>
+          </a:r>
+        </a:p>
+        <a:p>
+          <a:pPr marL="171450" lvl="1" indent="-171450" algn="l" defTabSz="711200">
+            <a:lnSpc>
+              <a:spcPct val="90000"/>
+            </a:lnSpc>
+            <a:spcBef>
+              <a:spcPct val="0"/>
+            </a:spcBef>
+            <a:spcAft>
+              <a:spcPct val="15000"/>
+            </a:spcAft>
+            <a:buChar char="•"/>
+          </a:pPr>
+          <a:r>
+            <a:rPr lang="en-US" sz="1600" kern="1200" dirty="0"/>
+            <a:t>Close up to 5 runs with approx. reduction in ticket price of $0.70.</a:t>
+          </a:r>
+        </a:p>
+      </dsp:txBody>
+      <dsp:txXfrm>
+        <a:off x="3132" y="1212021"/>
+        <a:ext cx="3054537" cy="1844640"/>
+      </dsp:txXfrm>
+    </dsp:sp>
+    <dsp:sp modelId="{BF7206CF-797D-4D57-B3AA-625B9C87EAF0}">
+      <dsp:nvSpPr>
+        <dsp:cNvPr id="0" name=""/>
+        <dsp:cNvSpPr/>
+      </dsp:nvSpPr>
+      <dsp:spPr>
+        <a:xfrm>
+          <a:off x="3485305" y="2421"/>
+          <a:ext cx="3054537" cy="1209600"/>
+        </a:xfrm>
+        <a:prstGeom prst="rect">
+          <a:avLst/>
+        </a:prstGeom>
+        <a:solidFill>
+          <a:schemeClr val="accent2">
+            <a:shade val="80000"/>
+            <a:hueOff val="16578"/>
+            <a:satOff val="829"/>
+            <a:lumOff val="9376"/>
+            <a:alphaOff val="0"/>
+          </a:schemeClr>
+        </a:solidFill>
+        <a:ln w="12700" cap="flat" cmpd="sng" algn="ctr">
+          <a:solidFill>
+            <a:schemeClr val="accent2">
+              <a:shade val="80000"/>
+              <a:hueOff val="16578"/>
+              <a:satOff val="829"/>
+              <a:lumOff val="9376"/>
+              <a:alphaOff val="0"/>
+            </a:schemeClr>
+          </a:solidFill>
+          <a:prstDash val="solid"/>
+        </a:ln>
+        <a:effectLst/>
+      </dsp:spPr>
+      <dsp:style>
+        <a:lnRef idx="2">
+          <a:scrgbClr r="0" g="0" b="0"/>
+        </a:lnRef>
+        <a:fillRef idx="1">
+          <a:scrgbClr r="0" g="0" b="0"/>
+        </a:fillRef>
+        <a:effectRef idx="1">
+          <a:scrgbClr r="0" g="0" b="0"/>
+        </a:effectRef>
+        <a:fontRef idx="minor">
+          <a:schemeClr val="lt1"/>
+        </a:fontRef>
+      </dsp:style>
+      <dsp:txBody>
+        <a:bodyPr spcFirstLastPara="0" vert="horz" wrap="square" lIns="248920" tIns="142240" rIns="248920" bIns="142240" numCol="1" spcCol="1270" anchor="ctr" anchorCtr="0">
+          <a:noAutofit/>
+        </a:bodyPr>
+        <a:lstStyle/>
+        <a:p>
+          <a:pPr marL="0" lvl="0" indent="0" algn="ctr" defTabSz="1555750">
+            <a:lnSpc>
+              <a:spcPct val="90000"/>
+            </a:lnSpc>
+            <a:spcBef>
+              <a:spcPct val="0"/>
+            </a:spcBef>
+            <a:spcAft>
+              <a:spcPct val="35000"/>
+            </a:spcAft>
+            <a:buNone/>
+          </a:pPr>
+          <a:r>
+            <a:rPr lang="en-US" sz="3500" kern="1200" dirty="0"/>
+            <a:t>No change</a:t>
+          </a:r>
+        </a:p>
+      </dsp:txBody>
+      <dsp:txXfrm>
+        <a:off x="3485305" y="2421"/>
+        <a:ext cx="3054537" cy="1209600"/>
+      </dsp:txXfrm>
+    </dsp:sp>
+    <dsp:sp modelId="{C50805E1-9190-40F9-8777-28D961DA496D}">
+      <dsp:nvSpPr>
+        <dsp:cNvPr id="0" name=""/>
+        <dsp:cNvSpPr/>
+      </dsp:nvSpPr>
+      <dsp:spPr>
+        <a:xfrm>
+          <a:off x="3485305" y="1212021"/>
+          <a:ext cx="3054537" cy="1844640"/>
+        </a:xfrm>
+        <a:prstGeom prst="rect">
+          <a:avLst/>
+        </a:prstGeom>
+        <a:solidFill>
+          <a:schemeClr val="accent2">
+            <a:alpha val="90000"/>
+            <a:tint val="40000"/>
+            <a:hueOff val="0"/>
+            <a:satOff val="0"/>
+            <a:lumOff val="0"/>
+            <a:alphaOff val="0"/>
+          </a:schemeClr>
+        </a:solidFill>
+        <a:ln w="12700" cap="flat" cmpd="sng" algn="ctr">
+          <a:solidFill>
+            <a:schemeClr val="accent2">
+              <a:alpha val="90000"/>
+              <a:tint val="40000"/>
+              <a:hueOff val="0"/>
+              <a:satOff val="0"/>
+              <a:lumOff val="0"/>
+              <a:alphaOff val="0"/>
+            </a:schemeClr>
+          </a:solidFill>
+          <a:prstDash val="solid"/>
+        </a:ln>
+        <a:effectLst/>
+      </dsp:spPr>
+      <dsp:style>
+        <a:lnRef idx="2">
+          <a:scrgbClr r="0" g="0" b="0"/>
+        </a:lnRef>
+        <a:fillRef idx="1">
+          <a:scrgbClr r="0" g="0" b="0"/>
+        </a:fillRef>
+        <a:effectRef idx="0">
+          <a:scrgbClr r="0" g="0" b="0"/>
+        </a:effectRef>
+        <a:fontRef idx="minor"/>
+      </dsp:style>
+      <dsp:txBody>
+        <a:bodyPr spcFirstLastPara="0" vert="horz" wrap="square" lIns="85344" tIns="85344" rIns="113792" bIns="128016" numCol="1" spcCol="1270" anchor="t" anchorCtr="0">
+          <a:noAutofit/>
+        </a:bodyPr>
+        <a:lstStyle/>
+        <a:p>
+          <a:pPr marL="171450" lvl="1" indent="-171450" algn="l" defTabSz="711200">
+            <a:lnSpc>
+              <a:spcPct val="90000"/>
+            </a:lnSpc>
+            <a:spcBef>
+              <a:spcPct val="0"/>
+            </a:spcBef>
+            <a:spcAft>
+              <a:spcPct val="15000"/>
+            </a:spcAft>
+            <a:buChar char="•"/>
+          </a:pPr>
+          <a:r>
+            <a:rPr lang="en-US" sz="1600" kern="1200" dirty="0"/>
+            <a:t>We are under-charging for our current facilities.</a:t>
+          </a:r>
+        </a:p>
+        <a:p>
+          <a:pPr marL="171450" lvl="1" indent="-171450" algn="l" defTabSz="711200">
+            <a:lnSpc>
+              <a:spcPct val="90000"/>
+            </a:lnSpc>
+            <a:spcBef>
+              <a:spcPct val="0"/>
+            </a:spcBef>
+            <a:spcAft>
+              <a:spcPct val="15000"/>
+            </a:spcAft>
+            <a:buChar char="•"/>
+          </a:pPr>
+          <a:r>
+            <a:rPr lang="en-US" sz="1600" kern="1200" dirty="0"/>
+            <a:t>Even changing nothing, we can increase ticket price by almost $15.00.</a:t>
+          </a:r>
+        </a:p>
+      </dsp:txBody>
+      <dsp:txXfrm>
+        <a:off x="3485305" y="1212021"/>
+        <a:ext cx="3054537" cy="1844640"/>
+      </dsp:txXfrm>
+    </dsp:sp>
+    <dsp:sp modelId="{2A9A7539-587A-4665-870A-E25C38ED4F13}">
+      <dsp:nvSpPr>
+        <dsp:cNvPr id="0" name=""/>
+        <dsp:cNvSpPr/>
+      </dsp:nvSpPr>
+      <dsp:spPr>
+        <a:xfrm>
+          <a:off x="6967478" y="2421"/>
+          <a:ext cx="3054537" cy="1209600"/>
+        </a:xfrm>
+        <a:prstGeom prst="rect">
+          <a:avLst/>
+        </a:prstGeom>
+        <a:solidFill>
+          <a:schemeClr val="accent2">
+            <a:shade val="80000"/>
+            <a:hueOff val="33157"/>
+            <a:satOff val="1658"/>
+            <a:lumOff val="18751"/>
+            <a:alphaOff val="0"/>
+          </a:schemeClr>
+        </a:solidFill>
+        <a:ln w="12700" cap="flat" cmpd="sng" algn="ctr">
+          <a:solidFill>
+            <a:schemeClr val="accent2">
+              <a:shade val="80000"/>
+              <a:hueOff val="33157"/>
+              <a:satOff val="1658"/>
+              <a:lumOff val="18751"/>
+              <a:alphaOff val="0"/>
+            </a:schemeClr>
+          </a:solidFill>
+          <a:prstDash val="solid"/>
+        </a:ln>
+        <a:effectLst/>
+      </dsp:spPr>
+      <dsp:style>
+        <a:lnRef idx="2">
+          <a:scrgbClr r="0" g="0" b="0"/>
+        </a:lnRef>
+        <a:fillRef idx="1">
+          <a:scrgbClr r="0" g="0" b="0"/>
+        </a:fillRef>
+        <a:effectRef idx="1">
+          <a:scrgbClr r="0" g="0" b="0"/>
+        </a:effectRef>
+        <a:fontRef idx="minor">
+          <a:schemeClr val="lt1"/>
+        </a:fontRef>
+      </dsp:style>
+      <dsp:txBody>
+        <a:bodyPr spcFirstLastPara="0" vert="horz" wrap="square" lIns="248920" tIns="142240" rIns="248920" bIns="142240" numCol="1" spcCol="1270" anchor="ctr" anchorCtr="0">
+          <a:noAutofit/>
+        </a:bodyPr>
+        <a:lstStyle/>
+        <a:p>
+          <a:pPr marL="0" lvl="0" indent="0" algn="ctr" defTabSz="1555750">
+            <a:lnSpc>
+              <a:spcPct val="90000"/>
+            </a:lnSpc>
+            <a:spcBef>
+              <a:spcPct val="0"/>
+            </a:spcBef>
+            <a:spcAft>
+              <a:spcPct val="35000"/>
+            </a:spcAft>
+            <a:buNone/>
+          </a:pPr>
+          <a:r>
+            <a:rPr lang="en-US" sz="3500" kern="1200" dirty="0"/>
+            <a:t>Increase</a:t>
+          </a:r>
+        </a:p>
+      </dsp:txBody>
+      <dsp:txXfrm>
+        <a:off x="6967478" y="2421"/>
+        <a:ext cx="3054537" cy="1209600"/>
+      </dsp:txXfrm>
+    </dsp:sp>
+    <dsp:sp modelId="{7B0B00AF-E4F4-438C-8883-CB28AE02BC9E}">
+      <dsp:nvSpPr>
+        <dsp:cNvPr id="0" name=""/>
+        <dsp:cNvSpPr/>
+      </dsp:nvSpPr>
+      <dsp:spPr>
+        <a:xfrm>
+          <a:off x="6967478" y="1212021"/>
+          <a:ext cx="3054537" cy="1844640"/>
+        </a:xfrm>
+        <a:prstGeom prst="rect">
+          <a:avLst/>
+        </a:prstGeom>
+        <a:solidFill>
+          <a:schemeClr val="accent2">
+            <a:alpha val="90000"/>
+            <a:tint val="40000"/>
+            <a:hueOff val="0"/>
+            <a:satOff val="0"/>
+            <a:lumOff val="0"/>
+            <a:alphaOff val="0"/>
+          </a:schemeClr>
+        </a:solidFill>
+        <a:ln w="12700" cap="flat" cmpd="sng" algn="ctr">
+          <a:solidFill>
+            <a:schemeClr val="accent2">
+              <a:alpha val="90000"/>
+              <a:tint val="40000"/>
+              <a:hueOff val="0"/>
+              <a:satOff val="0"/>
+              <a:lumOff val="0"/>
+              <a:alphaOff val="0"/>
+            </a:schemeClr>
+          </a:solidFill>
+          <a:prstDash val="solid"/>
+        </a:ln>
+        <a:effectLst/>
+      </dsp:spPr>
+      <dsp:style>
+        <a:lnRef idx="2">
+          <a:scrgbClr r="0" g="0" b="0"/>
+        </a:lnRef>
+        <a:fillRef idx="1">
+          <a:scrgbClr r="0" g="0" b="0"/>
+        </a:fillRef>
+        <a:effectRef idx="0">
+          <a:scrgbClr r="0" g="0" b="0"/>
+        </a:effectRef>
+        <a:fontRef idx="minor"/>
+      </dsp:style>
+      <dsp:txBody>
+        <a:bodyPr spcFirstLastPara="0" vert="horz" wrap="square" lIns="85344" tIns="85344" rIns="113792" bIns="128016" numCol="1" spcCol="1270" anchor="t" anchorCtr="0">
+          <a:noAutofit/>
+        </a:bodyPr>
+        <a:lstStyle/>
+        <a:p>
+          <a:pPr marL="171450" lvl="1" indent="-171450" algn="l" defTabSz="711200">
+            <a:lnSpc>
+              <a:spcPct val="90000"/>
+            </a:lnSpc>
+            <a:spcBef>
+              <a:spcPct val="0"/>
+            </a:spcBef>
+            <a:spcAft>
+              <a:spcPct val="15000"/>
+            </a:spcAft>
+            <a:buChar char="•"/>
+          </a:pPr>
+          <a:r>
+            <a:rPr lang="en-US" sz="1600" kern="1200" dirty="0"/>
+            <a:t>Add one run and lift, increasing our vertical drop, for ticket price increase of $1.99.</a:t>
+          </a:r>
+        </a:p>
+        <a:p>
+          <a:pPr marL="171450" lvl="1" indent="-171450" algn="l" defTabSz="711200">
+            <a:lnSpc>
+              <a:spcPct val="90000"/>
+            </a:lnSpc>
+            <a:spcBef>
+              <a:spcPct val="0"/>
+            </a:spcBef>
+            <a:spcAft>
+              <a:spcPct val="15000"/>
+            </a:spcAft>
+            <a:buChar char="•"/>
+          </a:pPr>
+          <a:r>
+            <a:rPr lang="en-US" sz="1600" kern="1200" dirty="0"/>
+            <a:t>Consider instead making new lift a fast quad for potential ticket price increase of $23.87.</a:t>
+          </a:r>
+        </a:p>
+      </dsp:txBody>
+      <dsp:txXfrm>
+        <a:off x="6967478" y="1212021"/>
+        <a:ext cx="3054537" cy="1844640"/>
+      </dsp:txXfrm>
+    </dsp:sp>
+  </dsp:spTree>
+</dsp:drawing>
+</file>
+
 <file path=ppt/diagrams/layout1.xml><?xml version="1.0" encoding="utf-8"?>
 <dgm:layoutDef xmlns:dgm="http://schemas.openxmlformats.org/drawingml/2006/diagram" xmlns:a="http://schemas.openxmlformats.org/drawingml/2006/main" uniqueId="urn:microsoft.com/office/officeart/2018/2/layout/IconVerticalSolidList">
   <dgm:title val="Icon Vertical Solid List"/>
@@ -2923,6 +4813,223 @@
 </dgm:layoutDef>
 </file>
 
+<file path=ppt/diagrams/layout2.xml><?xml version="1.0" encoding="utf-8"?>
+<dgm:layoutDef xmlns:dgm="http://schemas.openxmlformats.org/drawingml/2006/diagram" xmlns:a="http://schemas.openxmlformats.org/drawingml/2006/main" uniqueId="urn:microsoft.com/office/officeart/2005/8/layout/hList1">
+  <dgm:title val=""/>
+  <dgm:desc val=""/>
+  <dgm:catLst>
+    <dgm:cat type="list" pri="5000"/>
+    <dgm:cat type="convert" pri="5000"/>
+  </dgm:catLst>
+  <dgm:sampData>
+    <dgm:dataModel>
+      <dgm:ptLst>
+        <dgm:pt modelId="0" type="doc"/>
+        <dgm:pt modelId="1">
+          <dgm:prSet phldr="1"/>
+        </dgm:pt>
+        <dgm:pt modelId="11">
+          <dgm:prSet phldr="1"/>
+        </dgm:pt>
+        <dgm:pt modelId="12">
+          <dgm:prSet phldr="1"/>
+        </dgm:pt>
+        <dgm:pt modelId="2">
+          <dgm:prSet phldr="1"/>
+        </dgm:pt>
+        <dgm:pt modelId="21">
+          <dgm:prSet phldr="1"/>
+        </dgm:pt>
+        <dgm:pt modelId="22">
+          <dgm:prSet phldr="1"/>
+        </dgm:pt>
+        <dgm:pt modelId="3">
+          <dgm:prSet phldr="1"/>
+        </dgm:pt>
+        <dgm:pt modelId="31">
+          <dgm:prSet phldr="1"/>
+        </dgm:pt>
+        <dgm:pt modelId="32">
+          <dgm:prSet phldr="1"/>
+        </dgm:pt>
+      </dgm:ptLst>
+      <dgm:cxnLst>
+        <dgm:cxn modelId="4" srcId="0" destId="1" srcOrd="0" destOrd="0"/>
+        <dgm:cxn modelId="5" srcId="0" destId="2" srcOrd="1" destOrd="0"/>
+        <dgm:cxn modelId="6" srcId="0" destId="3" srcOrd="2" destOrd="0"/>
+        <dgm:cxn modelId="13" srcId="1" destId="11" srcOrd="0" destOrd="0"/>
+        <dgm:cxn modelId="14" srcId="1" destId="12" srcOrd="1" destOrd="0"/>
+        <dgm:cxn modelId="23" srcId="2" destId="21" srcOrd="0" destOrd="0"/>
+        <dgm:cxn modelId="24" srcId="2" destId="22" srcOrd="1" destOrd="0"/>
+        <dgm:cxn modelId="33" srcId="3" destId="31" srcOrd="0" destOrd="0"/>
+        <dgm:cxn modelId="34" srcId="3" destId="32" srcOrd="1" destOrd="0"/>
+      </dgm:cxnLst>
+      <dgm:bg/>
+      <dgm:whole/>
+    </dgm:dataModel>
+  </dgm:sampData>
+  <dgm:styleData>
+    <dgm:dataModel>
+      <dgm:ptLst>
+        <dgm:pt modelId="0" type="doc"/>
+        <dgm:pt modelId="1">
+          <dgm:prSet phldr="1"/>
+        </dgm:pt>
+        <dgm:pt modelId="2">
+          <dgm:prSet phldr="1"/>
+        </dgm:pt>
+      </dgm:ptLst>
+      <dgm:cxnLst>
+        <dgm:cxn modelId="3" srcId="0" destId="1" srcOrd="0" destOrd="0"/>
+        <dgm:cxn modelId="4" srcId="0" destId="2" srcOrd="1" destOrd="0"/>
+      </dgm:cxnLst>
+      <dgm:bg/>
+      <dgm:whole/>
+    </dgm:dataModel>
+  </dgm:styleData>
+  <dgm:clrData>
+    <dgm:dataModel>
+      <dgm:ptLst>
+        <dgm:pt modelId="0" type="doc"/>
+        <dgm:pt modelId="1">
+          <dgm:prSet phldr="1"/>
+        </dgm:pt>
+        <dgm:pt modelId="2">
+          <dgm:prSet phldr="1"/>
+        </dgm:pt>
+        <dgm:pt modelId="3">
+          <dgm:prSet phldr="1"/>
+        </dgm:pt>
+        <dgm:pt modelId="4">
+          <dgm:prSet phldr="1"/>
+        </dgm:pt>
+      </dgm:ptLst>
+      <dgm:cxnLst>
+        <dgm:cxn modelId="5" srcId="0" destId="1" srcOrd="0" destOrd="0"/>
+        <dgm:cxn modelId="6" srcId="0" destId="2" srcOrd="1" destOrd="0"/>
+        <dgm:cxn modelId="7" srcId="0" destId="3" srcOrd="2" destOrd="0"/>
+        <dgm:cxn modelId="8" srcId="0" destId="4" srcOrd="3" destOrd="0"/>
+      </dgm:cxnLst>
+      <dgm:bg/>
+      <dgm:whole/>
+    </dgm:dataModel>
+  </dgm:clrData>
+  <dgm:layoutNode name="Name0">
+    <dgm:varLst>
+      <dgm:dir/>
+      <dgm:animLvl val="lvl"/>
+      <dgm:resizeHandles val="exact"/>
+    </dgm:varLst>
+    <dgm:choose name="Name1">
+      <dgm:if name="Name2" func="var" arg="dir" op="equ" val="norm">
+        <dgm:alg type="lin"/>
+      </dgm:if>
+      <dgm:else name="Name3">
+        <dgm:alg type="lin">
+          <dgm:param type="linDir" val="fromR"/>
+        </dgm:alg>
+      </dgm:else>
+    </dgm:choose>
+    <dgm:shape xmlns:r="http://schemas.openxmlformats.org/officeDocument/2006/relationships" r:blip="">
+      <dgm:adjLst/>
+    </dgm:shape>
+    <dgm:presOf/>
+    <dgm:constrLst>
+      <dgm:constr type="h" for="ch" forName="composite" refType="h"/>
+      <dgm:constr type="w" for="ch" forName="composite" refType="w"/>
+      <dgm:constr type="w" for="des" forName="parTx"/>
+      <dgm:constr type="h" for="des" forName="parTx" op="equ"/>
+      <dgm:constr type="w" for="des" forName="desTx"/>
+      <dgm:constr type="h" for="des" forName="desTx" op="equ"/>
+      <dgm:constr type="primFontSz" for="des" forName="parTx" val="65"/>
+      <dgm:constr type="secFontSz" for="des" forName="desTx" refType="primFontSz" refFor="des" refForName="parTx" op="equ"/>
+      <dgm:constr type="h" for="des" forName="parTx" refType="primFontSz" refFor="des" refForName="parTx" fact="0.8"/>
+      <dgm:constr type="h" for="des" forName="desTx" refType="primFontSz" refFor="des" refForName="parTx" fact="1.22"/>
+      <dgm:constr type="w" for="ch" forName="space" refType="w" refFor="ch" refForName="composite" op="equ" fact="0.14"/>
+    </dgm:constrLst>
+    <dgm:ruleLst>
+      <dgm:rule type="w" for="ch" forName="composite" val="0" fact="NaN" max="NaN"/>
+      <dgm:rule type="primFontSz" for="des" forName="parTx" val="5" fact="NaN" max="NaN"/>
+    </dgm:ruleLst>
+    <dgm:forEach name="Name4" axis="ch" ptType="node">
+      <dgm:layoutNode name="composite">
+        <dgm:alg type="composite"/>
+        <dgm:shape xmlns:r="http://schemas.openxmlformats.org/officeDocument/2006/relationships" r:blip="">
+          <dgm:adjLst/>
+        </dgm:shape>
+        <dgm:presOf/>
+        <dgm:constrLst>
+          <dgm:constr type="l" for="ch" forName="parTx"/>
+          <dgm:constr type="w" for="ch" forName="parTx" refType="w"/>
+          <dgm:constr type="t" for="ch" forName="parTx"/>
+          <dgm:constr type="l" for="ch" forName="desTx"/>
+          <dgm:constr type="w" for="ch" forName="desTx" refType="w" refFor="ch" refForName="parTx"/>
+          <dgm:constr type="t" for="ch" forName="desTx" refType="h" refFor="ch" refForName="parTx"/>
+        </dgm:constrLst>
+        <dgm:ruleLst>
+          <dgm:rule type="h" val="INF" fact="NaN" max="NaN"/>
+        </dgm:ruleLst>
+        <dgm:layoutNode name="parTx" styleLbl="alignNode1">
+          <dgm:varLst>
+            <dgm:chMax val="0"/>
+            <dgm:chPref val="0"/>
+            <dgm:bulletEnabled val="1"/>
+          </dgm:varLst>
+          <dgm:alg type="tx"/>
+          <dgm:shape xmlns:r="http://schemas.openxmlformats.org/officeDocument/2006/relationships" type="rect" r:blip="">
+            <dgm:adjLst/>
+          </dgm:shape>
+          <dgm:presOf axis="self" ptType="node"/>
+          <dgm:constrLst>
+            <dgm:constr type="h" refType="w" op="lte" fact="0.4"/>
+            <dgm:constr type="h"/>
+            <dgm:constr type="tMarg" refType="primFontSz" fact="0.32"/>
+            <dgm:constr type="bMarg" refType="primFontSz" fact="0.32"/>
+          </dgm:constrLst>
+          <dgm:ruleLst>
+            <dgm:rule type="h" val="INF" fact="NaN" max="NaN"/>
+          </dgm:ruleLst>
+        </dgm:layoutNode>
+        <dgm:layoutNode name="desTx" styleLbl="alignAccFollowNode1">
+          <dgm:varLst>
+            <dgm:bulletEnabled val="1"/>
+          </dgm:varLst>
+          <dgm:alg type="tx">
+            <dgm:param type="stBulletLvl" val="1"/>
+          </dgm:alg>
+          <dgm:shape xmlns:r="http://schemas.openxmlformats.org/officeDocument/2006/relationships" type="rect" r:blip="">
+            <dgm:adjLst/>
+          </dgm:shape>
+          <dgm:presOf axis="des" ptType="node"/>
+          <dgm:constrLst>
+            <dgm:constr type="secFontSz" val="65"/>
+            <dgm:constr type="primFontSz" refType="secFontSz"/>
+            <dgm:constr type="h"/>
+            <dgm:constr type="lMarg" refType="primFontSz" fact="0.42"/>
+            <dgm:constr type="tMarg" refType="primFontSz" fact="0.42"/>
+            <dgm:constr type="bMarg" refType="primFontSz" fact="0.63"/>
+          </dgm:constrLst>
+          <dgm:ruleLst>
+            <dgm:rule type="h" val="INF" fact="NaN" max="NaN"/>
+          </dgm:ruleLst>
+        </dgm:layoutNode>
+      </dgm:layoutNode>
+      <dgm:forEach name="Name5" axis="followSib" ptType="sibTrans" cnt="1">
+        <dgm:layoutNode name="space">
+          <dgm:alg type="sp"/>
+          <dgm:shape xmlns:r="http://schemas.openxmlformats.org/officeDocument/2006/relationships" r:blip="">
+            <dgm:adjLst/>
+          </dgm:shape>
+          <dgm:presOf/>
+          <dgm:constrLst/>
+          <dgm:ruleLst/>
+        </dgm:layoutNode>
+      </dgm:forEach>
+    </dgm:forEach>
+  </dgm:layoutNode>
+</dgm:layoutDef>
+</file>
+
 <file path=ppt/diagrams/quickStyle1.xml><?xml version="1.0" encoding="utf-8"?>
 <dgm:styleDef xmlns:dgm="http://schemas.openxmlformats.org/drawingml/2006/diagram" xmlns:a="http://schemas.openxmlformats.org/drawingml/2006/main" uniqueId="urn:microsoft.com/office/officeart/2005/8/quickstyle/simple4">
   <dgm:title val=""/>
@@ -3929,6 +6036,1040 @@
         <a:scrgbClr r="0" g="0" b="0"/>
       </a:fillRef>
       <a:effectRef idx="2">
+        <a:scrgbClr r="0" g="0" b="0"/>
+      </a:effectRef>
+      <a:fontRef idx="minor"/>
+    </dgm:style>
+  </dgm:styleLbl>
+  <dgm:styleLbl name="revTx">
+    <dgm:scene3d>
+      <a:camera prst="orthographicFront"/>
+      <a:lightRig rig="threePt" dir="t"/>
+    </dgm:scene3d>
+    <dgm:sp3d/>
+    <dgm:txPr/>
+    <dgm:style>
+      <a:lnRef idx="0">
+        <a:scrgbClr r="0" g="0" b="0"/>
+      </a:lnRef>
+      <a:fillRef idx="0">
+        <a:scrgbClr r="0" g="0" b="0"/>
+      </a:fillRef>
+      <a:effectRef idx="0">
+        <a:scrgbClr r="0" g="0" b="0"/>
+      </a:effectRef>
+      <a:fontRef idx="minor"/>
+    </dgm:style>
+  </dgm:styleLbl>
+</dgm:styleDef>
+</file>
+
+<file path=ppt/diagrams/quickStyle2.xml><?xml version="1.0" encoding="utf-8"?>
+<dgm:styleDef xmlns:dgm="http://schemas.openxmlformats.org/drawingml/2006/diagram" xmlns:a="http://schemas.openxmlformats.org/drawingml/2006/main" uniqueId="urn:microsoft.com/office/officeart/2005/8/quickstyle/simple2">
+  <dgm:title val=""/>
+  <dgm:desc val=""/>
+  <dgm:catLst>
+    <dgm:cat type="simple" pri="10200"/>
+  </dgm:catLst>
+  <dgm:scene3d>
+    <a:camera prst="orthographicFront"/>
+    <a:lightRig rig="threePt" dir="t"/>
+  </dgm:scene3d>
+  <dgm:styleLbl name="node0">
+    <dgm:scene3d>
+      <a:camera prst="orthographicFront"/>
+      <a:lightRig rig="threePt" dir="t"/>
+    </dgm:scene3d>
+    <dgm:sp3d/>
+    <dgm:txPr/>
+    <dgm:style>
+      <a:lnRef idx="3">
+        <a:scrgbClr r="0" g="0" b="0"/>
+      </a:lnRef>
+      <a:fillRef idx="1">
+        <a:scrgbClr r="0" g="0" b="0"/>
+      </a:fillRef>
+      <a:effectRef idx="1">
+        <a:scrgbClr r="0" g="0" b="0"/>
+      </a:effectRef>
+      <a:fontRef idx="minor">
+        <a:schemeClr val="lt1"/>
+      </a:fontRef>
+    </dgm:style>
+  </dgm:styleLbl>
+  <dgm:styleLbl name="lnNode1">
+    <dgm:scene3d>
+      <a:camera prst="orthographicFront"/>
+      <a:lightRig rig="threePt" dir="t"/>
+    </dgm:scene3d>
+    <dgm:sp3d/>
+    <dgm:txPr/>
+    <dgm:style>
+      <a:lnRef idx="3">
+        <a:scrgbClr r="0" g="0" b="0"/>
+      </a:lnRef>
+      <a:fillRef idx="1">
+        <a:scrgbClr r="0" g="0" b="0"/>
+      </a:fillRef>
+      <a:effectRef idx="1">
+        <a:scrgbClr r="0" g="0" b="0"/>
+      </a:effectRef>
+      <a:fontRef idx="minor">
+        <a:schemeClr val="lt1"/>
+      </a:fontRef>
+    </dgm:style>
+  </dgm:styleLbl>
+  <dgm:styleLbl name="vennNode1">
+    <dgm:scene3d>
+      <a:camera prst="orthographicFront"/>
+      <a:lightRig rig="threePt" dir="t"/>
+    </dgm:scene3d>
+    <dgm:sp3d/>
+    <dgm:txPr/>
+    <dgm:style>
+      <a:lnRef idx="3">
+        <a:scrgbClr r="0" g="0" b="0"/>
+      </a:lnRef>
+      <a:fillRef idx="1">
+        <a:scrgbClr r="0" g="0" b="0"/>
+      </a:fillRef>
+      <a:effectRef idx="0">
+        <a:scrgbClr r="0" g="0" b="0"/>
+      </a:effectRef>
+      <a:fontRef idx="minor">
+        <a:schemeClr val="tx1"/>
+      </a:fontRef>
+    </dgm:style>
+  </dgm:styleLbl>
+  <dgm:styleLbl name="alignNode1">
+    <dgm:scene3d>
+      <a:camera prst="orthographicFront"/>
+      <a:lightRig rig="threePt" dir="t"/>
+    </dgm:scene3d>
+    <dgm:sp3d/>
+    <dgm:txPr/>
+    <dgm:style>
+      <a:lnRef idx="2">
+        <a:scrgbClr r="0" g="0" b="0"/>
+      </a:lnRef>
+      <a:fillRef idx="1">
+        <a:scrgbClr r="0" g="0" b="0"/>
+      </a:fillRef>
+      <a:effectRef idx="1">
+        <a:scrgbClr r="0" g="0" b="0"/>
+      </a:effectRef>
+      <a:fontRef idx="minor">
+        <a:schemeClr val="lt1"/>
+      </a:fontRef>
+    </dgm:style>
+  </dgm:styleLbl>
+  <dgm:styleLbl name="node1">
+    <dgm:scene3d>
+      <a:camera prst="orthographicFront"/>
+      <a:lightRig rig="threePt" dir="t"/>
+    </dgm:scene3d>
+    <dgm:sp3d/>
+    <dgm:txPr/>
+    <dgm:style>
+      <a:lnRef idx="3">
+        <a:scrgbClr r="0" g="0" b="0"/>
+      </a:lnRef>
+      <a:fillRef idx="1">
+        <a:scrgbClr r="0" g="0" b="0"/>
+      </a:fillRef>
+      <a:effectRef idx="1">
+        <a:scrgbClr r="0" g="0" b="0"/>
+      </a:effectRef>
+      <a:fontRef idx="minor">
+        <a:schemeClr val="lt1"/>
+      </a:fontRef>
+    </dgm:style>
+  </dgm:styleLbl>
+  <dgm:styleLbl name="node2">
+    <dgm:scene3d>
+      <a:camera prst="orthographicFront"/>
+      <a:lightRig rig="threePt" dir="t"/>
+    </dgm:scene3d>
+    <dgm:sp3d/>
+    <dgm:txPr/>
+    <dgm:style>
+      <a:lnRef idx="3">
+        <a:scrgbClr r="0" g="0" b="0"/>
+      </a:lnRef>
+      <a:fillRef idx="1">
+        <a:scrgbClr r="0" g="0" b="0"/>
+      </a:fillRef>
+      <a:effectRef idx="1">
+        <a:scrgbClr r="0" g="0" b="0"/>
+      </a:effectRef>
+      <a:fontRef idx="minor">
+        <a:schemeClr val="lt1"/>
+      </a:fontRef>
+    </dgm:style>
+  </dgm:styleLbl>
+  <dgm:styleLbl name="node3">
+    <dgm:scene3d>
+      <a:camera prst="orthographicFront"/>
+      <a:lightRig rig="threePt" dir="t"/>
+    </dgm:scene3d>
+    <dgm:sp3d/>
+    <dgm:txPr/>
+    <dgm:style>
+      <a:lnRef idx="3">
+        <a:scrgbClr r="0" g="0" b="0"/>
+      </a:lnRef>
+      <a:fillRef idx="1">
+        <a:scrgbClr r="0" g="0" b="0"/>
+      </a:fillRef>
+      <a:effectRef idx="1">
+        <a:scrgbClr r="0" g="0" b="0"/>
+      </a:effectRef>
+      <a:fontRef idx="minor">
+        <a:schemeClr val="lt1"/>
+      </a:fontRef>
+    </dgm:style>
+  </dgm:styleLbl>
+  <dgm:styleLbl name="node4">
+    <dgm:scene3d>
+      <a:camera prst="orthographicFront"/>
+      <a:lightRig rig="threePt" dir="t"/>
+    </dgm:scene3d>
+    <dgm:sp3d/>
+    <dgm:txPr/>
+    <dgm:style>
+      <a:lnRef idx="3">
+        <a:scrgbClr r="0" g="0" b="0"/>
+      </a:lnRef>
+      <a:fillRef idx="1">
+        <a:scrgbClr r="0" g="0" b="0"/>
+      </a:fillRef>
+      <a:effectRef idx="1">
+        <a:scrgbClr r="0" g="0" b="0"/>
+      </a:effectRef>
+      <a:fontRef idx="minor">
+        <a:schemeClr val="lt1"/>
+      </a:fontRef>
+    </dgm:style>
+  </dgm:styleLbl>
+  <dgm:styleLbl name="fgImgPlace1">
+    <dgm:scene3d>
+      <a:camera prst="orthographicFront"/>
+      <a:lightRig rig="threePt" dir="t"/>
+    </dgm:scene3d>
+    <dgm:sp3d/>
+    <dgm:txPr/>
+    <dgm:style>
+      <a:lnRef idx="3">
+        <a:scrgbClr r="0" g="0" b="0"/>
+      </a:lnRef>
+      <a:fillRef idx="1">
+        <a:scrgbClr r="0" g="0" b="0"/>
+      </a:fillRef>
+      <a:effectRef idx="1">
+        <a:scrgbClr r="0" g="0" b="0"/>
+      </a:effectRef>
+      <a:fontRef idx="minor"/>
+    </dgm:style>
+  </dgm:styleLbl>
+  <dgm:styleLbl name="alignImgPlace1">
+    <dgm:scene3d>
+      <a:camera prst="orthographicFront"/>
+      <a:lightRig rig="threePt" dir="t"/>
+    </dgm:scene3d>
+    <dgm:sp3d/>
+    <dgm:txPr/>
+    <dgm:style>
+      <a:lnRef idx="3">
+        <a:scrgbClr r="0" g="0" b="0"/>
+      </a:lnRef>
+      <a:fillRef idx="1">
+        <a:scrgbClr r="0" g="0" b="0"/>
+      </a:fillRef>
+      <a:effectRef idx="1">
+        <a:scrgbClr r="0" g="0" b="0"/>
+      </a:effectRef>
+      <a:fontRef idx="minor"/>
+    </dgm:style>
+  </dgm:styleLbl>
+  <dgm:styleLbl name="bgImgPlace1">
+    <dgm:scene3d>
+      <a:camera prst="orthographicFront"/>
+      <a:lightRig rig="threePt" dir="t"/>
+    </dgm:scene3d>
+    <dgm:sp3d/>
+    <dgm:txPr/>
+    <dgm:style>
+      <a:lnRef idx="3">
+        <a:scrgbClr r="0" g="0" b="0"/>
+      </a:lnRef>
+      <a:fillRef idx="1">
+        <a:scrgbClr r="0" g="0" b="0"/>
+      </a:fillRef>
+      <a:effectRef idx="1">
+        <a:scrgbClr r="0" g="0" b="0"/>
+      </a:effectRef>
+      <a:fontRef idx="minor"/>
+    </dgm:style>
+  </dgm:styleLbl>
+  <dgm:styleLbl name="sibTrans2D1">
+    <dgm:scene3d>
+      <a:camera prst="orthographicFront"/>
+      <a:lightRig rig="threePt" dir="t"/>
+    </dgm:scene3d>
+    <dgm:sp3d/>
+    <dgm:txPr/>
+    <dgm:style>
+      <a:lnRef idx="0">
+        <a:scrgbClr r="0" g="0" b="0"/>
+      </a:lnRef>
+      <a:fillRef idx="1">
+        <a:scrgbClr r="0" g="0" b="0"/>
+      </a:fillRef>
+      <a:effectRef idx="1">
+        <a:scrgbClr r="0" g="0" b="0"/>
+      </a:effectRef>
+      <a:fontRef idx="minor">
+        <a:schemeClr val="lt1"/>
+      </a:fontRef>
+    </dgm:style>
+  </dgm:styleLbl>
+  <dgm:styleLbl name="fgSibTrans2D1">
+    <dgm:scene3d>
+      <a:camera prst="orthographicFront"/>
+      <a:lightRig rig="threePt" dir="t"/>
+    </dgm:scene3d>
+    <dgm:sp3d/>
+    <dgm:txPr/>
+    <dgm:style>
+      <a:lnRef idx="0">
+        <a:scrgbClr r="0" g="0" b="0"/>
+      </a:lnRef>
+      <a:fillRef idx="1">
+        <a:scrgbClr r="0" g="0" b="0"/>
+      </a:fillRef>
+      <a:effectRef idx="1">
+        <a:scrgbClr r="0" g="0" b="0"/>
+      </a:effectRef>
+      <a:fontRef idx="minor">
+        <a:schemeClr val="lt1"/>
+      </a:fontRef>
+    </dgm:style>
+  </dgm:styleLbl>
+  <dgm:styleLbl name="bgSibTrans2D1">
+    <dgm:scene3d>
+      <a:camera prst="orthographicFront"/>
+      <a:lightRig rig="threePt" dir="t"/>
+    </dgm:scene3d>
+    <dgm:sp3d/>
+    <dgm:txPr/>
+    <dgm:style>
+      <a:lnRef idx="0">
+        <a:scrgbClr r="0" g="0" b="0"/>
+      </a:lnRef>
+      <a:fillRef idx="1">
+        <a:scrgbClr r="0" g="0" b="0"/>
+      </a:fillRef>
+      <a:effectRef idx="1">
+        <a:scrgbClr r="0" g="0" b="0"/>
+      </a:effectRef>
+      <a:fontRef idx="minor">
+        <a:schemeClr val="lt1"/>
+      </a:fontRef>
+    </dgm:style>
+  </dgm:styleLbl>
+  <dgm:styleLbl name="sibTrans1D1">
+    <dgm:scene3d>
+      <a:camera prst="orthographicFront"/>
+      <a:lightRig rig="threePt" dir="t"/>
+    </dgm:scene3d>
+    <dgm:sp3d/>
+    <dgm:txPr/>
+    <dgm:style>
+      <a:lnRef idx="1">
+        <a:scrgbClr r="0" g="0" b="0"/>
+      </a:lnRef>
+      <a:fillRef idx="0">
+        <a:scrgbClr r="0" g="0" b="0"/>
+      </a:fillRef>
+      <a:effectRef idx="0">
+        <a:scrgbClr r="0" g="0" b="0"/>
+      </a:effectRef>
+      <a:fontRef idx="minor"/>
+    </dgm:style>
+  </dgm:styleLbl>
+  <dgm:styleLbl name="callout">
+    <dgm:scene3d>
+      <a:camera prst="orthographicFront"/>
+      <a:lightRig rig="threePt" dir="t"/>
+    </dgm:scene3d>
+    <dgm:sp3d/>
+    <dgm:txPr/>
+    <dgm:style>
+      <a:lnRef idx="2">
+        <a:scrgbClr r="0" g="0" b="0"/>
+      </a:lnRef>
+      <a:fillRef idx="1">
+        <a:scrgbClr r="0" g="0" b="0"/>
+      </a:fillRef>
+      <a:effectRef idx="1">
+        <a:scrgbClr r="0" g="0" b="0"/>
+      </a:effectRef>
+      <a:fontRef idx="minor"/>
+    </dgm:style>
+  </dgm:styleLbl>
+  <dgm:styleLbl name="asst0">
+    <dgm:scene3d>
+      <a:camera prst="orthographicFront"/>
+      <a:lightRig rig="threePt" dir="t"/>
+    </dgm:scene3d>
+    <dgm:sp3d/>
+    <dgm:txPr/>
+    <dgm:style>
+      <a:lnRef idx="3">
+        <a:scrgbClr r="0" g="0" b="0"/>
+      </a:lnRef>
+      <a:fillRef idx="1">
+        <a:scrgbClr r="0" g="0" b="0"/>
+      </a:fillRef>
+      <a:effectRef idx="1">
+        <a:scrgbClr r="0" g="0" b="0"/>
+      </a:effectRef>
+      <a:fontRef idx="minor">
+        <a:schemeClr val="lt1"/>
+      </a:fontRef>
+    </dgm:style>
+  </dgm:styleLbl>
+  <dgm:styleLbl name="asst1">
+    <dgm:scene3d>
+      <a:camera prst="orthographicFront"/>
+      <a:lightRig rig="threePt" dir="t"/>
+    </dgm:scene3d>
+    <dgm:sp3d/>
+    <dgm:txPr/>
+    <dgm:style>
+      <a:lnRef idx="3">
+        <a:scrgbClr r="0" g="0" b="0"/>
+      </a:lnRef>
+      <a:fillRef idx="1">
+        <a:scrgbClr r="0" g="0" b="0"/>
+      </a:fillRef>
+      <a:effectRef idx="1">
+        <a:scrgbClr r="0" g="0" b="0"/>
+      </a:effectRef>
+      <a:fontRef idx="minor">
+        <a:schemeClr val="lt1"/>
+      </a:fontRef>
+    </dgm:style>
+  </dgm:styleLbl>
+  <dgm:styleLbl name="asst2">
+    <dgm:scene3d>
+      <a:camera prst="orthographicFront"/>
+      <a:lightRig rig="threePt" dir="t"/>
+    </dgm:scene3d>
+    <dgm:sp3d/>
+    <dgm:txPr/>
+    <dgm:style>
+      <a:lnRef idx="3">
+        <a:scrgbClr r="0" g="0" b="0"/>
+      </a:lnRef>
+      <a:fillRef idx="1">
+        <a:scrgbClr r="0" g="0" b="0"/>
+      </a:fillRef>
+      <a:effectRef idx="1">
+        <a:scrgbClr r="0" g="0" b="0"/>
+      </a:effectRef>
+      <a:fontRef idx="minor">
+        <a:schemeClr val="lt1"/>
+      </a:fontRef>
+    </dgm:style>
+  </dgm:styleLbl>
+  <dgm:styleLbl name="asst3">
+    <dgm:scene3d>
+      <a:camera prst="orthographicFront"/>
+      <a:lightRig rig="threePt" dir="t"/>
+    </dgm:scene3d>
+    <dgm:sp3d/>
+    <dgm:txPr/>
+    <dgm:style>
+      <a:lnRef idx="3">
+        <a:scrgbClr r="0" g="0" b="0"/>
+      </a:lnRef>
+      <a:fillRef idx="1">
+        <a:scrgbClr r="0" g="0" b="0"/>
+      </a:fillRef>
+      <a:effectRef idx="1">
+        <a:scrgbClr r="0" g="0" b="0"/>
+      </a:effectRef>
+      <a:fontRef idx="minor">
+        <a:schemeClr val="lt1"/>
+      </a:fontRef>
+    </dgm:style>
+  </dgm:styleLbl>
+  <dgm:styleLbl name="asst4">
+    <dgm:scene3d>
+      <a:camera prst="orthographicFront"/>
+      <a:lightRig rig="threePt" dir="t"/>
+    </dgm:scene3d>
+    <dgm:sp3d/>
+    <dgm:txPr/>
+    <dgm:style>
+      <a:lnRef idx="3">
+        <a:scrgbClr r="0" g="0" b="0"/>
+      </a:lnRef>
+      <a:fillRef idx="1">
+        <a:scrgbClr r="0" g="0" b="0"/>
+      </a:fillRef>
+      <a:effectRef idx="1">
+        <a:scrgbClr r="0" g="0" b="0"/>
+      </a:effectRef>
+      <a:fontRef idx="minor">
+        <a:schemeClr val="lt1"/>
+      </a:fontRef>
+    </dgm:style>
+  </dgm:styleLbl>
+  <dgm:styleLbl name="parChTrans2D1">
+    <dgm:scene3d>
+      <a:camera prst="orthographicFront"/>
+      <a:lightRig rig="threePt" dir="t"/>
+    </dgm:scene3d>
+    <dgm:sp3d/>
+    <dgm:txPr/>
+    <dgm:style>
+      <a:lnRef idx="3">
+        <a:scrgbClr r="0" g="0" b="0"/>
+      </a:lnRef>
+      <a:fillRef idx="1">
+        <a:scrgbClr r="0" g="0" b="0"/>
+      </a:fillRef>
+      <a:effectRef idx="1">
+        <a:scrgbClr r="0" g="0" b="0"/>
+      </a:effectRef>
+      <a:fontRef idx="minor">
+        <a:schemeClr val="lt1"/>
+      </a:fontRef>
+    </dgm:style>
+  </dgm:styleLbl>
+  <dgm:styleLbl name="parChTrans2D2">
+    <dgm:scene3d>
+      <a:camera prst="orthographicFront"/>
+      <a:lightRig rig="threePt" dir="t"/>
+    </dgm:scene3d>
+    <dgm:sp3d/>
+    <dgm:txPr/>
+    <dgm:style>
+      <a:lnRef idx="3">
+        <a:scrgbClr r="0" g="0" b="0"/>
+      </a:lnRef>
+      <a:fillRef idx="1">
+        <a:scrgbClr r="0" g="0" b="0"/>
+      </a:fillRef>
+      <a:effectRef idx="1">
+        <a:scrgbClr r="0" g="0" b="0"/>
+      </a:effectRef>
+      <a:fontRef idx="minor">
+        <a:schemeClr val="lt1"/>
+      </a:fontRef>
+    </dgm:style>
+  </dgm:styleLbl>
+  <dgm:styleLbl name="parChTrans2D3">
+    <dgm:scene3d>
+      <a:camera prst="orthographicFront"/>
+      <a:lightRig rig="threePt" dir="t"/>
+    </dgm:scene3d>
+    <dgm:sp3d/>
+    <dgm:txPr/>
+    <dgm:style>
+      <a:lnRef idx="3">
+        <a:scrgbClr r="0" g="0" b="0"/>
+      </a:lnRef>
+      <a:fillRef idx="1">
+        <a:scrgbClr r="0" g="0" b="0"/>
+      </a:fillRef>
+      <a:effectRef idx="1">
+        <a:scrgbClr r="0" g="0" b="0"/>
+      </a:effectRef>
+      <a:fontRef idx="minor">
+        <a:schemeClr val="lt1"/>
+      </a:fontRef>
+    </dgm:style>
+  </dgm:styleLbl>
+  <dgm:styleLbl name="parChTrans2D4">
+    <dgm:scene3d>
+      <a:camera prst="orthographicFront"/>
+      <a:lightRig rig="threePt" dir="t"/>
+    </dgm:scene3d>
+    <dgm:sp3d/>
+    <dgm:txPr/>
+    <dgm:style>
+      <a:lnRef idx="3">
+        <a:scrgbClr r="0" g="0" b="0"/>
+      </a:lnRef>
+      <a:fillRef idx="1">
+        <a:scrgbClr r="0" g="0" b="0"/>
+      </a:fillRef>
+      <a:effectRef idx="1">
+        <a:scrgbClr r="0" g="0" b="0"/>
+      </a:effectRef>
+      <a:fontRef idx="minor">
+        <a:schemeClr val="lt1"/>
+      </a:fontRef>
+    </dgm:style>
+  </dgm:styleLbl>
+  <dgm:styleLbl name="parChTrans1D1">
+    <dgm:scene3d>
+      <a:camera prst="orthographicFront"/>
+      <a:lightRig rig="threePt" dir="t"/>
+    </dgm:scene3d>
+    <dgm:sp3d/>
+    <dgm:txPr/>
+    <dgm:style>
+      <a:lnRef idx="2">
+        <a:scrgbClr r="0" g="0" b="0"/>
+      </a:lnRef>
+      <a:fillRef idx="0">
+        <a:scrgbClr r="0" g="0" b="0"/>
+      </a:fillRef>
+      <a:effectRef idx="0">
+        <a:scrgbClr r="0" g="0" b="0"/>
+      </a:effectRef>
+      <a:fontRef idx="minor"/>
+    </dgm:style>
+  </dgm:styleLbl>
+  <dgm:styleLbl name="parChTrans1D2">
+    <dgm:scene3d>
+      <a:camera prst="orthographicFront"/>
+      <a:lightRig rig="threePt" dir="t"/>
+    </dgm:scene3d>
+    <dgm:sp3d/>
+    <dgm:txPr/>
+    <dgm:style>
+      <a:lnRef idx="2">
+        <a:scrgbClr r="0" g="0" b="0"/>
+      </a:lnRef>
+      <a:fillRef idx="0">
+        <a:scrgbClr r="0" g="0" b="0"/>
+      </a:fillRef>
+      <a:effectRef idx="0">
+        <a:scrgbClr r="0" g="0" b="0"/>
+      </a:effectRef>
+      <a:fontRef idx="minor"/>
+    </dgm:style>
+  </dgm:styleLbl>
+  <dgm:styleLbl name="parChTrans1D3">
+    <dgm:scene3d>
+      <a:camera prst="orthographicFront"/>
+      <a:lightRig rig="threePt" dir="t"/>
+    </dgm:scene3d>
+    <dgm:sp3d/>
+    <dgm:txPr/>
+    <dgm:style>
+      <a:lnRef idx="2">
+        <a:scrgbClr r="0" g="0" b="0"/>
+      </a:lnRef>
+      <a:fillRef idx="0">
+        <a:scrgbClr r="0" g="0" b="0"/>
+      </a:fillRef>
+      <a:effectRef idx="0">
+        <a:scrgbClr r="0" g="0" b="0"/>
+      </a:effectRef>
+      <a:fontRef idx="minor"/>
+    </dgm:style>
+  </dgm:styleLbl>
+  <dgm:styleLbl name="parChTrans1D4">
+    <dgm:scene3d>
+      <a:camera prst="orthographicFront"/>
+      <a:lightRig rig="threePt" dir="t"/>
+    </dgm:scene3d>
+    <dgm:sp3d/>
+    <dgm:txPr/>
+    <dgm:style>
+      <a:lnRef idx="2">
+        <a:scrgbClr r="0" g="0" b="0"/>
+      </a:lnRef>
+      <a:fillRef idx="0">
+        <a:scrgbClr r="0" g="0" b="0"/>
+      </a:fillRef>
+      <a:effectRef idx="0">
+        <a:scrgbClr r="0" g="0" b="0"/>
+      </a:effectRef>
+      <a:fontRef idx="minor"/>
+    </dgm:style>
+  </dgm:styleLbl>
+  <dgm:styleLbl name="fgAcc1">
+    <dgm:scene3d>
+      <a:camera prst="orthographicFront"/>
+      <a:lightRig rig="threePt" dir="t"/>
+    </dgm:scene3d>
+    <dgm:sp3d/>
+    <dgm:txPr/>
+    <dgm:style>
+      <a:lnRef idx="2">
+        <a:scrgbClr r="0" g="0" b="0"/>
+      </a:lnRef>
+      <a:fillRef idx="1">
+        <a:scrgbClr r="0" g="0" b="0"/>
+      </a:fillRef>
+      <a:effectRef idx="0">
+        <a:scrgbClr r="0" g="0" b="0"/>
+      </a:effectRef>
+      <a:fontRef idx="minor"/>
+    </dgm:style>
+  </dgm:styleLbl>
+  <dgm:styleLbl name="conFgAcc1">
+    <dgm:scene3d>
+      <a:camera prst="orthographicFront"/>
+      <a:lightRig rig="threePt" dir="t"/>
+    </dgm:scene3d>
+    <dgm:sp3d/>
+    <dgm:txPr/>
+    <dgm:style>
+      <a:lnRef idx="2">
+        <a:scrgbClr r="0" g="0" b="0"/>
+      </a:lnRef>
+      <a:fillRef idx="1">
+        <a:scrgbClr r="0" g="0" b="0"/>
+      </a:fillRef>
+      <a:effectRef idx="0">
+        <a:scrgbClr r="0" g="0" b="0"/>
+      </a:effectRef>
+      <a:fontRef idx="minor"/>
+    </dgm:style>
+  </dgm:styleLbl>
+  <dgm:styleLbl name="alignAcc1">
+    <dgm:scene3d>
+      <a:camera prst="orthographicFront"/>
+      <a:lightRig rig="threePt" dir="t"/>
+    </dgm:scene3d>
+    <dgm:sp3d/>
+    <dgm:txPr/>
+    <dgm:style>
+      <a:lnRef idx="2">
+        <a:scrgbClr r="0" g="0" b="0"/>
+      </a:lnRef>
+      <a:fillRef idx="1">
+        <a:scrgbClr r="0" g="0" b="0"/>
+      </a:fillRef>
+      <a:effectRef idx="0">
+        <a:scrgbClr r="0" g="0" b="0"/>
+      </a:effectRef>
+      <a:fontRef idx="minor"/>
+    </dgm:style>
+  </dgm:styleLbl>
+  <dgm:styleLbl name="trAlignAcc1">
+    <dgm:scene3d>
+      <a:camera prst="orthographicFront"/>
+      <a:lightRig rig="threePt" dir="t"/>
+    </dgm:scene3d>
+    <dgm:sp3d/>
+    <dgm:txPr/>
+    <dgm:style>
+      <a:lnRef idx="1">
+        <a:scrgbClr r="0" g="0" b="0"/>
+      </a:lnRef>
+      <a:fillRef idx="1">
+        <a:scrgbClr r="0" g="0" b="0"/>
+      </a:fillRef>
+      <a:effectRef idx="0">
+        <a:scrgbClr r="0" g="0" b="0"/>
+      </a:effectRef>
+      <a:fontRef idx="minor"/>
+    </dgm:style>
+  </dgm:styleLbl>
+  <dgm:styleLbl name="bgAcc1">
+    <dgm:scene3d>
+      <a:camera prst="orthographicFront"/>
+      <a:lightRig rig="threePt" dir="t"/>
+    </dgm:scene3d>
+    <dgm:sp3d/>
+    <dgm:txPr/>
+    <dgm:style>
+      <a:lnRef idx="2">
+        <a:scrgbClr r="0" g="0" b="0"/>
+      </a:lnRef>
+      <a:fillRef idx="1">
+        <a:scrgbClr r="0" g="0" b="0"/>
+      </a:fillRef>
+      <a:effectRef idx="0">
+        <a:scrgbClr r="0" g="0" b="0"/>
+      </a:effectRef>
+      <a:fontRef idx="minor"/>
+    </dgm:style>
+  </dgm:styleLbl>
+  <dgm:styleLbl name="solidFgAcc1">
+    <dgm:scene3d>
+      <a:camera prst="orthographicFront"/>
+      <a:lightRig rig="threePt" dir="t"/>
+    </dgm:scene3d>
+    <dgm:sp3d/>
+    <dgm:txPr/>
+    <dgm:style>
+      <a:lnRef idx="2">
+        <a:scrgbClr r="0" g="0" b="0"/>
+      </a:lnRef>
+      <a:fillRef idx="1">
+        <a:scrgbClr r="0" g="0" b="0"/>
+      </a:fillRef>
+      <a:effectRef idx="0">
+        <a:scrgbClr r="0" g="0" b="0"/>
+      </a:effectRef>
+      <a:fontRef idx="minor"/>
+    </dgm:style>
+  </dgm:styleLbl>
+  <dgm:styleLbl name="solidAlignAcc1">
+    <dgm:scene3d>
+      <a:camera prst="orthographicFront"/>
+      <a:lightRig rig="threePt" dir="t"/>
+    </dgm:scene3d>
+    <dgm:sp3d/>
+    <dgm:txPr/>
+    <dgm:style>
+      <a:lnRef idx="2">
+        <a:scrgbClr r="0" g="0" b="0"/>
+      </a:lnRef>
+      <a:fillRef idx="1">
+        <a:scrgbClr r="0" g="0" b="0"/>
+      </a:fillRef>
+      <a:effectRef idx="0">
+        <a:scrgbClr r="0" g="0" b="0"/>
+      </a:effectRef>
+      <a:fontRef idx="minor"/>
+    </dgm:style>
+  </dgm:styleLbl>
+  <dgm:styleLbl name="solidBgAcc1">
+    <dgm:scene3d>
+      <a:camera prst="orthographicFront"/>
+      <a:lightRig rig="threePt" dir="t"/>
+    </dgm:scene3d>
+    <dgm:sp3d/>
+    <dgm:txPr/>
+    <dgm:style>
+      <a:lnRef idx="2">
+        <a:scrgbClr r="0" g="0" b="0"/>
+      </a:lnRef>
+      <a:fillRef idx="1">
+        <a:scrgbClr r="0" g="0" b="0"/>
+      </a:fillRef>
+      <a:effectRef idx="0">
+        <a:scrgbClr r="0" g="0" b="0"/>
+      </a:effectRef>
+      <a:fontRef idx="minor"/>
+    </dgm:style>
+  </dgm:styleLbl>
+  <dgm:styleLbl name="fgAccFollowNode1">
+    <dgm:scene3d>
+      <a:camera prst="orthographicFront"/>
+      <a:lightRig rig="threePt" dir="t"/>
+    </dgm:scene3d>
+    <dgm:sp3d/>
+    <dgm:txPr/>
+    <dgm:style>
+      <a:lnRef idx="2">
+        <a:scrgbClr r="0" g="0" b="0"/>
+      </a:lnRef>
+      <a:fillRef idx="1">
+        <a:scrgbClr r="0" g="0" b="0"/>
+      </a:fillRef>
+      <a:effectRef idx="0">
+        <a:scrgbClr r="0" g="0" b="0"/>
+      </a:effectRef>
+      <a:fontRef idx="minor"/>
+    </dgm:style>
+  </dgm:styleLbl>
+  <dgm:styleLbl name="alignAccFollowNode1">
+    <dgm:scene3d>
+      <a:camera prst="orthographicFront"/>
+      <a:lightRig rig="threePt" dir="t"/>
+    </dgm:scene3d>
+    <dgm:sp3d/>
+    <dgm:txPr/>
+    <dgm:style>
+      <a:lnRef idx="2">
+        <a:scrgbClr r="0" g="0" b="0"/>
+      </a:lnRef>
+      <a:fillRef idx="1">
+        <a:scrgbClr r="0" g="0" b="0"/>
+      </a:fillRef>
+      <a:effectRef idx="0">
+        <a:scrgbClr r="0" g="0" b="0"/>
+      </a:effectRef>
+      <a:fontRef idx="minor"/>
+    </dgm:style>
+  </dgm:styleLbl>
+  <dgm:styleLbl name="bgAccFollowNode1">
+    <dgm:scene3d>
+      <a:camera prst="orthographicFront"/>
+      <a:lightRig rig="threePt" dir="t"/>
+    </dgm:scene3d>
+    <dgm:sp3d/>
+    <dgm:txPr/>
+    <dgm:style>
+      <a:lnRef idx="2">
+        <a:scrgbClr r="0" g="0" b="0"/>
+      </a:lnRef>
+      <a:fillRef idx="1">
+        <a:scrgbClr r="0" g="0" b="0"/>
+      </a:fillRef>
+      <a:effectRef idx="0">
+        <a:scrgbClr r="0" g="0" b="0"/>
+      </a:effectRef>
+      <a:fontRef idx="minor"/>
+    </dgm:style>
+  </dgm:styleLbl>
+  <dgm:styleLbl name="fgAcc0">
+    <dgm:scene3d>
+      <a:camera prst="orthographicFront"/>
+      <a:lightRig rig="threePt" dir="t"/>
+    </dgm:scene3d>
+    <dgm:sp3d/>
+    <dgm:txPr/>
+    <dgm:style>
+      <a:lnRef idx="2">
+        <a:scrgbClr r="0" g="0" b="0"/>
+      </a:lnRef>
+      <a:fillRef idx="1">
+        <a:scrgbClr r="0" g="0" b="0"/>
+      </a:fillRef>
+      <a:effectRef idx="0">
+        <a:scrgbClr r="0" g="0" b="0"/>
+      </a:effectRef>
+      <a:fontRef idx="minor"/>
+    </dgm:style>
+  </dgm:styleLbl>
+  <dgm:styleLbl name="fgAcc2">
+    <dgm:scene3d>
+      <a:camera prst="orthographicFront"/>
+      <a:lightRig rig="threePt" dir="t"/>
+    </dgm:scene3d>
+    <dgm:sp3d/>
+    <dgm:txPr/>
+    <dgm:style>
+      <a:lnRef idx="2">
+        <a:scrgbClr r="0" g="0" b="0"/>
+      </a:lnRef>
+      <a:fillRef idx="1">
+        <a:scrgbClr r="0" g="0" b="0"/>
+      </a:fillRef>
+      <a:effectRef idx="0">
+        <a:scrgbClr r="0" g="0" b="0"/>
+      </a:effectRef>
+      <a:fontRef idx="minor"/>
+    </dgm:style>
+  </dgm:styleLbl>
+  <dgm:styleLbl name="fgAcc3">
+    <dgm:scene3d>
+      <a:camera prst="orthographicFront"/>
+      <a:lightRig rig="threePt" dir="t"/>
+    </dgm:scene3d>
+    <dgm:sp3d/>
+    <dgm:txPr/>
+    <dgm:style>
+      <a:lnRef idx="2">
+        <a:scrgbClr r="0" g="0" b="0"/>
+      </a:lnRef>
+      <a:fillRef idx="1">
+        <a:scrgbClr r="0" g="0" b="0"/>
+      </a:fillRef>
+      <a:effectRef idx="0">
+        <a:scrgbClr r="0" g="0" b="0"/>
+      </a:effectRef>
+      <a:fontRef idx="minor"/>
+    </dgm:style>
+  </dgm:styleLbl>
+  <dgm:styleLbl name="fgAcc4">
+    <dgm:scene3d>
+      <a:camera prst="orthographicFront"/>
+      <a:lightRig rig="threePt" dir="t"/>
+    </dgm:scene3d>
+    <dgm:sp3d/>
+    <dgm:txPr/>
+    <dgm:style>
+      <a:lnRef idx="2">
+        <a:scrgbClr r="0" g="0" b="0"/>
+      </a:lnRef>
+      <a:fillRef idx="1">
+        <a:scrgbClr r="0" g="0" b="0"/>
+      </a:fillRef>
+      <a:effectRef idx="0">
+        <a:scrgbClr r="0" g="0" b="0"/>
+      </a:effectRef>
+      <a:fontRef idx="minor"/>
+    </dgm:style>
+  </dgm:styleLbl>
+  <dgm:styleLbl name="bgShp">
+    <dgm:scene3d>
+      <a:camera prst="orthographicFront"/>
+      <a:lightRig rig="threePt" dir="t"/>
+    </dgm:scene3d>
+    <dgm:sp3d/>
+    <dgm:txPr/>
+    <dgm:style>
+      <a:lnRef idx="0">
+        <a:scrgbClr r="0" g="0" b="0"/>
+      </a:lnRef>
+      <a:fillRef idx="1">
+        <a:scrgbClr r="0" g="0" b="0"/>
+      </a:fillRef>
+      <a:effectRef idx="0">
+        <a:scrgbClr r="0" g="0" b="0"/>
+      </a:effectRef>
+      <a:fontRef idx="minor"/>
+    </dgm:style>
+  </dgm:styleLbl>
+  <dgm:styleLbl name="dkBgShp">
+    <dgm:scene3d>
+      <a:camera prst="orthographicFront"/>
+      <a:lightRig rig="threePt" dir="t"/>
+    </dgm:scene3d>
+    <dgm:sp3d/>
+    <dgm:txPr/>
+    <dgm:style>
+      <a:lnRef idx="0">
+        <a:scrgbClr r="0" g="0" b="0"/>
+      </a:lnRef>
+      <a:fillRef idx="1">
+        <a:scrgbClr r="0" g="0" b="0"/>
+      </a:fillRef>
+      <a:effectRef idx="0">
+        <a:scrgbClr r="0" g="0" b="0"/>
+      </a:effectRef>
+      <a:fontRef idx="minor"/>
+    </dgm:style>
+  </dgm:styleLbl>
+  <dgm:styleLbl name="trBgShp">
+    <dgm:scene3d>
+      <a:camera prst="orthographicFront"/>
+      <a:lightRig rig="threePt" dir="t"/>
+    </dgm:scene3d>
+    <dgm:sp3d/>
+    <dgm:txPr/>
+    <dgm:style>
+      <a:lnRef idx="0">
+        <a:scrgbClr r="0" g="0" b="0"/>
+      </a:lnRef>
+      <a:fillRef idx="1">
+        <a:scrgbClr r="0" g="0" b="0"/>
+      </a:fillRef>
+      <a:effectRef idx="0">
+        <a:scrgbClr r="0" g="0" b="0"/>
+      </a:effectRef>
+      <a:fontRef idx="minor"/>
+    </dgm:style>
+  </dgm:styleLbl>
+  <dgm:styleLbl name="fgShp">
+    <dgm:scene3d>
+      <a:camera prst="orthographicFront"/>
+      <a:lightRig rig="threePt" dir="t"/>
+    </dgm:scene3d>
+    <dgm:sp3d/>
+    <dgm:txPr/>
+    <dgm:style>
+      <a:lnRef idx="3">
+        <a:scrgbClr r="0" g="0" b="0"/>
+      </a:lnRef>
+      <a:fillRef idx="1">
+        <a:scrgbClr r="0" g="0" b="0"/>
+      </a:fillRef>
+      <a:effectRef idx="1">
         <a:scrgbClr r="0" g="0" b="0"/>
       </a:effectRef>
       <a:fontRef idx="minor"/>
@@ -7175,7 +10316,7 @@
           <a:p>
             <a:r>
               <a:rPr lang="en-US" dirty="0"/>
-              <a:t>Sahar Manavi – Jan 2021</a:t>
+              <a:t>Sahar Manavi – January 2021</a:t>
             </a:r>
           </a:p>
         </p:txBody>
@@ -7969,6 +11110,41 @@
           </a:p>
         </p:txBody>
       </p:sp>
+      <p:sp>
+        <p:nvSpPr>
+          <p:cNvPr id="3" name="TextBox 2">
+            <a:extLst>
+              <a:ext uri="{FF2B5EF4-FFF2-40B4-BE49-F238E27FC236}">
+                <a16:creationId xmlns:a16="http://schemas.microsoft.com/office/drawing/2014/main" id="{15A2E53E-388F-4658-B350-5B7ABC47F3E6}"/>
+              </a:ext>
+            </a:extLst>
+          </p:cNvPr>
+          <p:cNvSpPr txBox="1"/>
+          <p:nvPr/>
+        </p:nvSpPr>
+        <p:spPr>
+          <a:xfrm>
+            <a:off x="390699" y="221333"/>
+            <a:ext cx="2752869" cy="369332"/>
+          </a:xfrm>
+          <a:prstGeom prst="rect">
+            <a:avLst/>
+          </a:prstGeom>
+          <a:noFill/>
+        </p:spPr>
+        <p:txBody>
+          <a:bodyPr wrap="none" rtlCol="0">
+            <a:spAutoFit/>
+          </a:bodyPr>
+          <a:lstStyle/>
+          <a:p>
+            <a:r>
+              <a:rPr lang="en-US" dirty="0"/>
+              <a:t>Where Big Mountain ranks:</a:t>
+            </a:r>
+          </a:p>
+        </p:txBody>
+      </p:sp>
     </p:spTree>
     <p:extLst>
       <p:ext uri="{BB962C8B-B14F-4D97-AF65-F5344CB8AC3E}">
@@ -8015,7 +11191,12 @@
             <p:ph type="title"/>
           </p:nvPr>
         </p:nvSpPr>
-        <p:spPr/>
+        <p:spPr>
+          <a:xfrm>
+            <a:off x="2231136" y="465928"/>
+            <a:ext cx="7729728" cy="1188720"/>
+          </a:xfrm>
+        </p:spPr>
         <p:txBody>
           <a:bodyPr/>
           <a:lstStyle/>
@@ -8034,7 +11215,469 @@
             </a:r>
             <a:r>
               <a:rPr lang="en-US" dirty="0"/>
-              <a:t>facilities?</a:t>
+              <a:t>resort?</a:t>
+            </a:r>
+          </a:p>
+        </p:txBody>
+      </p:sp>
+      <p:graphicFrame>
+        <p:nvGraphicFramePr>
+          <p:cNvPr id="6" name="Content Placeholder 5">
+            <a:extLst>
+              <a:ext uri="{FF2B5EF4-FFF2-40B4-BE49-F238E27FC236}">
+                <a16:creationId xmlns:a16="http://schemas.microsoft.com/office/drawing/2014/main" id="{4F79140C-2C93-45CD-B08C-E43B9168189A}"/>
+              </a:ext>
+            </a:extLst>
+          </p:cNvPr>
+          <p:cNvGraphicFramePr>
+            <a:graphicFrameLocks noGrp="1"/>
+          </p:cNvGraphicFramePr>
+          <p:nvPr>
+            <p:ph idx="1"/>
+            <p:extLst>
+              <p:ext uri="{D42A27DB-BD31-4B8C-83A1-F6EECF244321}">
+                <p14:modId xmlns:p14="http://schemas.microsoft.com/office/powerpoint/2010/main" val="2243986673"/>
+              </p:ext>
+            </p:extLst>
+          </p:nvPr>
+        </p:nvGraphicFramePr>
+        <p:xfrm>
+          <a:off x="1083425" y="3175047"/>
+          <a:ext cx="10025149" cy="3059083"/>
+        </p:xfrm>
+        <a:graphic>
+          <a:graphicData uri="http://schemas.openxmlformats.org/drawingml/2006/diagram">
+            <dgm:relIds xmlns:dgm="http://schemas.openxmlformats.org/drawingml/2006/diagram" xmlns:r="http://schemas.openxmlformats.org/officeDocument/2006/relationships" r:dm="rId2" r:lo="rId3" r:qs="rId4" r:cs="rId5"/>
+          </a:graphicData>
+        </a:graphic>
+      </p:graphicFrame>
+      <p:sp>
+        <p:nvSpPr>
+          <p:cNvPr id="8" name="TextBox 7">
+            <a:extLst>
+              <a:ext uri="{FF2B5EF4-FFF2-40B4-BE49-F238E27FC236}">
+                <a16:creationId xmlns:a16="http://schemas.microsoft.com/office/drawing/2014/main" id="{CB7CDCF4-4370-43E1-8B13-3947C62607BE}"/>
+              </a:ext>
+            </a:extLst>
+          </p:cNvPr>
+          <p:cNvSpPr txBox="1"/>
+          <p:nvPr/>
+        </p:nvSpPr>
+        <p:spPr>
+          <a:xfrm>
+            <a:off x="3051768" y="2230181"/>
+            <a:ext cx="6088462" cy="369332"/>
+          </a:xfrm>
+          <a:prstGeom prst="rect">
+            <a:avLst/>
+          </a:prstGeom>
+          <a:noFill/>
+        </p:spPr>
+        <p:txBody>
+          <a:bodyPr wrap="none" rtlCol="0">
+            <a:spAutoFit/>
+          </a:bodyPr>
+          <a:lstStyle/>
+          <a:p>
+            <a:pPr algn="ctr"/>
+            <a:r>
+              <a:rPr lang="en-US" dirty="0"/>
+              <a:t>3 options based on what we would like to do with our facilities:</a:t>
+            </a:r>
+          </a:p>
+        </p:txBody>
+      </p:sp>
+    </p:spTree>
+    <p:extLst>
+      <p:ext uri="{BB962C8B-B14F-4D97-AF65-F5344CB8AC3E}">
+        <p14:creationId xmlns:p14="http://schemas.microsoft.com/office/powerpoint/2010/main" val="348428776"/>
+      </p:ext>
+    </p:extLst>
+  </p:cSld>
+  <p:clrMapOvr>
+    <a:masterClrMapping/>
+  </p:clrMapOvr>
+</p:sld>
+</file>
+
+<file path=ppt/slides/slide5.xml><?xml version="1.0" encoding="utf-8"?>
+<p:sld xmlns:a="http://schemas.openxmlformats.org/drawingml/2006/main" xmlns:r="http://schemas.openxmlformats.org/officeDocument/2006/relationships" xmlns:p="http://schemas.openxmlformats.org/presentationml/2006/main">
+  <p:cSld>
+    <p:bg>
+      <p:bgPr>
+        <a:solidFill>
+          <a:schemeClr val="bg1">
+            <a:lumMod val="95000"/>
+          </a:schemeClr>
+        </a:solidFill>
+        <a:effectLst/>
+      </p:bgPr>
+    </p:bg>
+    <p:spTree>
+      <p:nvGrpSpPr>
+        <p:cNvPr id="1" name=""/>
+        <p:cNvGrpSpPr/>
+        <p:nvPr/>
+      </p:nvGrpSpPr>
+      <p:grpSpPr>
+        <a:xfrm>
+          <a:off x="0" y="0"/>
+          <a:ext cx="0" cy="0"/>
+          <a:chOff x="0" y="0"/>
+          <a:chExt cx="0" cy="0"/>
+        </a:xfrm>
+      </p:grpSpPr>
+      <p:sp>
+        <p:nvSpPr>
+          <p:cNvPr id="1030" name="Rectangle 72">
+            <a:extLst>
+              <a:ext uri="{FF2B5EF4-FFF2-40B4-BE49-F238E27FC236}">
+                <a16:creationId xmlns:a16="http://schemas.microsoft.com/office/drawing/2014/main" id="{EE99CA9E-E89F-4609-BDAA-A16CCA5D599F}"/>
+              </a:ext>
+              <a:ext uri="{C183D7F6-B498-43B3-948B-1728B52AA6E4}">
+                <adec:decorative xmlns:adec="http://schemas.microsoft.com/office/drawing/2017/decorative" val="1"/>
+              </a:ext>
+            </a:extLst>
+          </p:cNvPr>
+          <p:cNvSpPr>
+            <a:spLocks noGrp="1" noRot="1" noChangeAspect="1" noMove="1" noResize="1" noEditPoints="1" noAdjustHandles="1" noChangeArrowheads="1" noChangeShapeType="1" noTextEdit="1"/>
+          </p:cNvSpPr>
+          <p:nvPr>
+            <p:extLst>
+              <p:ext uri="{386F3935-93C4-4BCD-93E2-E3B085C9AB24}">
+                <p16:designElem xmlns:p16="http://schemas.microsoft.com/office/powerpoint/2015/main" val="1"/>
+              </p:ext>
+            </p:extLst>
+          </p:nvPr>
+        </p:nvSpPr>
+        <p:spPr>
+          <a:xfrm>
+            <a:off x="0" y="-2"/>
+            <a:ext cx="12192000" cy="4918511"/>
+          </a:xfrm>
+          <a:prstGeom prst="rect">
+            <a:avLst/>
+          </a:prstGeom>
+          <a:solidFill>
+            <a:srgbClr val="FFFFFF"/>
+          </a:solidFill>
+          <a:ln>
+            <a:noFill/>
+          </a:ln>
+        </p:spPr>
+        <p:style>
+          <a:lnRef idx="2">
+            <a:schemeClr val="accent1">
+              <a:shade val="50000"/>
+            </a:schemeClr>
+          </a:lnRef>
+          <a:fillRef idx="1">
+            <a:schemeClr val="accent1"/>
+          </a:fillRef>
+          <a:effectRef idx="0">
+            <a:schemeClr val="accent1"/>
+          </a:effectRef>
+          <a:fontRef idx="minor">
+            <a:schemeClr val="lt1"/>
+          </a:fontRef>
+        </p:style>
+        <p:txBody>
+          <a:bodyPr rtlCol="0" anchor="ctr"/>
+          <a:lstStyle/>
+          <a:p>
+            <a:pPr algn="ctr"/>
+            <a:endParaRPr lang="en-US"/>
+          </a:p>
+        </p:txBody>
+      </p:sp>
+      <p:sp>
+        <p:nvSpPr>
+          <p:cNvPr id="2" name="Title 1">
+            <a:extLst>
+              <a:ext uri="{FF2B5EF4-FFF2-40B4-BE49-F238E27FC236}">
+                <a16:creationId xmlns:a16="http://schemas.microsoft.com/office/drawing/2014/main" id="{209DD3C4-CCBB-448C-BF13-4F325E2F4EF5}"/>
+              </a:ext>
+            </a:extLst>
+          </p:cNvPr>
+          <p:cNvSpPr>
+            <a:spLocks noGrp="1"/>
+          </p:cNvSpPr>
+          <p:nvPr>
+            <p:ph type="title"/>
+          </p:nvPr>
+        </p:nvSpPr>
+        <p:spPr>
+          <a:xfrm>
+            <a:off x="1600200" y="4269282"/>
+            <a:ext cx="8991600" cy="1264762"/>
+          </a:xfrm>
+        </p:spPr>
+        <p:txBody>
+          <a:bodyPr vert="horz" lIns="274320" tIns="182880" rIns="274320" bIns="182880" rtlCol="0" anchor="ctr" anchorCtr="1">
+            <a:normAutofit/>
+          </a:bodyPr>
+          <a:lstStyle/>
+          <a:p>
+            <a:r>
+              <a:rPr lang="en-US" sz="3200" dirty="0">
+                <a:solidFill>
+                  <a:srgbClr val="262626"/>
+                </a:solidFill>
+              </a:rPr>
+              <a:t>There are </a:t>
+            </a:r>
+            <a:r>
+              <a:rPr lang="en-US" sz="3200" dirty="0">
+                <a:solidFill>
+                  <a:schemeClr val="accent1"/>
+                </a:solidFill>
+              </a:rPr>
+              <a:t>four</a:t>
+            </a:r>
+            <a:r>
+              <a:rPr lang="en-US" sz="3200" dirty="0">
+                <a:solidFill>
+                  <a:srgbClr val="262626"/>
+                </a:solidFill>
+              </a:rPr>
+              <a:t> key features</a:t>
+            </a:r>
+          </a:p>
+        </p:txBody>
+      </p:sp>
+      <p:pic>
+        <p:nvPicPr>
+          <p:cNvPr id="1026" name="Picture 2">
+            <a:extLst>
+              <a:ext uri="{FF2B5EF4-FFF2-40B4-BE49-F238E27FC236}">
+                <a16:creationId xmlns:a16="http://schemas.microsoft.com/office/drawing/2014/main" id="{7186183E-4849-4095-8C6D-EBB9DEEEC83E}"/>
+              </a:ext>
+            </a:extLst>
+          </p:cNvPr>
+          <p:cNvPicPr>
+            <a:picLocks noChangeAspect="1" noChangeArrowheads="1"/>
+          </p:cNvPicPr>
+          <p:nvPr/>
+        </p:nvPicPr>
+        <p:blipFill rotWithShape="1">
+          <a:blip r:embed="rId2">
+            <a:extLst>
+              <a:ext uri="{28A0092B-C50C-407E-A947-70E740481C1C}">
+                <a14:useLocalDpi xmlns:a14="http://schemas.microsoft.com/office/drawing/2010/main" val="0"/>
+              </a:ext>
+            </a:extLst>
+          </a:blip>
+          <a:stretch/>
+        </p:blipFill>
+        <p:spPr bwMode="auto">
+          <a:xfrm>
+            <a:off x="1271809" y="587857"/>
+            <a:ext cx="2723578" cy="3301307"/>
+          </a:xfrm>
+          <a:prstGeom prst="rect">
+            <a:avLst/>
+          </a:prstGeom>
+          <a:noFill/>
+          <a:extLst>
+            <a:ext uri="{909E8E84-426E-40DD-AFC4-6F175D3DCCD1}">
+              <a14:hiddenFill xmlns:a14="http://schemas.microsoft.com/office/drawing/2010/main">
+                <a:solidFill>
+                  <a:srgbClr val="FFFFFF"/>
+                </a:solidFill>
+              </a14:hiddenFill>
+            </a:ext>
+          </a:extLst>
+        </p:spPr>
+      </p:pic>
+      <p:pic>
+        <p:nvPicPr>
+          <p:cNvPr id="4" name="Picture 6">
+            <a:extLst>
+              <a:ext uri="{FF2B5EF4-FFF2-40B4-BE49-F238E27FC236}">
+                <a16:creationId xmlns:a16="http://schemas.microsoft.com/office/drawing/2014/main" id="{C4DF6153-4407-44B0-AF61-0A32E919A1DA}"/>
+              </a:ext>
+            </a:extLst>
+          </p:cNvPr>
+          <p:cNvPicPr>
+            <a:picLocks noChangeAspect="1" noChangeArrowheads="1"/>
+          </p:cNvPicPr>
+          <p:nvPr/>
+        </p:nvPicPr>
+        <p:blipFill>
+          <a:blip r:embed="rId3">
+            <a:extLst>
+              <a:ext uri="{28A0092B-C50C-407E-A947-70E740481C1C}">
+                <a14:useLocalDpi xmlns:a14="http://schemas.microsoft.com/office/drawing/2010/main" val="0"/>
+              </a:ext>
+            </a:extLst>
+          </a:blip>
+          <a:srcRect/>
+          <a:stretch>
+            <a:fillRect/>
+          </a:stretch>
+        </p:blipFill>
+        <p:spPr bwMode="auto">
+          <a:xfrm>
+            <a:off x="5000977" y="587857"/>
+            <a:ext cx="6391275" cy="3171825"/>
+          </a:xfrm>
+          <a:prstGeom prst="rect">
+            <a:avLst/>
+          </a:prstGeom>
+          <a:noFill/>
+          <a:extLst>
+            <a:ext uri="{909E8E84-426E-40DD-AFC4-6F175D3DCCD1}">
+              <a14:hiddenFill xmlns:a14="http://schemas.microsoft.com/office/drawing/2010/main">
+                <a:solidFill>
+                  <a:srgbClr val="FFFFFF"/>
+                </a:solidFill>
+              </a14:hiddenFill>
+            </a:ext>
+          </a:extLst>
+        </p:spPr>
+      </p:pic>
+      <p:sp>
+        <p:nvSpPr>
+          <p:cNvPr id="6" name="TextBox 5">
+            <a:extLst>
+              <a:ext uri="{FF2B5EF4-FFF2-40B4-BE49-F238E27FC236}">
+                <a16:creationId xmlns:a16="http://schemas.microsoft.com/office/drawing/2014/main" id="{EC1518C9-4483-4B7D-9479-F838DEF8A368}"/>
+              </a:ext>
+            </a:extLst>
+          </p:cNvPr>
+          <p:cNvSpPr txBox="1"/>
+          <p:nvPr/>
+        </p:nvSpPr>
+        <p:spPr>
+          <a:xfrm>
+            <a:off x="1893651" y="5769726"/>
+            <a:ext cx="8404698" cy="646331"/>
+          </a:xfrm>
+          <a:prstGeom prst="rect">
+            <a:avLst/>
+          </a:prstGeom>
+          <a:noFill/>
+        </p:spPr>
+        <p:txBody>
+          <a:bodyPr wrap="square" rtlCol="0">
+            <a:spAutoFit/>
+          </a:bodyPr>
+          <a:lstStyle/>
+          <a:p>
+            <a:pPr algn="ctr"/>
+            <a:r>
+              <a:rPr lang="en-US" dirty="0"/>
+              <a:t>Our model found 4 features across all resorts that had the largest impact on ticket price. This suggests these are the features that customers are most willing to pay more for. </a:t>
+            </a:r>
+          </a:p>
+        </p:txBody>
+      </p:sp>
+      <p:sp>
+        <p:nvSpPr>
+          <p:cNvPr id="9" name="Arrow: Right 8">
+            <a:extLst>
+              <a:ext uri="{FF2B5EF4-FFF2-40B4-BE49-F238E27FC236}">
+                <a16:creationId xmlns:a16="http://schemas.microsoft.com/office/drawing/2014/main" id="{887784A3-9E12-4759-908F-F0939715504C}"/>
+              </a:ext>
+            </a:extLst>
+          </p:cNvPr>
+          <p:cNvSpPr/>
+          <p:nvPr/>
+        </p:nvSpPr>
+        <p:spPr>
+          <a:xfrm>
+            <a:off x="1600201" y="352174"/>
+            <a:ext cx="2723578" cy="971781"/>
+          </a:xfrm>
+          <a:prstGeom prst="rightArrow">
+            <a:avLst/>
+          </a:prstGeom>
+          <a:noFill/>
+          <a:ln w="28575">
+            <a:solidFill>
+              <a:schemeClr val="accent1"/>
+            </a:solidFill>
+          </a:ln>
+        </p:spPr>
+        <p:style>
+          <a:lnRef idx="2">
+            <a:schemeClr val="accent1">
+              <a:shade val="50000"/>
+            </a:schemeClr>
+          </a:lnRef>
+          <a:fillRef idx="1">
+            <a:schemeClr val="accent1"/>
+          </a:fillRef>
+          <a:effectRef idx="0">
+            <a:schemeClr val="accent1"/>
+          </a:effectRef>
+          <a:fontRef idx="minor">
+            <a:schemeClr val="lt1"/>
+          </a:fontRef>
+        </p:style>
+        <p:txBody>
+          <a:bodyPr rtlCol="0" anchor="ctr"/>
+          <a:lstStyle/>
+          <a:p>
+            <a:pPr algn="ctr"/>
+            <a:endParaRPr lang="en-US"/>
+          </a:p>
+        </p:txBody>
+      </p:sp>
+    </p:spTree>
+    <p:extLst>
+      <p:ext uri="{BB962C8B-B14F-4D97-AF65-F5344CB8AC3E}">
+        <p14:creationId xmlns:p14="http://schemas.microsoft.com/office/powerpoint/2010/main" val="1138514029"/>
+      </p:ext>
+    </p:extLst>
+  </p:cSld>
+  <p:clrMapOvr>
+    <a:masterClrMapping/>
+  </p:clrMapOvr>
+</p:sld>
+</file>
+
+<file path=ppt/slides/slide6.xml><?xml version="1.0" encoding="utf-8"?>
+<p:sld xmlns:a="http://schemas.openxmlformats.org/drawingml/2006/main" xmlns:r="http://schemas.openxmlformats.org/officeDocument/2006/relationships" xmlns:p="http://schemas.openxmlformats.org/presentationml/2006/main">
+  <p:cSld>
+    <p:spTree>
+      <p:nvGrpSpPr>
+        <p:cNvPr id="1" name=""/>
+        <p:cNvGrpSpPr/>
+        <p:nvPr/>
+      </p:nvGrpSpPr>
+      <p:grpSpPr>
+        <a:xfrm>
+          <a:off x="0" y="0"/>
+          <a:ext cx="0" cy="0"/>
+          <a:chOff x="0" y="0"/>
+          <a:chExt cx="0" cy="0"/>
+        </a:xfrm>
+      </p:grpSpPr>
+      <p:sp>
+        <p:nvSpPr>
+          <p:cNvPr id="2" name="Title 1">
+            <a:extLst>
+              <a:ext uri="{FF2B5EF4-FFF2-40B4-BE49-F238E27FC236}">
+                <a16:creationId xmlns:a16="http://schemas.microsoft.com/office/drawing/2014/main" id="{4BC3C7E0-801F-4BA8-A365-96FA3AD85E14}"/>
+              </a:ext>
+            </a:extLst>
+          </p:cNvPr>
+          <p:cNvSpPr>
+            <a:spLocks noGrp="1"/>
+          </p:cNvSpPr>
+          <p:nvPr>
+            <p:ph type="title"/>
+          </p:nvPr>
+        </p:nvSpPr>
+        <p:spPr/>
+        <p:txBody>
+          <a:bodyPr/>
+          <a:lstStyle/>
+          <a:p>
+            <a:r>
+              <a:rPr lang="en-US" dirty="0"/>
+              <a:t>Scenario 1: reducing runs</a:t>
             </a:r>
           </a:p>
         </p:txBody>
@@ -8044,7 +11687,7 @@
           <p:cNvPr id="3" name="Content Placeholder 2">
             <a:extLst>
               <a:ext uri="{FF2B5EF4-FFF2-40B4-BE49-F238E27FC236}">
-                <a16:creationId xmlns:a16="http://schemas.microsoft.com/office/drawing/2014/main" id="{6E3CF5C4-2BC3-407B-8BBC-FE3061AECEED}"/>
+                <a16:creationId xmlns:a16="http://schemas.microsoft.com/office/drawing/2014/main" id="{8EF309A0-1092-4B16-97F7-5F754B07CA63}"/>
               </a:ext>
             </a:extLst>
           </p:cNvPr>
@@ -8067,7 +11710,323 @@
     </p:spTree>
     <p:extLst>
       <p:ext uri="{BB962C8B-B14F-4D97-AF65-F5344CB8AC3E}">
-        <p14:creationId xmlns:p14="http://schemas.microsoft.com/office/powerpoint/2010/main" val="348428776"/>
+        <p14:creationId xmlns:p14="http://schemas.microsoft.com/office/powerpoint/2010/main" val="3933552368"/>
+      </p:ext>
+    </p:extLst>
+  </p:cSld>
+  <p:clrMapOvr>
+    <a:masterClrMapping/>
+  </p:clrMapOvr>
+</p:sld>
+</file>
+
+<file path=ppt/slides/slide7.xml><?xml version="1.0" encoding="utf-8"?>
+<p:sld xmlns:a="http://schemas.openxmlformats.org/drawingml/2006/main" xmlns:r="http://schemas.openxmlformats.org/officeDocument/2006/relationships" xmlns:p="http://schemas.openxmlformats.org/presentationml/2006/main">
+  <p:cSld>
+    <p:spTree>
+      <p:nvGrpSpPr>
+        <p:cNvPr id="1" name=""/>
+        <p:cNvGrpSpPr/>
+        <p:nvPr/>
+      </p:nvGrpSpPr>
+      <p:grpSpPr>
+        <a:xfrm>
+          <a:off x="0" y="0"/>
+          <a:ext cx="0" cy="0"/>
+          <a:chOff x="0" y="0"/>
+          <a:chExt cx="0" cy="0"/>
+        </a:xfrm>
+      </p:grpSpPr>
+      <p:sp>
+        <p:nvSpPr>
+          <p:cNvPr id="2" name="Title 1">
+            <a:extLst>
+              <a:ext uri="{FF2B5EF4-FFF2-40B4-BE49-F238E27FC236}">
+                <a16:creationId xmlns:a16="http://schemas.microsoft.com/office/drawing/2014/main" id="{C2A651F3-787F-4D19-869E-4008B55D1162}"/>
+              </a:ext>
+            </a:extLst>
+          </p:cNvPr>
+          <p:cNvSpPr>
+            <a:spLocks noGrp="1"/>
+          </p:cNvSpPr>
+          <p:nvPr>
+            <p:ph type="title"/>
+          </p:nvPr>
+        </p:nvSpPr>
+        <p:spPr/>
+        <p:txBody>
+          <a:bodyPr/>
+          <a:lstStyle/>
+          <a:p>
+            <a:r>
+              <a:rPr lang="en-US" dirty="0"/>
+              <a:t>Scenario 2: adding a run and lift</a:t>
+            </a:r>
+          </a:p>
+        </p:txBody>
+      </p:sp>
+      <p:sp>
+        <p:nvSpPr>
+          <p:cNvPr id="3" name="Content Placeholder 2">
+            <a:extLst>
+              <a:ext uri="{FF2B5EF4-FFF2-40B4-BE49-F238E27FC236}">
+                <a16:creationId xmlns:a16="http://schemas.microsoft.com/office/drawing/2014/main" id="{5AFC22FB-32F6-4860-80CD-FDB1232FEE36}"/>
+              </a:ext>
+            </a:extLst>
+          </p:cNvPr>
+          <p:cNvSpPr>
+            <a:spLocks noGrp="1"/>
+          </p:cNvSpPr>
+          <p:nvPr>
+            <p:ph idx="1"/>
+          </p:nvPr>
+        </p:nvSpPr>
+        <p:spPr/>
+        <p:txBody>
+          <a:bodyPr/>
+          <a:lstStyle/>
+          <a:p>
+            <a:endParaRPr lang="en-US"/>
+          </a:p>
+        </p:txBody>
+      </p:sp>
+    </p:spTree>
+    <p:extLst>
+      <p:ext uri="{BB962C8B-B14F-4D97-AF65-F5344CB8AC3E}">
+        <p14:creationId xmlns:p14="http://schemas.microsoft.com/office/powerpoint/2010/main" val="3344834382"/>
+      </p:ext>
+    </p:extLst>
+  </p:cSld>
+  <p:clrMapOvr>
+    <a:masterClrMapping/>
+  </p:clrMapOvr>
+</p:sld>
+</file>
+
+<file path=ppt/slides/slide8.xml><?xml version="1.0" encoding="utf-8"?>
+<p:sld xmlns:a="http://schemas.openxmlformats.org/drawingml/2006/main" xmlns:r="http://schemas.openxmlformats.org/officeDocument/2006/relationships" xmlns:p="http://schemas.openxmlformats.org/presentationml/2006/main">
+  <p:cSld>
+    <p:bg>
+      <p:bgPr>
+        <a:solidFill>
+          <a:schemeClr val="bg1">
+            <a:lumMod val="95000"/>
+          </a:schemeClr>
+        </a:solidFill>
+        <a:effectLst/>
+      </p:bgPr>
+    </p:bg>
+    <p:spTree>
+      <p:nvGrpSpPr>
+        <p:cNvPr id="1" name=""/>
+        <p:cNvGrpSpPr/>
+        <p:nvPr/>
+      </p:nvGrpSpPr>
+      <p:grpSpPr>
+        <a:xfrm>
+          <a:off x="0" y="0"/>
+          <a:ext cx="0" cy="0"/>
+          <a:chOff x="0" y="0"/>
+          <a:chExt cx="0" cy="0"/>
+        </a:xfrm>
+      </p:grpSpPr>
+      <p:sp>
+        <p:nvSpPr>
+          <p:cNvPr id="2" name="Title 1">
+            <a:extLst>
+              <a:ext uri="{FF2B5EF4-FFF2-40B4-BE49-F238E27FC236}">
+                <a16:creationId xmlns:a16="http://schemas.microsoft.com/office/drawing/2014/main" id="{39D08A4A-63AA-4ABE-B0A0-2975FF788E3F}"/>
+              </a:ext>
+            </a:extLst>
+          </p:cNvPr>
+          <p:cNvSpPr>
+            <a:spLocks noGrp="1"/>
+          </p:cNvSpPr>
+          <p:nvPr>
+            <p:ph type="title"/>
+          </p:nvPr>
+        </p:nvSpPr>
+        <p:spPr>
+          <a:xfrm>
+            <a:off x="1688006" y="964692"/>
+            <a:ext cx="8815988" cy="1188720"/>
+          </a:xfrm>
+        </p:spPr>
+        <p:txBody>
+          <a:bodyPr vert="horz" lIns="182880" tIns="182880" rIns="182880" bIns="182880" rtlCol="0" anchor="ctr">
+            <a:normAutofit/>
+          </a:bodyPr>
+          <a:lstStyle/>
+          <a:p>
+            <a:r>
+              <a:rPr lang="en-US" sz="2400" dirty="0"/>
+              <a:t>How does </a:t>
+            </a:r>
+            <a:r>
+              <a:rPr lang="en-US" sz="2400" dirty="0">
+                <a:solidFill>
+                  <a:srgbClr val="FF0000"/>
+                </a:solidFill>
+              </a:rPr>
+              <a:t>Big mountain </a:t>
+            </a:r>
+            <a:r>
+              <a:rPr lang="en-US" sz="2400" dirty="0"/>
+              <a:t>compare to other high-ranking resorts in these categories? </a:t>
+            </a:r>
+          </a:p>
+        </p:txBody>
+      </p:sp>
+      <p:pic>
+        <p:nvPicPr>
+          <p:cNvPr id="2050" name="Picture 2">
+            <a:extLst>
+              <a:ext uri="{FF2B5EF4-FFF2-40B4-BE49-F238E27FC236}">
+                <a16:creationId xmlns:a16="http://schemas.microsoft.com/office/drawing/2014/main" id="{D35467F6-B247-464B-A6E2-3F2A46BC7BF5}"/>
+              </a:ext>
+            </a:extLst>
+          </p:cNvPr>
+          <p:cNvPicPr>
+            <a:picLocks noGrp="1" noChangeAspect="1" noChangeArrowheads="1"/>
+          </p:cNvPicPr>
+          <p:nvPr>
+            <p:ph idx="1"/>
+          </p:nvPr>
+        </p:nvPicPr>
+        <p:blipFill>
+          <a:blip r:embed="rId2">
+            <a:extLst>
+              <a:ext uri="{28A0092B-C50C-407E-A947-70E740481C1C}">
+                <a14:useLocalDpi xmlns:a14="http://schemas.microsoft.com/office/drawing/2010/main" val="0"/>
+              </a:ext>
+            </a:extLst>
+          </a:blip>
+          <a:stretch>
+            <a:fillRect/>
+          </a:stretch>
+        </p:blipFill>
+        <p:spPr bwMode="auto">
+          <a:xfrm>
+            <a:off x="1688006" y="2390991"/>
+            <a:ext cx="8815988" cy="2292157"/>
+          </a:xfrm>
+          <a:prstGeom prst="rect">
+            <a:avLst/>
+          </a:prstGeom>
+          <a:noFill/>
+          <a:extLst>
+            <a:ext uri="{909E8E84-426E-40DD-AFC4-6F175D3DCCD1}">
+              <a14:hiddenFill xmlns:a14="http://schemas.microsoft.com/office/drawing/2010/main">
+                <a:solidFill>
+                  <a:srgbClr val="FFFFFF"/>
+                </a:solidFill>
+              </a14:hiddenFill>
+            </a:ext>
+          </a:extLst>
+        </p:spPr>
+      </p:pic>
+    </p:spTree>
+    <p:extLst>
+      <p:ext uri="{BB962C8B-B14F-4D97-AF65-F5344CB8AC3E}">
+        <p14:creationId xmlns:p14="http://schemas.microsoft.com/office/powerpoint/2010/main" val="3380734129"/>
+      </p:ext>
+    </p:extLst>
+  </p:cSld>
+  <p:clrMapOvr>
+    <a:masterClrMapping/>
+  </p:clrMapOvr>
+</p:sld>
+</file>
+
+<file path=ppt/slides/slide9.xml><?xml version="1.0" encoding="utf-8"?>
+<p:sld xmlns:a="http://schemas.openxmlformats.org/drawingml/2006/main" xmlns:r="http://schemas.openxmlformats.org/officeDocument/2006/relationships" xmlns:p="http://schemas.openxmlformats.org/presentationml/2006/main">
+  <p:cSld>
+    <p:spTree>
+      <p:nvGrpSpPr>
+        <p:cNvPr id="1" name=""/>
+        <p:cNvGrpSpPr/>
+        <p:nvPr/>
+      </p:nvGrpSpPr>
+      <p:grpSpPr>
+        <a:xfrm>
+          <a:off x="0" y="0"/>
+          <a:ext cx="0" cy="0"/>
+          <a:chOff x="0" y="0"/>
+          <a:chExt cx="0" cy="0"/>
+        </a:xfrm>
+      </p:grpSpPr>
+      <p:sp>
+        <p:nvSpPr>
+          <p:cNvPr id="2" name="Title 1">
+            <a:extLst>
+              <a:ext uri="{FF2B5EF4-FFF2-40B4-BE49-F238E27FC236}">
+                <a16:creationId xmlns:a16="http://schemas.microsoft.com/office/drawing/2014/main" id="{928F7144-8955-4F01-9A1E-99DA5E1DE823}"/>
+              </a:ext>
+            </a:extLst>
+          </p:cNvPr>
+          <p:cNvSpPr>
+            <a:spLocks noGrp="1"/>
+          </p:cNvSpPr>
+          <p:nvPr>
+            <p:ph type="title"/>
+          </p:nvPr>
+        </p:nvSpPr>
+        <p:spPr/>
+        <p:txBody>
+          <a:bodyPr/>
+          <a:lstStyle/>
+          <a:p>
+            <a:r>
+              <a:rPr lang="en-US" dirty="0"/>
+              <a:t>Conclusions</a:t>
+            </a:r>
+          </a:p>
+        </p:txBody>
+      </p:sp>
+      <p:sp>
+        <p:nvSpPr>
+          <p:cNvPr id="3" name="Content Placeholder 2">
+            <a:extLst>
+              <a:ext uri="{FF2B5EF4-FFF2-40B4-BE49-F238E27FC236}">
+                <a16:creationId xmlns:a16="http://schemas.microsoft.com/office/drawing/2014/main" id="{94A67916-59F0-453A-B1F6-BC86D200F811}"/>
+              </a:ext>
+            </a:extLst>
+          </p:cNvPr>
+          <p:cNvSpPr>
+            <a:spLocks noGrp="1"/>
+          </p:cNvSpPr>
+          <p:nvPr>
+            <p:ph idx="1"/>
+          </p:nvPr>
+        </p:nvSpPr>
+        <p:spPr/>
+        <p:txBody>
+          <a:bodyPr/>
+          <a:lstStyle/>
+          <a:p>
+            <a:r>
+              <a:rPr lang="en-US" dirty="0"/>
+              <a:t>We can increase our ticket price for this coming season without making any changes whatsoever. </a:t>
+            </a:r>
+          </a:p>
+          <a:p>
+            <a:r>
+              <a:rPr lang="en-US" dirty="0"/>
+              <a:t>We have options to either increase or decrease the number of features and facilities we have available, to either reduce operation costs or increase revenue through ticket sales. </a:t>
+            </a:r>
+          </a:p>
+          <a:p>
+            <a:r>
+              <a:rPr lang="en-US" dirty="0"/>
+              <a:t>For any options requiring changes to facilities, further analysis will need to be done that takes operation cost changes into account to get a more accurate picture of revenue changes. </a:t>
+            </a:r>
+          </a:p>
+        </p:txBody>
+      </p:sp>
+    </p:spTree>
+    <p:extLst>
+      <p:ext uri="{BB962C8B-B14F-4D97-AF65-F5344CB8AC3E}">
+        <p14:creationId xmlns:p14="http://schemas.microsoft.com/office/powerpoint/2010/main" val="1781534047"/>
       </p:ext>
     </p:extLst>
   </p:cSld>

--- a/Guided Capstone Slide Deck.pptx
+++ b/Guided Capstone Slide Deck.pptx
@@ -10,9 +10,9 @@
     <p:sldId id="258" r:id="rId4"/>
     <p:sldId id="259" r:id="rId5"/>
     <p:sldId id="260" r:id="rId6"/>
-    <p:sldId id="262" r:id="rId7"/>
+    <p:sldId id="265" r:id="rId7"/>
     <p:sldId id="263" r:id="rId8"/>
-    <p:sldId id="261" r:id="rId9"/>
+    <p:sldId id="266" r:id="rId9"/>
     <p:sldId id="264" r:id="rId10"/>
   </p:sldIdLst>
   <p:sldSz cx="12192000" cy="6858000"/>
@@ -2510,7 +2510,7 @@
         <a:p>
           <a:r>
             <a:rPr lang="en-US" sz="3500" dirty="0"/>
-            <a:t>Reduce</a:t>
+            <a:t>Decrease</a:t>
           </a:r>
         </a:p>
       </dgm:t>
@@ -2545,7 +2545,11 @@
         <a:lstStyle/>
         <a:p>
           <a:r>
-            <a:rPr lang="en-US" sz="1600" dirty="0"/>
+            <a:rPr lang="en-US" sz="1600" dirty="0">
+              <a:solidFill>
+                <a:schemeClr val="tx2"/>
+              </a:solidFill>
+            </a:rPr>
             <a:t>Close one run without a reduction in ticket price.</a:t>
           </a:r>
         </a:p>
@@ -2581,8 +2585,12 @@
         <a:lstStyle/>
         <a:p>
           <a:r>
-            <a:rPr lang="en-US" sz="1600" dirty="0"/>
-            <a:t>Close up to 5 runs with approx. reduction in ticket price of $0.70.</a:t>
+            <a:rPr lang="en-US" sz="1600" dirty="0">
+              <a:solidFill>
+                <a:schemeClr val="tx2"/>
+              </a:solidFill>
+            </a:rPr>
+            <a:t>Close up to 5 runs with approx. reduction in ticket price of 67¢.</a:t>
           </a:r>
         </a:p>
       </dgm:t>
@@ -2653,7 +2661,11 @@
         <a:lstStyle/>
         <a:p>
           <a:r>
-            <a:rPr lang="en-US" sz="1600" dirty="0"/>
+            <a:rPr lang="en-US" sz="1600" dirty="0">
+              <a:solidFill>
+                <a:schemeClr val="tx2"/>
+              </a:solidFill>
+            </a:rPr>
             <a:t>Add one run and lift, increasing our vertical drop, for ticket price increase of $1.99.</a:t>
           </a:r>
         </a:p>
@@ -2689,7 +2701,11 @@
         <a:lstStyle/>
         <a:p>
           <a:r>
-            <a:rPr lang="en-US" sz="1600" dirty="0"/>
+            <a:rPr lang="en-US" sz="1600" dirty="0">
+              <a:solidFill>
+                <a:schemeClr val="tx2"/>
+              </a:solidFill>
+            </a:rPr>
             <a:t>Consider instead making new lift a fast quad for potential ticket price increase of $23.87.</a:t>
           </a:r>
         </a:p>
@@ -2761,7 +2777,11 @@
         <a:lstStyle/>
         <a:p>
           <a:r>
-            <a:rPr lang="en-US" sz="1600" dirty="0"/>
+            <a:rPr lang="en-US" sz="1600" dirty="0">
+              <a:solidFill>
+                <a:schemeClr val="tx2"/>
+              </a:solidFill>
+            </a:rPr>
             <a:t>We are under-charging for our current facilities.</a:t>
           </a:r>
         </a:p>
@@ -2797,8 +2817,12 @@
         <a:lstStyle/>
         <a:p>
           <a:r>
-            <a:rPr lang="en-US" sz="1600" dirty="0"/>
-            <a:t>Even changing nothing, we can increase ticket price by almost $15.00.</a:t>
+            <a:rPr lang="en-US" sz="1600" dirty="0">
+              <a:solidFill>
+                <a:schemeClr val="tx2"/>
+              </a:solidFill>
+            </a:rPr>
+            <a:t>Even changing nothing, we can increase ticket price by up to $14.87.</a:t>
           </a:r>
         </a:p>
       </dgm:t>
@@ -4057,7 +4081,7 @@
           </a:pPr>
           <a:r>
             <a:rPr lang="en-US" sz="3500" kern="1200" dirty="0"/>
-            <a:t>Reduce</a:t>
+            <a:t>Decrease</a:t>
           </a:r>
         </a:p>
       </dsp:txBody>
@@ -4135,7 +4159,11 @@
             <a:buChar char="•"/>
           </a:pPr>
           <a:r>
-            <a:rPr lang="en-US" sz="1600" kern="1200" dirty="0"/>
+            <a:rPr lang="en-US" sz="1600" kern="1200" dirty="0">
+              <a:solidFill>
+                <a:schemeClr val="tx2"/>
+              </a:solidFill>
+            </a:rPr>
             <a:t>Close one run without a reduction in ticket price.</a:t>
           </a:r>
         </a:p>
@@ -4153,8 +4181,12 @@
             <a:buChar char="•"/>
           </a:pPr>
           <a:r>
-            <a:rPr lang="en-US" sz="1600" kern="1200" dirty="0"/>
-            <a:t>Close up to 5 runs with approx. reduction in ticket price of $0.70.</a:t>
+            <a:rPr lang="en-US" sz="1600" kern="1200" dirty="0">
+              <a:solidFill>
+                <a:schemeClr val="tx2"/>
+              </a:solidFill>
+            </a:rPr>
+            <a:t>Close up to 5 runs with approx. reduction in ticket price of 67¢.</a:t>
           </a:r>
         </a:p>
       </dsp:txBody>
@@ -4311,7 +4343,11 @@
             <a:buChar char="•"/>
           </a:pPr>
           <a:r>
-            <a:rPr lang="en-US" sz="1600" kern="1200" dirty="0"/>
+            <a:rPr lang="en-US" sz="1600" kern="1200" dirty="0">
+              <a:solidFill>
+                <a:schemeClr val="tx2"/>
+              </a:solidFill>
+            </a:rPr>
             <a:t>We are under-charging for our current facilities.</a:t>
           </a:r>
         </a:p>
@@ -4329,8 +4365,12 @@
             <a:buChar char="•"/>
           </a:pPr>
           <a:r>
-            <a:rPr lang="en-US" sz="1600" kern="1200" dirty="0"/>
-            <a:t>Even changing nothing, we can increase ticket price by almost $15.00.</a:t>
+            <a:rPr lang="en-US" sz="1600" kern="1200" dirty="0">
+              <a:solidFill>
+                <a:schemeClr val="tx2"/>
+              </a:solidFill>
+            </a:rPr>
+            <a:t>Even changing nothing, we can increase ticket price by up to $14.87.</a:t>
           </a:r>
         </a:p>
       </dsp:txBody>
@@ -4487,7 +4527,11 @@
             <a:buChar char="•"/>
           </a:pPr>
           <a:r>
-            <a:rPr lang="en-US" sz="1600" kern="1200" dirty="0"/>
+            <a:rPr lang="en-US" sz="1600" kern="1200" dirty="0">
+              <a:solidFill>
+                <a:schemeClr val="tx2"/>
+              </a:solidFill>
+            </a:rPr>
             <a:t>Add one run and lift, increasing our vertical drop, for ticket price increase of $1.99.</a:t>
           </a:r>
         </a:p>
@@ -4505,7 +4549,11 @@
             <a:buChar char="•"/>
           </a:pPr>
           <a:r>
-            <a:rPr lang="en-US" sz="1600" kern="1200" dirty="0"/>
+            <a:rPr lang="en-US" sz="1600" kern="1200" dirty="0">
+              <a:solidFill>
+                <a:schemeClr val="tx2"/>
+              </a:solidFill>
+            </a:rPr>
             <a:t>Consider instead making new lift a fast quad for potential ticket price increase of $23.87.</a:t>
           </a:r>
         </a:p>
@@ -7253,7 +7301,7 @@
           <a:p>
             <a:fld id="{7931BD16-DD67-462E-913C-BB7C6394805F}" type="datetimeFigureOut">
               <a:rPr lang="en-US" smtClean="0"/>
-              <a:t>12/30/2020</a:t>
+              <a:t>1/1/2021</a:t>
             </a:fld>
             <a:endParaRPr lang="en-US"/>
           </a:p>
@@ -7423,7 +7471,7 @@
           <a:p>
             <a:fld id="{7931BD16-DD67-462E-913C-BB7C6394805F}" type="datetimeFigureOut">
               <a:rPr lang="en-US" smtClean="0"/>
-              <a:t>12/30/2020</a:t>
+              <a:t>1/1/2021</a:t>
             </a:fld>
             <a:endParaRPr lang="en-US"/>
           </a:p>
@@ -7603,7 +7651,7 @@
           <a:p>
             <a:fld id="{7931BD16-DD67-462E-913C-BB7C6394805F}" type="datetimeFigureOut">
               <a:rPr lang="en-US" smtClean="0"/>
-              <a:t>12/30/2020</a:t>
+              <a:t>1/1/2021</a:t>
             </a:fld>
             <a:endParaRPr lang="en-US"/>
           </a:p>
@@ -7773,7 +7821,7 @@
           <a:p>
             <a:fld id="{7931BD16-DD67-462E-913C-BB7C6394805F}" type="datetimeFigureOut">
               <a:rPr lang="en-US" smtClean="0"/>
-              <a:t>12/30/2020</a:t>
+              <a:t>1/1/2021</a:t>
             </a:fld>
             <a:endParaRPr lang="en-US"/>
           </a:p>
@@ -8033,7 +8081,7 @@
           <a:p>
             <a:fld id="{7931BD16-DD67-462E-913C-BB7C6394805F}" type="datetimeFigureOut">
               <a:rPr lang="en-US" smtClean="0"/>
-              <a:t>12/30/2020</a:t>
+              <a:t>1/1/2021</a:t>
             </a:fld>
             <a:endParaRPr lang="en-US"/>
           </a:p>
@@ -8265,7 +8313,7 @@
           <a:p>
             <a:fld id="{7931BD16-DD67-462E-913C-BB7C6394805F}" type="datetimeFigureOut">
               <a:rPr lang="en-US" smtClean="0"/>
-              <a:t>12/30/2020</a:t>
+              <a:t>1/1/2021</a:t>
             </a:fld>
             <a:endParaRPr lang="en-US"/>
           </a:p>
@@ -8620,7 +8668,7 @@
           <a:p>
             <a:fld id="{7931BD16-DD67-462E-913C-BB7C6394805F}" type="datetimeFigureOut">
               <a:rPr lang="en-US" smtClean="0"/>
-              <a:t>12/30/2020</a:t>
+              <a:t>1/1/2021</a:t>
             </a:fld>
             <a:endParaRPr lang="en-US"/>
           </a:p>
@@ -8761,7 +8809,7 @@
           <a:p>
             <a:fld id="{7931BD16-DD67-462E-913C-BB7C6394805F}" type="datetimeFigureOut">
               <a:rPr lang="en-US" smtClean="0"/>
-              <a:t>12/30/2020</a:t>
+              <a:t>1/1/2021</a:t>
             </a:fld>
             <a:endParaRPr lang="en-US"/>
           </a:p>
@@ -8856,7 +8904,7 @@
           <a:p>
             <a:fld id="{7931BD16-DD67-462E-913C-BB7C6394805F}" type="datetimeFigureOut">
               <a:rPr lang="en-US" smtClean="0"/>
-              <a:t>12/30/2020</a:t>
+              <a:t>1/1/2021</a:t>
             </a:fld>
             <a:endParaRPr lang="en-US"/>
           </a:p>
@@ -9213,7 +9261,7 @@
           <a:p>
             <a:fld id="{7931BD16-DD67-462E-913C-BB7C6394805F}" type="datetimeFigureOut">
               <a:rPr lang="en-US" smtClean="0"/>
-              <a:t>12/30/2020</a:t>
+              <a:t>1/1/2021</a:t>
             </a:fld>
             <a:endParaRPr lang="en-US"/>
           </a:p>
@@ -9531,7 +9579,7 @@
           <a:p>
             <a:fld id="{7931BD16-DD67-462E-913C-BB7C6394805F}" type="datetimeFigureOut">
               <a:rPr lang="en-US" smtClean="0"/>
-              <a:t>12/30/2020</a:t>
+              <a:t>1/1/2021</a:t>
             </a:fld>
             <a:endParaRPr lang="en-US"/>
           </a:p>
@@ -9776,7 +9824,7 @@
           <a:p>
             <a:fld id="{7931BD16-DD67-462E-913C-BB7C6394805F}" type="datetimeFigureOut">
               <a:rPr lang="en-US" smtClean="0"/>
-              <a:t>12/30/2020</a:t>
+              <a:t>1/1/2021</a:t>
             </a:fld>
             <a:endParaRPr lang="en-US"/>
           </a:p>
@@ -11236,7 +11284,7 @@
             <p:ph idx="1"/>
             <p:extLst>
               <p:ext uri="{D42A27DB-BD31-4B8C-83A1-F6EECF244321}">
-                <p14:modId xmlns:p14="http://schemas.microsoft.com/office/powerpoint/2010/main" val="2243986673"/>
+                <p14:modId xmlns:p14="http://schemas.microsoft.com/office/powerpoint/2010/main" val="2691468475"/>
               </p:ext>
             </p:extLst>
           </p:nvPr>
@@ -11281,7 +11329,11 @@
           <a:p>
             <a:pPr algn="ctr"/>
             <a:r>
-              <a:rPr lang="en-US" dirty="0"/>
+              <a:rPr lang="en-US" dirty="0">
+                <a:solidFill>
+                  <a:schemeClr val="tx2"/>
+                </a:solidFill>
+              </a:rPr>
               <a:t>3 options based on what we would like to do with our facilities:</a:t>
             </a:r>
           </a:p>
@@ -11566,8 +11618,12 @@
           <a:p>
             <a:pPr algn="ctr"/>
             <a:r>
-              <a:rPr lang="en-US" dirty="0"/>
-              <a:t>Our model found 4 features across all resorts that had the largest impact on ticket price. This suggests these are the features that customers are most willing to pay more for. </a:t>
+              <a:rPr lang="en-US" dirty="0">
+                <a:solidFill>
+                  <a:schemeClr val="tx2"/>
+                </a:solidFill>
+              </a:rPr>
+              <a:t>Our model found 4 features across all resorts that had the largest impact on ticket price. These are the features that customers are most willing to pay more for. </a:t>
             </a:r>
           </a:p>
         </p:txBody>
@@ -11659,7 +11715,7 @@
           <p:cNvPr id="2" name="Title 1">
             <a:extLst>
               <a:ext uri="{FF2B5EF4-FFF2-40B4-BE49-F238E27FC236}">
-                <a16:creationId xmlns:a16="http://schemas.microsoft.com/office/drawing/2014/main" id="{4BC3C7E0-801F-4BA8-A365-96FA3AD85E14}"/>
+                <a16:creationId xmlns:a16="http://schemas.microsoft.com/office/drawing/2014/main" id="{C2A651F3-787F-4D19-869E-4008B55D1162}"/>
               </a:ext>
             </a:extLst>
           </p:cNvPr>
@@ -11670,14 +11726,21 @@
             <p:ph type="title"/>
           </p:nvPr>
         </p:nvSpPr>
-        <p:spPr/>
+        <p:spPr>
+          <a:xfrm>
+            <a:off x="2389355" y="376808"/>
+            <a:ext cx="7413290" cy="897359"/>
+          </a:xfrm>
+        </p:spPr>
         <p:txBody>
-          <a:bodyPr/>
+          <a:bodyPr>
+            <a:normAutofit/>
+          </a:bodyPr>
           <a:lstStyle/>
           <a:p>
             <a:r>
               <a:rPr lang="en-US" dirty="0"/>
-              <a:t>Scenario 1: reducing runs</a:t>
+              <a:t>Scenario 1: Decrease facilities</a:t>
             </a:r>
           </a:p>
         </p:txBody>
@@ -11687,7 +11750,7 @@
           <p:cNvPr id="3" name="Content Placeholder 2">
             <a:extLst>
               <a:ext uri="{FF2B5EF4-FFF2-40B4-BE49-F238E27FC236}">
-                <a16:creationId xmlns:a16="http://schemas.microsoft.com/office/drawing/2014/main" id="{8EF309A0-1092-4B16-97F7-5F754B07CA63}"/>
+                <a16:creationId xmlns:a16="http://schemas.microsoft.com/office/drawing/2014/main" id="{5AFC22FB-32F6-4860-80CD-FDB1232FEE36}"/>
               </a:ext>
             </a:extLst>
           </p:cNvPr>
@@ -11698,19 +11761,196 @@
             <p:ph idx="1"/>
           </p:nvPr>
         </p:nvSpPr>
-        <p:spPr/>
+        <p:spPr>
+          <a:xfrm>
+            <a:off x="534274" y="2235369"/>
+            <a:ext cx="5741836" cy="3409259"/>
+          </a:xfrm>
+        </p:spPr>
         <p:txBody>
-          <a:bodyPr/>
+          <a:bodyPr>
+            <a:normAutofit/>
+          </a:bodyPr>
           <a:lstStyle/>
           <a:p>
-            <a:endParaRPr lang="en-US"/>
+            <a:pPr marL="0" indent="0">
+              <a:buNone/>
+            </a:pPr>
+            <a:r>
+              <a:rPr lang="en-US" dirty="0">
+                <a:solidFill>
+                  <a:schemeClr val="tx1"/>
+                </a:solidFill>
+              </a:rPr>
+              <a:t>Proposal:</a:t>
+            </a:r>
+          </a:p>
+          <a:p>
+            <a:r>
+              <a:rPr lang="en-US" dirty="0">
+                <a:solidFill>
+                  <a:schemeClr val="tx2"/>
+                </a:solidFill>
+              </a:rPr>
+              <a:t>Close up to 10 of the least used runs</a:t>
+            </a:r>
+          </a:p>
+          <a:p>
+            <a:pPr marL="0" indent="0">
+              <a:buNone/>
+            </a:pPr>
+            <a:r>
+              <a:rPr lang="en-US" dirty="0">
+                <a:solidFill>
+                  <a:schemeClr val="tx1"/>
+                </a:solidFill>
+              </a:rPr>
+              <a:t>Outcome:</a:t>
+            </a:r>
+          </a:p>
+          <a:p>
+            <a:r>
+              <a:rPr lang="en-US" dirty="0">
+                <a:solidFill>
+                  <a:schemeClr val="tx2"/>
+                </a:solidFill>
+              </a:rPr>
+              <a:t>Closing 1 run requires no change to ticket price</a:t>
+            </a:r>
+          </a:p>
+          <a:p>
+            <a:r>
+              <a:rPr lang="en-US" dirty="0">
+                <a:solidFill>
+                  <a:schemeClr val="tx2"/>
+                </a:solidFill>
+              </a:rPr>
+              <a:t>Closing 2 runs requires a ticket reduction of 41¢</a:t>
+            </a:r>
+          </a:p>
+          <a:p>
+            <a:r>
+              <a:rPr lang="en-US" dirty="0">
+                <a:solidFill>
+                  <a:schemeClr val="tx2"/>
+                </a:solidFill>
+              </a:rPr>
+              <a:t>Closing 3, 4, or 5 runs requires a ticket reduction of 67¢</a:t>
+            </a:r>
+          </a:p>
+          <a:p>
+            <a:r>
+              <a:rPr lang="en-US" dirty="0">
+                <a:solidFill>
+                  <a:schemeClr val="tx2"/>
+                </a:solidFill>
+              </a:rPr>
+              <a:t>Closing 6+ runs reduces ticket price by $1.26 or more</a:t>
+            </a:r>
+          </a:p>
+          <a:p>
+            <a:endParaRPr lang="en-US" dirty="0">
+              <a:solidFill>
+                <a:schemeClr val="tx2"/>
+              </a:solidFill>
+            </a:endParaRPr>
+          </a:p>
+        </p:txBody>
+      </p:sp>
+      <p:sp>
+        <p:nvSpPr>
+          <p:cNvPr id="8" name="TextBox 7">
+            <a:extLst>
+              <a:ext uri="{FF2B5EF4-FFF2-40B4-BE49-F238E27FC236}">
+                <a16:creationId xmlns:a16="http://schemas.microsoft.com/office/drawing/2014/main" id="{44AE6D9C-71A4-427E-99FC-348907A627A0}"/>
+              </a:ext>
+            </a:extLst>
+          </p:cNvPr>
+          <p:cNvSpPr txBox="1"/>
+          <p:nvPr/>
+        </p:nvSpPr>
+        <p:spPr>
+          <a:xfrm>
+            <a:off x="6276110" y="2235369"/>
+            <a:ext cx="3014030" cy="369332"/>
+          </a:xfrm>
+          <a:prstGeom prst="rect">
+            <a:avLst/>
+          </a:prstGeom>
+          <a:noFill/>
+        </p:spPr>
+        <p:txBody>
+          <a:bodyPr wrap="none" rtlCol="0">
+            <a:spAutoFit/>
+          </a:bodyPr>
+          <a:lstStyle/>
+          <a:p>
+            <a:r>
+              <a:rPr lang="en-US" dirty="0"/>
+              <a:t>Why does this scenario work?</a:t>
+            </a:r>
+          </a:p>
+        </p:txBody>
+      </p:sp>
+      <p:sp>
+        <p:nvSpPr>
+          <p:cNvPr id="9" name="TextBox 8">
+            <a:extLst>
+              <a:ext uri="{FF2B5EF4-FFF2-40B4-BE49-F238E27FC236}">
+                <a16:creationId xmlns:a16="http://schemas.microsoft.com/office/drawing/2014/main" id="{4FA68980-261F-40EC-87E1-70DA7A506CC7}"/>
+              </a:ext>
+            </a:extLst>
+          </p:cNvPr>
+          <p:cNvSpPr txBox="1"/>
+          <p:nvPr/>
+        </p:nvSpPr>
+        <p:spPr>
+          <a:xfrm>
+            <a:off x="6575356" y="2637953"/>
+            <a:ext cx="4933349" cy="1200329"/>
+          </a:xfrm>
+          <a:prstGeom prst="rect">
+            <a:avLst/>
+          </a:prstGeom>
+          <a:noFill/>
+        </p:spPr>
+        <p:txBody>
+          <a:bodyPr wrap="square" rtlCol="0">
+            <a:spAutoFit/>
+          </a:bodyPr>
+          <a:lstStyle/>
+          <a:p>
+            <a:r>
+              <a:rPr lang="en-US" dirty="0">
+                <a:solidFill>
+                  <a:schemeClr val="tx2"/>
+                </a:solidFill>
+              </a:rPr>
+              <a:t>This is an easy solution to save on operation costs over the course of a season. While number of runs is a </a:t>
+            </a:r>
+            <a:r>
+              <a:rPr lang="en-US" dirty="0">
+                <a:solidFill>
+                  <a:schemeClr val="accent1"/>
+                </a:solidFill>
+              </a:rPr>
+              <a:t>key feature </a:t>
+            </a:r>
+            <a:r>
+              <a:rPr lang="en-US" dirty="0">
+                <a:solidFill>
+                  <a:schemeClr val="tx2"/>
+                </a:solidFill>
+              </a:rPr>
+              <a:t>when determining ticket price, our model suggests we have some leeway. </a:t>
+            </a:r>
           </a:p>
         </p:txBody>
       </p:sp>
     </p:spTree>
     <p:extLst>
       <p:ext uri="{BB962C8B-B14F-4D97-AF65-F5344CB8AC3E}">
-        <p14:creationId xmlns:p14="http://schemas.microsoft.com/office/powerpoint/2010/main" val="3933552368"/>
+        <p14:creationId xmlns:p14="http://schemas.microsoft.com/office/powerpoint/2010/main" val="3645345168"/>
       </p:ext>
     </p:extLst>
   </p:cSld>
@@ -11721,6 +11961,389 @@
 </file>
 
 <file path=ppt/slides/slide7.xml><?xml version="1.0" encoding="utf-8"?>
+<p:sld xmlns:a="http://schemas.openxmlformats.org/drawingml/2006/main" xmlns:r="http://schemas.openxmlformats.org/officeDocument/2006/relationships" xmlns:p="http://schemas.openxmlformats.org/presentationml/2006/main">
+  <p:cSld>
+    <p:bg>
+      <p:bgPr>
+        <a:solidFill>
+          <a:schemeClr val="bg1">
+            <a:lumMod val="95000"/>
+          </a:schemeClr>
+        </a:solidFill>
+        <a:effectLst/>
+      </p:bgPr>
+    </p:bg>
+    <p:spTree>
+      <p:nvGrpSpPr>
+        <p:cNvPr id="1" name=""/>
+        <p:cNvGrpSpPr/>
+        <p:nvPr/>
+      </p:nvGrpSpPr>
+      <p:grpSpPr>
+        <a:xfrm>
+          <a:off x="0" y="0"/>
+          <a:ext cx="0" cy="0"/>
+          <a:chOff x="0" y="0"/>
+          <a:chExt cx="0" cy="0"/>
+        </a:xfrm>
+      </p:grpSpPr>
+      <p:sp>
+        <p:nvSpPr>
+          <p:cNvPr id="2" name="Title 1">
+            <a:extLst>
+              <a:ext uri="{FF2B5EF4-FFF2-40B4-BE49-F238E27FC236}">
+                <a16:creationId xmlns:a16="http://schemas.microsoft.com/office/drawing/2014/main" id="{C2A651F3-787F-4D19-869E-4008B55D1162}"/>
+              </a:ext>
+            </a:extLst>
+          </p:cNvPr>
+          <p:cNvSpPr>
+            <a:spLocks noGrp="1"/>
+          </p:cNvSpPr>
+          <p:nvPr>
+            <p:ph type="title"/>
+          </p:nvPr>
+        </p:nvSpPr>
+        <p:spPr>
+          <a:xfrm>
+            <a:off x="2389355" y="376808"/>
+            <a:ext cx="7413290" cy="897359"/>
+          </a:xfrm>
+        </p:spPr>
+        <p:txBody>
+          <a:bodyPr>
+            <a:normAutofit/>
+          </a:bodyPr>
+          <a:lstStyle/>
+          <a:p>
+            <a:r>
+              <a:rPr lang="en-US" dirty="0"/>
+              <a:t>Scenario 2: Increase facilities</a:t>
+            </a:r>
+          </a:p>
+        </p:txBody>
+      </p:sp>
+      <p:sp>
+        <p:nvSpPr>
+          <p:cNvPr id="3" name="Content Placeholder 2">
+            <a:extLst>
+              <a:ext uri="{FF2B5EF4-FFF2-40B4-BE49-F238E27FC236}">
+                <a16:creationId xmlns:a16="http://schemas.microsoft.com/office/drawing/2014/main" id="{5AFC22FB-32F6-4860-80CD-FDB1232FEE36}"/>
+              </a:ext>
+            </a:extLst>
+          </p:cNvPr>
+          <p:cNvSpPr>
+            <a:spLocks noGrp="1"/>
+          </p:cNvSpPr>
+          <p:nvPr>
+            <p:ph idx="1"/>
+          </p:nvPr>
+        </p:nvSpPr>
+        <p:spPr>
+          <a:xfrm>
+            <a:off x="534273" y="2235369"/>
+            <a:ext cx="4774789" cy="3409259"/>
+          </a:xfrm>
+        </p:spPr>
+        <p:txBody>
+          <a:bodyPr>
+            <a:normAutofit/>
+          </a:bodyPr>
+          <a:lstStyle/>
+          <a:p>
+            <a:pPr marL="0" indent="0">
+              <a:buNone/>
+            </a:pPr>
+            <a:r>
+              <a:rPr lang="en-US" dirty="0">
+                <a:solidFill>
+                  <a:schemeClr val="tx1"/>
+                </a:solidFill>
+              </a:rPr>
+              <a:t>Proposal:</a:t>
+            </a:r>
+          </a:p>
+          <a:p>
+            <a:r>
+              <a:rPr lang="en-US" dirty="0">
+                <a:solidFill>
+                  <a:schemeClr val="tx2"/>
+                </a:solidFill>
+              </a:rPr>
+              <a:t>Add a run</a:t>
+            </a:r>
+          </a:p>
+          <a:p>
+            <a:r>
+              <a:rPr lang="en-US" dirty="0">
+                <a:solidFill>
+                  <a:schemeClr val="tx2"/>
+                </a:solidFill>
+              </a:rPr>
+              <a:t>Increase vertical drop by 150 ft</a:t>
+            </a:r>
+          </a:p>
+          <a:p>
+            <a:r>
+              <a:rPr lang="en-US" dirty="0">
+                <a:solidFill>
+                  <a:schemeClr val="tx2"/>
+                </a:solidFill>
+              </a:rPr>
+              <a:t>Add a chair lift for new run</a:t>
+            </a:r>
+          </a:p>
+          <a:p>
+            <a:endParaRPr lang="en-US" dirty="0">
+              <a:solidFill>
+                <a:schemeClr val="tx2"/>
+              </a:solidFill>
+            </a:endParaRPr>
+          </a:p>
+          <a:p>
+            <a:pPr marL="0" indent="0">
+              <a:buNone/>
+            </a:pPr>
+            <a:r>
+              <a:rPr lang="en-US" dirty="0">
+                <a:solidFill>
+                  <a:schemeClr val="tx1"/>
+                </a:solidFill>
+              </a:rPr>
+              <a:t>Outcome:</a:t>
+            </a:r>
+          </a:p>
+          <a:p>
+            <a:r>
+              <a:rPr lang="en-US" dirty="0">
+                <a:solidFill>
+                  <a:schemeClr val="tx2"/>
+                </a:solidFill>
+              </a:rPr>
+              <a:t>Increased ticket price: $1.99</a:t>
+            </a:r>
+          </a:p>
+          <a:p>
+            <a:r>
+              <a:rPr lang="en-US" dirty="0">
+                <a:solidFill>
+                  <a:schemeClr val="tx2"/>
+                </a:solidFill>
+              </a:rPr>
+              <a:t>Projected additional revenue: $3,474,638</a:t>
+            </a:r>
+          </a:p>
+        </p:txBody>
+      </p:sp>
+      <p:pic>
+        <p:nvPicPr>
+          <p:cNvPr id="13" name="Picture 2">
+            <a:extLst>
+              <a:ext uri="{FF2B5EF4-FFF2-40B4-BE49-F238E27FC236}">
+                <a16:creationId xmlns:a16="http://schemas.microsoft.com/office/drawing/2014/main" id="{A44DFD08-EAFD-4902-B066-75AC4C9A05E1}"/>
+              </a:ext>
+            </a:extLst>
+          </p:cNvPr>
+          <p:cNvPicPr>
+            <a:picLocks noChangeAspect="1" noChangeArrowheads="1"/>
+          </p:cNvPicPr>
+          <p:nvPr/>
+        </p:nvPicPr>
+        <p:blipFill rotWithShape="1">
+          <a:blip r:embed="rId2">
+            <a:extLst>
+              <a:ext uri="{28A0092B-C50C-407E-A947-70E740481C1C}">
+                <a14:useLocalDpi xmlns:a14="http://schemas.microsoft.com/office/drawing/2010/main" val="0"/>
+              </a:ext>
+            </a:extLst>
+          </a:blip>
+          <a:srcRect l="24510" r="50008"/>
+          <a:stretch/>
+        </p:blipFill>
+        <p:spPr bwMode="auto">
+          <a:xfrm>
+            <a:off x="8679717" y="3577092"/>
+            <a:ext cx="2687065" cy="2741653"/>
+          </a:xfrm>
+          <a:prstGeom prst="rect">
+            <a:avLst/>
+          </a:prstGeom>
+          <a:noFill/>
+          <a:extLst>
+            <a:ext uri="{909E8E84-426E-40DD-AFC4-6F175D3DCCD1}">
+              <a14:hiddenFill xmlns:a14="http://schemas.microsoft.com/office/drawing/2010/main">
+                <a:solidFill>
+                  <a:srgbClr val="FFFFFF"/>
+                </a:solidFill>
+              </a14:hiddenFill>
+            </a:ext>
+          </a:extLst>
+        </p:spPr>
+      </p:pic>
+      <p:pic>
+        <p:nvPicPr>
+          <p:cNvPr id="15" name="Picture 2">
+            <a:extLst>
+              <a:ext uri="{FF2B5EF4-FFF2-40B4-BE49-F238E27FC236}">
+                <a16:creationId xmlns:a16="http://schemas.microsoft.com/office/drawing/2014/main" id="{6708FC66-7193-4DF0-91A8-92D0FB055649}"/>
+              </a:ext>
+            </a:extLst>
+          </p:cNvPr>
+          <p:cNvPicPr>
+            <a:picLocks noChangeAspect="1" noChangeArrowheads="1"/>
+          </p:cNvPicPr>
+          <p:nvPr/>
+        </p:nvPicPr>
+        <p:blipFill rotWithShape="1">
+          <a:blip r:embed="rId2">
+            <a:extLst>
+              <a:ext uri="{28A0092B-C50C-407E-A947-70E740481C1C}">
+                <a14:useLocalDpi xmlns:a14="http://schemas.microsoft.com/office/drawing/2010/main" val="0"/>
+              </a:ext>
+            </a:extLst>
+          </a:blip>
+          <a:srcRect l="74843"/>
+          <a:stretch/>
+        </p:blipFill>
+        <p:spPr bwMode="auto">
+          <a:xfrm>
+            <a:off x="6012970" y="3577091"/>
+            <a:ext cx="2652794" cy="2741653"/>
+          </a:xfrm>
+          <a:prstGeom prst="rect">
+            <a:avLst/>
+          </a:prstGeom>
+          <a:noFill/>
+          <a:extLst>
+            <a:ext uri="{909E8E84-426E-40DD-AFC4-6F175D3DCCD1}">
+              <a14:hiddenFill xmlns:a14="http://schemas.microsoft.com/office/drawing/2010/main">
+                <a:solidFill>
+                  <a:srgbClr val="FFFFFF"/>
+                </a:solidFill>
+              </a14:hiddenFill>
+            </a:ext>
+          </a:extLst>
+        </p:spPr>
+      </p:pic>
+      <p:sp>
+        <p:nvSpPr>
+          <p:cNvPr id="6" name="TextBox 5">
+            <a:extLst>
+              <a:ext uri="{FF2B5EF4-FFF2-40B4-BE49-F238E27FC236}">
+                <a16:creationId xmlns:a16="http://schemas.microsoft.com/office/drawing/2014/main" id="{75277953-0F90-4808-94DE-7E6D73F87B84}"/>
+              </a:ext>
+            </a:extLst>
+          </p:cNvPr>
+          <p:cNvSpPr txBox="1"/>
+          <p:nvPr/>
+        </p:nvSpPr>
+        <p:spPr>
+          <a:xfrm>
+            <a:off x="5922564" y="2235369"/>
+            <a:ext cx="3014030" cy="369332"/>
+          </a:xfrm>
+          <a:prstGeom prst="rect">
+            <a:avLst/>
+          </a:prstGeom>
+          <a:noFill/>
+        </p:spPr>
+        <p:txBody>
+          <a:bodyPr wrap="none" rtlCol="0">
+            <a:spAutoFit/>
+          </a:bodyPr>
+          <a:lstStyle/>
+          <a:p>
+            <a:r>
+              <a:rPr lang="en-US" dirty="0"/>
+              <a:t>Why does this scenario work?</a:t>
+            </a:r>
+          </a:p>
+        </p:txBody>
+      </p:sp>
+      <p:sp>
+        <p:nvSpPr>
+          <p:cNvPr id="7" name="TextBox 6">
+            <a:extLst>
+              <a:ext uri="{FF2B5EF4-FFF2-40B4-BE49-F238E27FC236}">
+                <a16:creationId xmlns:a16="http://schemas.microsoft.com/office/drawing/2014/main" id="{4254B42E-BABD-4CCC-A398-D73B6C074E76}"/>
+              </a:ext>
+            </a:extLst>
+          </p:cNvPr>
+          <p:cNvSpPr txBox="1"/>
+          <p:nvPr/>
+        </p:nvSpPr>
+        <p:spPr>
+          <a:xfrm>
+            <a:off x="6304936" y="2629231"/>
+            <a:ext cx="5061846" cy="923330"/>
+          </a:xfrm>
+          <a:prstGeom prst="rect">
+            <a:avLst/>
+          </a:prstGeom>
+          <a:noFill/>
+        </p:spPr>
+        <p:txBody>
+          <a:bodyPr wrap="square" rtlCol="0">
+            <a:spAutoFit/>
+          </a:bodyPr>
+          <a:lstStyle/>
+          <a:p>
+            <a:r>
+              <a:rPr lang="en-US" dirty="0">
+                <a:solidFill>
+                  <a:schemeClr val="tx2"/>
+                </a:solidFill>
+              </a:rPr>
+              <a:t>Compared to other top resorts, </a:t>
+            </a:r>
+            <a:r>
+              <a:rPr lang="en-US" dirty="0">
+                <a:solidFill>
+                  <a:srgbClr val="FF6565"/>
+                </a:solidFill>
+              </a:rPr>
+              <a:t>Big Mountain </a:t>
+            </a:r>
+            <a:r>
+              <a:rPr lang="en-US" dirty="0">
+                <a:solidFill>
+                  <a:schemeClr val="tx2"/>
+                </a:solidFill>
+              </a:rPr>
+              <a:t>is below average on two</a:t>
+            </a:r>
+            <a:r>
+              <a:rPr lang="en-US" dirty="0">
+                <a:solidFill>
+                  <a:schemeClr val="accent1"/>
+                </a:solidFill>
+              </a:rPr>
+              <a:t> key features </a:t>
+            </a:r>
+            <a:r>
+              <a:rPr lang="en-US" dirty="0">
+                <a:solidFill>
+                  <a:schemeClr val="tx2"/>
+                </a:solidFill>
+              </a:rPr>
+              <a:t>that this proposal addresses. </a:t>
+            </a:r>
+          </a:p>
+        </p:txBody>
+      </p:sp>
+    </p:spTree>
+    <p:extLst>
+      <p:ext uri="{BB962C8B-B14F-4D97-AF65-F5344CB8AC3E}">
+        <p14:creationId xmlns:p14="http://schemas.microsoft.com/office/powerpoint/2010/main" val="3344834382"/>
+      </p:ext>
+    </p:extLst>
+  </p:cSld>
+  <p:clrMapOvr>
+    <a:masterClrMapping/>
+  </p:clrMapOvr>
+</p:sld>
+</file>
+
+<file path=ppt/slides/slide8.xml><?xml version="1.0" encoding="utf-8"?>
 <p:sld xmlns:a="http://schemas.openxmlformats.org/drawingml/2006/main" xmlns:r="http://schemas.openxmlformats.org/officeDocument/2006/relationships" xmlns:p="http://schemas.openxmlformats.org/presentationml/2006/main">
   <p:cSld>
     <p:spTree>
@@ -11753,14 +12376,21 @@
             <p:ph type="title"/>
           </p:nvPr>
         </p:nvSpPr>
-        <p:spPr/>
+        <p:spPr>
+          <a:xfrm>
+            <a:off x="2389355" y="376808"/>
+            <a:ext cx="7413290" cy="897359"/>
+          </a:xfrm>
+        </p:spPr>
         <p:txBody>
-          <a:bodyPr/>
+          <a:bodyPr>
+            <a:normAutofit/>
+          </a:bodyPr>
           <a:lstStyle/>
           <a:p>
             <a:r>
               <a:rPr lang="en-US" dirty="0"/>
-              <a:t>Scenario 2: adding a run and lift</a:t>
+              <a:t>Scenario 2B: Increase facilities</a:t>
             </a:r>
           </a:p>
         </p:txBody>
@@ -11781,119 +12411,239 @@
             <p:ph idx="1"/>
           </p:nvPr>
         </p:nvSpPr>
-        <p:spPr/>
+        <p:spPr>
+          <a:xfrm>
+            <a:off x="534273" y="2235369"/>
+            <a:ext cx="4774789" cy="3409259"/>
+          </a:xfrm>
+        </p:spPr>
         <p:txBody>
-          <a:bodyPr/>
+          <a:bodyPr>
+            <a:normAutofit/>
+          </a:bodyPr>
           <a:lstStyle/>
           <a:p>
-            <a:endParaRPr lang="en-US"/>
+            <a:pPr marL="0" indent="0">
+              <a:buNone/>
+            </a:pPr>
+            <a:r>
+              <a:rPr lang="en-US" dirty="0">
+                <a:solidFill>
+                  <a:schemeClr val="tx1"/>
+                </a:solidFill>
+              </a:rPr>
+              <a:t>Proposal:</a:t>
+            </a:r>
+          </a:p>
+          <a:p>
+            <a:r>
+              <a:rPr lang="en-US" dirty="0">
+                <a:solidFill>
+                  <a:schemeClr val="tx2"/>
+                </a:solidFill>
+              </a:rPr>
+              <a:t>Add a run</a:t>
+            </a:r>
+          </a:p>
+          <a:p>
+            <a:r>
+              <a:rPr lang="en-US" dirty="0">
+                <a:solidFill>
+                  <a:schemeClr val="tx2"/>
+                </a:solidFill>
+              </a:rPr>
+              <a:t>Increase vertical drop by 150 ft</a:t>
+            </a:r>
+          </a:p>
+          <a:p>
+            <a:r>
+              <a:rPr lang="en-US" i="1" dirty="0">
+                <a:solidFill>
+                  <a:schemeClr val="accent3"/>
+                </a:solidFill>
+              </a:rPr>
+              <a:t>Add a fast quad lift</a:t>
+            </a:r>
+          </a:p>
+          <a:p>
+            <a:endParaRPr lang="en-US" dirty="0">
+              <a:solidFill>
+                <a:schemeClr val="tx2"/>
+              </a:solidFill>
+            </a:endParaRPr>
+          </a:p>
+          <a:p>
+            <a:pPr marL="0" indent="0">
+              <a:buNone/>
+            </a:pPr>
+            <a:r>
+              <a:rPr lang="en-US" dirty="0">
+                <a:solidFill>
+                  <a:schemeClr val="tx1"/>
+                </a:solidFill>
+              </a:rPr>
+              <a:t>Outcome:</a:t>
+            </a:r>
+          </a:p>
+          <a:p>
+            <a:r>
+              <a:rPr lang="en-US" dirty="0">
+                <a:solidFill>
+                  <a:schemeClr val="tx2"/>
+                </a:solidFill>
+              </a:rPr>
+              <a:t>Increased ticket price: </a:t>
+            </a:r>
+            <a:r>
+              <a:rPr lang="en-US" dirty="0">
+                <a:solidFill>
+                  <a:schemeClr val="accent3"/>
+                </a:solidFill>
+              </a:rPr>
+              <a:t>$23.87</a:t>
+            </a:r>
+          </a:p>
+          <a:p>
+            <a:r>
+              <a:rPr lang="en-US" dirty="0">
+                <a:solidFill>
+                  <a:schemeClr val="tx2"/>
+                </a:solidFill>
+              </a:rPr>
+              <a:t>Projected additional revenue: </a:t>
+            </a:r>
+            <a:r>
+              <a:rPr lang="en-US" dirty="0">
+                <a:solidFill>
+                  <a:schemeClr val="accent3"/>
+                </a:solidFill>
+              </a:rPr>
+              <a:t>$41,771,993</a:t>
+            </a:r>
           </a:p>
         </p:txBody>
       </p:sp>
-    </p:spTree>
-    <p:extLst>
-      <p:ext uri="{BB962C8B-B14F-4D97-AF65-F5344CB8AC3E}">
-        <p14:creationId xmlns:p14="http://schemas.microsoft.com/office/powerpoint/2010/main" val="3344834382"/>
-      </p:ext>
-    </p:extLst>
-  </p:cSld>
-  <p:clrMapOvr>
-    <a:masterClrMapping/>
-  </p:clrMapOvr>
-</p:sld>
-</file>
-
-<file path=ppt/slides/slide8.xml><?xml version="1.0" encoding="utf-8"?>
-<p:sld xmlns:a="http://schemas.openxmlformats.org/drawingml/2006/main" xmlns:r="http://schemas.openxmlformats.org/officeDocument/2006/relationships" xmlns:p="http://schemas.openxmlformats.org/presentationml/2006/main">
-  <p:cSld>
-    <p:bg>
-      <p:bgPr>
-        <a:solidFill>
-          <a:schemeClr val="bg1">
-            <a:lumMod val="95000"/>
-          </a:schemeClr>
-        </a:solidFill>
-        <a:effectLst/>
-      </p:bgPr>
-    </p:bg>
-    <p:spTree>
-      <p:nvGrpSpPr>
-        <p:cNvPr id="1" name=""/>
-        <p:cNvGrpSpPr/>
-        <p:nvPr/>
-      </p:nvGrpSpPr>
-      <p:grpSpPr>
-        <a:xfrm>
-          <a:off x="0" y="0"/>
-          <a:ext cx="0" cy="0"/>
-          <a:chOff x="0" y="0"/>
-          <a:chExt cx="0" cy="0"/>
-        </a:xfrm>
-      </p:grpSpPr>
       <p:sp>
         <p:nvSpPr>
-          <p:cNvPr id="2" name="Title 1">
+          <p:cNvPr id="6" name="TextBox 5">
             <a:extLst>
               <a:ext uri="{FF2B5EF4-FFF2-40B4-BE49-F238E27FC236}">
-                <a16:creationId xmlns:a16="http://schemas.microsoft.com/office/drawing/2014/main" id="{39D08A4A-63AA-4ABE-B0A0-2975FF788E3F}"/>
+                <a16:creationId xmlns:a16="http://schemas.microsoft.com/office/drawing/2014/main" id="{75277953-0F90-4808-94DE-7E6D73F87B84}"/>
               </a:ext>
             </a:extLst>
           </p:cNvPr>
-          <p:cNvSpPr>
-            <a:spLocks noGrp="1"/>
-          </p:cNvSpPr>
-          <p:nvPr>
-            <p:ph type="title"/>
-          </p:nvPr>
+          <p:cNvSpPr txBox="1"/>
+          <p:nvPr/>
         </p:nvSpPr>
         <p:spPr>
           <a:xfrm>
-            <a:off x="1688006" y="964692"/>
-            <a:ext cx="8815988" cy="1188720"/>
+            <a:off x="5922564" y="2235369"/>
+            <a:ext cx="3014030" cy="369332"/>
           </a:xfrm>
+          <a:prstGeom prst="rect">
+            <a:avLst/>
+          </a:prstGeom>
+          <a:noFill/>
         </p:spPr>
         <p:txBody>
-          <a:bodyPr vert="horz" lIns="182880" tIns="182880" rIns="182880" bIns="182880" rtlCol="0" anchor="ctr">
-            <a:normAutofit/>
+          <a:bodyPr wrap="none" rtlCol="0">
+            <a:spAutoFit/>
           </a:bodyPr>
           <a:lstStyle/>
           <a:p>
             <a:r>
-              <a:rPr lang="en-US" sz="2400" dirty="0"/>
-              <a:t>How does </a:t>
-            </a:r>
-            <a:r>
-              <a:rPr lang="en-US" sz="2400" dirty="0">
+              <a:rPr lang="en-US" dirty="0"/>
+              <a:t>Why does this scenario work?</a:t>
+            </a:r>
+          </a:p>
+        </p:txBody>
+      </p:sp>
+      <p:sp>
+        <p:nvSpPr>
+          <p:cNvPr id="8" name="TextBox 7">
+            <a:extLst>
+              <a:ext uri="{FF2B5EF4-FFF2-40B4-BE49-F238E27FC236}">
+                <a16:creationId xmlns:a16="http://schemas.microsoft.com/office/drawing/2014/main" id="{6547217F-7576-4A1C-8AF0-867CCEC7C675}"/>
+              </a:ext>
+            </a:extLst>
+          </p:cNvPr>
+          <p:cNvSpPr txBox="1"/>
+          <p:nvPr/>
+        </p:nvSpPr>
+        <p:spPr>
+          <a:xfrm>
+            <a:off x="6304936" y="2629231"/>
+            <a:ext cx="5061846" cy="1200329"/>
+          </a:xfrm>
+          <a:prstGeom prst="rect">
+            <a:avLst/>
+          </a:prstGeom>
+          <a:noFill/>
+        </p:spPr>
+        <p:txBody>
+          <a:bodyPr wrap="square" rtlCol="0">
+            <a:spAutoFit/>
+          </a:bodyPr>
+          <a:lstStyle/>
+          <a:p>
+            <a:r>
+              <a:rPr lang="en-US" dirty="0">
                 <a:solidFill>
-                  <a:srgbClr val="FF0000"/>
+                  <a:schemeClr val="tx2"/>
                 </a:solidFill>
               </a:rPr>
-              <a:t>Big mountain </a:t>
-            </a:r>
-            <a:r>
-              <a:rPr lang="en-US" sz="2400" dirty="0"/>
-              <a:t>compare to other high-ranking resorts in these categories? </a:t>
+              <a:t>Recall fast quad lifts are the number one </a:t>
+            </a:r>
+            <a:r>
+              <a:rPr lang="en-US" dirty="0">
+                <a:solidFill>
+                  <a:schemeClr val="accent1"/>
+                </a:solidFill>
+              </a:rPr>
+              <a:t>key feature </a:t>
+            </a:r>
+            <a:r>
+              <a:rPr lang="en-US" dirty="0">
+                <a:solidFill>
+                  <a:schemeClr val="tx2"/>
+                </a:solidFill>
+              </a:rPr>
+              <a:t>customers are willing to pay more for.  Adding one more fast quad puts </a:t>
+            </a:r>
+            <a:r>
+              <a:rPr lang="en-US" dirty="0">
+                <a:solidFill>
+                  <a:srgbClr val="FF6565"/>
+                </a:solidFill>
+              </a:rPr>
+              <a:t>Big Mountain </a:t>
+            </a:r>
+            <a:r>
+              <a:rPr lang="en-US" dirty="0">
+                <a:solidFill>
+                  <a:schemeClr val="tx2"/>
+                </a:solidFill>
+              </a:rPr>
+              <a:t>at the median compared to other top resorts. </a:t>
             </a:r>
           </a:p>
         </p:txBody>
       </p:sp>
       <p:pic>
         <p:nvPicPr>
-          <p:cNvPr id="2050" name="Picture 2">
+          <p:cNvPr id="10" name="Picture 2">
             <a:extLst>
               <a:ext uri="{FF2B5EF4-FFF2-40B4-BE49-F238E27FC236}">
-                <a16:creationId xmlns:a16="http://schemas.microsoft.com/office/drawing/2014/main" id="{D35467F6-B247-464B-A6E2-3F2A46BC7BF5}"/>
+                <a16:creationId xmlns:a16="http://schemas.microsoft.com/office/drawing/2014/main" id="{7B80CDB5-799D-42B7-A931-EAFCA656299D}"/>
               </a:ext>
             </a:extLst>
           </p:cNvPr>
           <p:cNvPicPr>
-            <a:picLocks noGrp="1" noChangeAspect="1" noChangeArrowheads="1"/>
+            <a:picLocks noChangeAspect="1" noChangeArrowheads="1"/>
           </p:cNvPicPr>
-          <p:nvPr>
-            <p:ph idx="1"/>
-          </p:nvPr>
+          <p:nvPr/>
         </p:nvPicPr>
-        <p:blipFill>
+        <p:blipFill rotWithShape="1">
           <a:blip r:embed="rId2">
             <a:extLst>
               <a:ext uri="{28A0092B-C50C-407E-A947-70E740481C1C}">
@@ -11901,14 +12651,13 @@
               </a:ext>
             </a:extLst>
           </a:blip>
-          <a:stretch>
-            <a:fillRect/>
-          </a:stretch>
+          <a:srcRect r="75396"/>
+          <a:stretch/>
         </p:blipFill>
         <p:spPr bwMode="auto">
           <a:xfrm>
-            <a:off x="1688006" y="2390991"/>
-            <a:ext cx="8815988" cy="2292157"/>
+            <a:off x="7633546" y="3854090"/>
+            <a:ext cx="2169099" cy="2292157"/>
           </a:xfrm>
           <a:prstGeom prst="rect">
             <a:avLst/>
@@ -11928,7 +12677,7 @@
     </p:spTree>
     <p:extLst>
       <p:ext uri="{BB962C8B-B14F-4D97-AF65-F5344CB8AC3E}">
-        <p14:creationId xmlns:p14="http://schemas.microsoft.com/office/powerpoint/2010/main" val="3380734129"/>
+        <p14:creationId xmlns:p14="http://schemas.microsoft.com/office/powerpoint/2010/main" val="3981538063"/>
       </p:ext>
     </p:extLst>
   </p:cSld>
@@ -12005,19 +12754,31 @@
           <a:lstStyle/>
           <a:p>
             <a:r>
-              <a:rPr lang="en-US" dirty="0"/>
+              <a:rPr lang="en-US" dirty="0">
+                <a:solidFill>
+                  <a:schemeClr val="tx2"/>
+                </a:solidFill>
+              </a:rPr>
               <a:t>We can increase our ticket price for this coming season without making any changes whatsoever. </a:t>
             </a:r>
           </a:p>
           <a:p>
             <a:r>
-              <a:rPr lang="en-US" dirty="0"/>
-              <a:t>We have options to either increase or decrease the number of features and facilities we have available, to either reduce operation costs or increase revenue through ticket sales. </a:t>
-            </a:r>
-          </a:p>
-          <a:p>
-            <a:r>
-              <a:rPr lang="en-US" dirty="0"/>
+              <a:rPr lang="en-US" dirty="0">
+                <a:solidFill>
+                  <a:schemeClr val="tx2"/>
+                </a:solidFill>
+              </a:rPr>
+              <a:t>We have options to either increase or decrease the number of features and facilities we have available, to either reduce operation costs or increase income. </a:t>
+            </a:r>
+          </a:p>
+          <a:p>
+            <a:r>
+              <a:rPr lang="en-US" dirty="0">
+                <a:solidFill>
+                  <a:schemeClr val="tx2"/>
+                </a:solidFill>
+              </a:rPr>
               <a:t>For any options requiring changes to facilities, further analysis will need to be done that takes operation cost changes into account to get a more accurate picture of revenue changes. </a:t>
             </a:r>
           </a:p>
